--- a/1987_Nguyen Ngoc Nghia_RSS1_MentorMentee_25G.pptx
+++ b/1987_Nguyen Ngoc Nghia_RSS1_MentorMentee_25G.pptx
@@ -5,7 +5,7 @@
     <p:sldMasterId id="2147483736" r:id="rId1"/>
   </p:sldMasterIdLst>
   <p:notesMasterIdLst>
-    <p:notesMasterId r:id="rId22"/>
+    <p:notesMasterId r:id="rId24"/>
   </p:notesMasterIdLst>
   <p:sldIdLst>
     <p:sldId id="257" r:id="rId2"/>
@@ -26,8 +26,10 @@
     <p:sldId id="409" r:id="rId17"/>
     <p:sldId id="410" r:id="rId18"/>
     <p:sldId id="411" r:id="rId19"/>
-    <p:sldId id="398" r:id="rId20"/>
-    <p:sldId id="363" r:id="rId21"/>
+    <p:sldId id="415" r:id="rId20"/>
+    <p:sldId id="412" r:id="rId21"/>
+    <p:sldId id="398" r:id="rId22"/>
+    <p:sldId id="363" r:id="rId23"/>
   </p:sldIdLst>
   <p:sldSz cx="12192000" cy="6858000"/>
   <p:notesSz cx="6858000" cy="9144000"/>
@@ -252,7 +254,7 @@
           <a:p>
             <a:fld id="{6417C3E4-834A-4FDE-8876-3ED4986C368E}" type="datetimeFigureOut">
               <a:rPr lang="en-US" smtClean="0"/>
-              <a:t>6/16/2017</a:t>
+              <a:t>6/20/2017</a:t>
             </a:fld>
             <a:endParaRPr lang="en-US" dirty="0"/>
           </a:p>
@@ -9087,14 +9089,6 @@
                         </a:rPr>
                         <a:t> tool</a:t>
                       </a:r>
-                      <a:endParaRPr kumimoji="1" lang="en-US" sz="1800" b="0" i="0" u="none" strike="noStrike" kern="1200" baseline="0" dirty="0" smtClean="0">
-                        <a:solidFill>
-                          <a:schemeClr val="dk1"/>
-                        </a:solidFill>
-                        <a:latin typeface="+mn-lt"/>
-                        <a:ea typeface="+mn-ea"/>
-                        <a:cs typeface="+mn-cs"/>
-                      </a:endParaRPr>
                     </a:p>
                   </a:txBody>
                   <a:tcPr/>
@@ -9136,14 +9130,6 @@
                         </a:rPr>
                         <a:t>Provide sample source code</a:t>
                       </a:r>
-                      <a:endParaRPr kumimoji="1" lang="en-US" sz="1800" b="0" i="0" u="none" strike="noStrike" kern="1200" baseline="0" dirty="0" smtClean="0">
-                        <a:solidFill>
-                          <a:schemeClr val="dk1"/>
-                        </a:solidFill>
-                        <a:latin typeface="+mn-lt"/>
-                        <a:ea typeface="+mn-ea"/>
-                        <a:cs typeface="+mn-cs"/>
-                      </a:endParaRPr>
                     </a:p>
                   </a:txBody>
                   <a:tcPr/>
@@ -12503,11 +12489,6 @@
               </a:rPr>
               <a:t>Check</a:t>
             </a:r>
-            <a:endParaRPr lang="en-US" dirty="0">
-              <a:solidFill>
-                <a:srgbClr val="FFC000"/>
-              </a:solidFill>
-            </a:endParaRPr>
           </a:p>
         </p:txBody>
       </p:sp>
@@ -12569,11 +12550,6 @@
               </a:rPr>
               <a:t>Feedback, help</a:t>
             </a:r>
-            <a:endParaRPr lang="en-US" dirty="0">
-              <a:solidFill>
-                <a:srgbClr val="FFC000"/>
-              </a:solidFill>
-            </a:endParaRPr>
           </a:p>
         </p:txBody>
       </p:sp>
@@ -12642,7 +12618,6 @@
               <a:rPr lang="en-US" dirty="0"/>
               <a:t>Practice, do task</a:t>
             </a:r>
-            <a:endParaRPr lang="en-US" dirty="0"/>
           </a:p>
         </p:txBody>
       </p:sp>
@@ -12711,7 +12686,6 @@
               <a:rPr lang="en-US" dirty="0"/>
               <a:t>Make output</a:t>
             </a:r>
-            <a:endParaRPr lang="en-US" dirty="0"/>
           </a:p>
         </p:txBody>
       </p:sp>
@@ -12746,7 +12720,6 @@
               <a:rPr lang="en-US" dirty="0"/>
               <a:t>Make report</a:t>
             </a:r>
-            <a:endParaRPr lang="en-US" dirty="0"/>
           </a:p>
         </p:txBody>
       </p:sp>
@@ -13250,7 +13223,15 @@
             </a:br>
             <a:r>
               <a:rPr lang="en-US" sz="2000" cap="all" dirty="0" smtClean="0"/>
-              <a:t>planning (2/2)</a:t>
+              <a:t>planning </a:t>
+            </a:r>
+            <a:r>
+              <a:rPr lang="en-US" sz="2000" cap="all" dirty="0" smtClean="0"/>
+              <a:t>(1/2</a:t>
+            </a:r>
+            <a:r>
+              <a:rPr lang="en-US" sz="2000" cap="all" dirty="0" smtClean="0"/>
+              <a:t>)</a:t>
             </a:r>
             <a:endParaRPr lang="en-US" sz="2000" cap="all" dirty="0"/>
           </a:p>
@@ -13418,7 +13399,6 @@
               <a:rPr lang="en-US" dirty="0"/>
               <a:t>show maximum performance of R-Car Gen3 platform</a:t>
             </a:r>
-            <a:endParaRPr lang="en-US" dirty="0"/>
           </a:p>
         </p:txBody>
       </p:sp>
@@ -13513,7 +13493,15 @@
             </a:br>
             <a:r>
               <a:rPr lang="en-US" sz="2000" cap="all" dirty="0" smtClean="0"/>
-              <a:t>planning (1/2)</a:t>
+              <a:t>planning </a:t>
+            </a:r>
+            <a:r>
+              <a:rPr lang="en-US" sz="2000" cap="all" dirty="0" smtClean="0"/>
+              <a:t>(1/2</a:t>
+            </a:r>
+            <a:r>
+              <a:rPr lang="en-US" sz="2000" cap="all" dirty="0" smtClean="0"/>
+              <a:t>)</a:t>
             </a:r>
             <a:endParaRPr lang="en-US" sz="2000" cap="all" dirty="0"/>
           </a:p>
@@ -13550,118 +13538,13 @@
       </p:sp>
       <p:sp>
         <p:nvSpPr>
-          <p:cNvPr id="8" name="Content Placeholder 7"/>
-          <p:cNvSpPr>
-            <a:spLocks noGrp="1"/>
-          </p:cNvSpPr>
-          <p:nvPr>
-            <p:ph idx="1"/>
-          </p:nvPr>
-        </p:nvSpPr>
-        <p:spPr>
-          <a:xfrm>
-            <a:off x="1080000" y="1800000"/>
-            <a:ext cx="9000000" cy="2671501"/>
-          </a:xfrm>
-        </p:spPr>
-        <p:txBody>
-          <a:bodyPr/>
-          <a:lstStyle/>
-          <a:p>
-            <a:r>
-              <a:rPr lang="en-US" b="1" dirty="0"/>
-              <a:t>Extract test </a:t>
-            </a:r>
-            <a:r>
-              <a:rPr lang="en-US" b="1" dirty="0" smtClean="0"/>
-              <a:t>items</a:t>
-            </a:r>
-            <a:br>
-              <a:rPr lang="en-US" b="1" dirty="0" smtClean="0"/>
-            </a:br>
-            <a:r>
-              <a:rPr lang="en-US" dirty="0"/>
-              <a:t>Propose/create test cases for system evaluation</a:t>
-            </a:r>
-            <a:endParaRPr lang="en-US" b="1" dirty="0" smtClean="0"/>
-          </a:p>
-          <a:p>
-            <a:r>
-              <a:rPr lang="en-US" b="1" dirty="0"/>
-              <a:t>Conduct tests and round up the </a:t>
-            </a:r>
-            <a:r>
-              <a:rPr lang="en-US" b="1" dirty="0" smtClean="0"/>
-              <a:t>results</a:t>
-            </a:r>
-            <a:br>
-              <a:rPr lang="en-US" b="1" dirty="0" smtClean="0"/>
-            </a:br>
-            <a:r>
-              <a:rPr lang="en-US" dirty="0"/>
-              <a:t>Run system evaluation pipelines, measure detail performance and make report</a:t>
-            </a:r>
-            <a:endParaRPr lang="en-US" b="1" dirty="0" smtClean="0"/>
-          </a:p>
-          <a:p>
-            <a:r>
-              <a:rPr lang="en-US" b="1" dirty="0"/>
-              <a:t>Failure </a:t>
-            </a:r>
-            <a:r>
-              <a:rPr lang="en-US" b="1" dirty="0" smtClean="0"/>
-              <a:t>analysis</a:t>
-            </a:r>
-            <a:br>
-              <a:rPr lang="en-US" b="1" dirty="0" smtClean="0"/>
-            </a:br>
-            <a:r>
-              <a:rPr lang="en-US" dirty="0"/>
-              <a:t>Inspect/analyze/fix all issues/failures while executing system evaluation Test Cases</a:t>
-            </a:r>
-            <a:endParaRPr lang="en-US" b="1" dirty="0" smtClean="0"/>
-          </a:p>
-          <a:p>
-            <a:r>
-              <a:rPr lang="en-US" b="1" dirty="0"/>
-              <a:t>Test environment </a:t>
-            </a:r>
-            <a:r>
-              <a:rPr lang="en-US" b="1" dirty="0" smtClean="0"/>
-              <a:t>construction</a:t>
-            </a:r>
-            <a:br>
-              <a:rPr lang="en-US" b="1" dirty="0" smtClean="0"/>
-            </a:br>
-            <a:r>
-              <a:rPr lang="en-US" dirty="0"/>
-              <a:t>Investigate deeply about usage of Fuego framework, </a:t>
-            </a:r>
-            <a:r>
-              <a:rPr lang="en-US" dirty="0" err="1" smtClean="0"/>
-              <a:t>Gstreamer</a:t>
-            </a:r>
-            <a:r>
-              <a:rPr lang="en-US" dirty="0" smtClean="0"/>
-              <a:t> framework</a:t>
-            </a:r>
-            <a:r>
-              <a:rPr lang="en-US" dirty="0"/>
-              <a:t>, Linux </a:t>
-            </a:r>
-            <a:endParaRPr lang="en-US" dirty="0"/>
-          </a:p>
-        </p:txBody>
-      </p:sp>
-      <p:sp>
-        <p:nvSpPr>
-          <p:cNvPr id="9" name="Rectangle 8"/>
+          <p:cNvPr id="6" name="Rectangle 5"/>
           <p:cNvSpPr/>
           <p:nvPr/>
         </p:nvSpPr>
         <p:spPr>
           <a:xfrm>
-            <a:off x="1080000" y="6019800"/>
+            <a:off x="1075287" y="5983883"/>
             <a:ext cx="2368982" cy="369332"/>
           </a:xfrm>
           <a:prstGeom prst="rect">
@@ -13681,10 +13564,2464 @@
           </a:p>
         </p:txBody>
       </p:sp>
+      <p:sp>
+        <p:nvSpPr>
+          <p:cNvPr id="244" name="Content Placeholder 243"/>
+          <p:cNvSpPr>
+            <a:spLocks noGrp="1"/>
+          </p:cNvSpPr>
+          <p:nvPr>
+            <p:ph idx="1"/>
+          </p:nvPr>
+        </p:nvSpPr>
+        <p:spPr/>
+        <p:txBody>
+          <a:bodyPr/>
+          <a:lstStyle/>
+          <a:p>
+            <a:endParaRPr lang="en-US" dirty="0"/>
+          </a:p>
+        </p:txBody>
+      </p:sp>
+      <p:graphicFrame>
+        <p:nvGraphicFramePr>
+          <p:cNvPr id="245" name="コンテンツ プレースホルダー 4"/>
+          <p:cNvGraphicFramePr>
+            <a:graphicFrameLocks/>
+          </p:cNvGraphicFramePr>
+          <p:nvPr>
+            <p:extLst>
+              <p:ext uri="{D42A27DB-BD31-4B8C-83A1-F6EECF244321}">
+                <p14:modId xmlns:p14="http://schemas.microsoft.com/office/powerpoint/2010/main" val="912508569"/>
+              </p:ext>
+            </p:extLst>
+          </p:nvPr>
+        </p:nvGraphicFramePr>
+        <p:xfrm>
+          <a:off x="1667709" y="1800000"/>
+          <a:ext cx="8184582" cy="3669110"/>
+        </p:xfrm>
+        <a:graphic>
+          <a:graphicData uri="http://schemas.openxmlformats.org/drawingml/2006/table">
+            <a:tbl>
+              <a:tblPr firstRow="1" bandRow="1">
+                <a:tableStyleId>{5C22544A-7EE6-4342-B048-85BDC9FD1C3A}</a:tableStyleId>
+              </a:tblPr>
+              <a:tblGrid>
+                <a:gridCol w="481446">
+                  <a:extLst>
+                    <a:ext uri="{9D8B030D-6E8A-4147-A177-3AD203B41FA5}">
+                      <a16:colId xmlns="" xmlns:a16="http://schemas.microsoft.com/office/drawing/2014/main" val="2422075510"/>
+                    </a:ext>
+                  </a:extLst>
+                </a:gridCol>
+                <a:gridCol w="481446">
+                  <a:extLst>
+                    <a:ext uri="{9D8B030D-6E8A-4147-A177-3AD203B41FA5}">
+                      <a16:colId xmlns="" xmlns:a16="http://schemas.microsoft.com/office/drawing/2014/main" val="3619455640"/>
+                    </a:ext>
+                  </a:extLst>
+                </a:gridCol>
+                <a:gridCol w="481446">
+                  <a:extLst>
+                    <a:ext uri="{9D8B030D-6E8A-4147-A177-3AD203B41FA5}">
+                      <a16:colId xmlns="" xmlns:a16="http://schemas.microsoft.com/office/drawing/2014/main" val="1301063395"/>
+                    </a:ext>
+                  </a:extLst>
+                </a:gridCol>
+                <a:gridCol w="481446">
+                  <a:extLst>
+                    <a:ext uri="{9D8B030D-6E8A-4147-A177-3AD203B41FA5}">
+                      <a16:colId xmlns="" xmlns:a16="http://schemas.microsoft.com/office/drawing/2014/main" val="545569979"/>
+                    </a:ext>
+                  </a:extLst>
+                </a:gridCol>
+                <a:gridCol w="481446">
+                  <a:extLst>
+                    <a:ext uri="{9D8B030D-6E8A-4147-A177-3AD203B41FA5}">
+                      <a16:colId xmlns="" xmlns:a16="http://schemas.microsoft.com/office/drawing/2014/main" val="670636207"/>
+                    </a:ext>
+                  </a:extLst>
+                </a:gridCol>
+                <a:gridCol w="481446">
+                  <a:extLst>
+                    <a:ext uri="{9D8B030D-6E8A-4147-A177-3AD203B41FA5}">
+                      <a16:colId xmlns="" xmlns:a16="http://schemas.microsoft.com/office/drawing/2014/main" val="59761620"/>
+                    </a:ext>
+                  </a:extLst>
+                </a:gridCol>
+                <a:gridCol w="481446">
+                  <a:extLst>
+                    <a:ext uri="{9D8B030D-6E8A-4147-A177-3AD203B41FA5}">
+                      <a16:colId xmlns="" xmlns:a16="http://schemas.microsoft.com/office/drawing/2014/main" val="2734900729"/>
+                    </a:ext>
+                  </a:extLst>
+                </a:gridCol>
+                <a:gridCol w="481446">
+                  <a:extLst>
+                    <a:ext uri="{9D8B030D-6E8A-4147-A177-3AD203B41FA5}">
+                      <a16:colId xmlns="" xmlns:a16="http://schemas.microsoft.com/office/drawing/2014/main" val="2605019103"/>
+                    </a:ext>
+                  </a:extLst>
+                </a:gridCol>
+                <a:gridCol w="481446">
+                  <a:extLst>
+                    <a:ext uri="{9D8B030D-6E8A-4147-A177-3AD203B41FA5}">
+                      <a16:colId xmlns="" xmlns:a16="http://schemas.microsoft.com/office/drawing/2014/main" val="2846801397"/>
+                    </a:ext>
+                  </a:extLst>
+                </a:gridCol>
+                <a:gridCol w="481446">
+                  <a:extLst>
+                    <a:ext uri="{9D8B030D-6E8A-4147-A177-3AD203B41FA5}">
+                      <a16:colId xmlns="" xmlns:a16="http://schemas.microsoft.com/office/drawing/2014/main" val="2585864160"/>
+                    </a:ext>
+                  </a:extLst>
+                </a:gridCol>
+                <a:gridCol w="481446">
+                  <a:extLst>
+                    <a:ext uri="{9D8B030D-6E8A-4147-A177-3AD203B41FA5}">
+                      <a16:colId xmlns="" xmlns:a16="http://schemas.microsoft.com/office/drawing/2014/main" val="1680316290"/>
+                    </a:ext>
+                  </a:extLst>
+                </a:gridCol>
+                <a:gridCol w="481446">
+                  <a:extLst>
+                    <a:ext uri="{9D8B030D-6E8A-4147-A177-3AD203B41FA5}">
+                      <a16:colId xmlns="" xmlns:a16="http://schemas.microsoft.com/office/drawing/2014/main" val="3864384166"/>
+                    </a:ext>
+                  </a:extLst>
+                </a:gridCol>
+                <a:gridCol w="481446">
+                  <a:extLst>
+                    <a:ext uri="{9D8B030D-6E8A-4147-A177-3AD203B41FA5}">
+                      <a16:colId xmlns="" xmlns:a16="http://schemas.microsoft.com/office/drawing/2014/main" val="2053388672"/>
+                    </a:ext>
+                  </a:extLst>
+                </a:gridCol>
+                <a:gridCol w="481446">
+                  <a:extLst>
+                    <a:ext uri="{9D8B030D-6E8A-4147-A177-3AD203B41FA5}">
+                      <a16:colId xmlns="" xmlns:a16="http://schemas.microsoft.com/office/drawing/2014/main" val="2119016002"/>
+                    </a:ext>
+                  </a:extLst>
+                </a:gridCol>
+                <a:gridCol w="481446">
+                  <a:extLst>
+                    <a:ext uri="{9D8B030D-6E8A-4147-A177-3AD203B41FA5}">
+                      <a16:colId xmlns="" xmlns:a16="http://schemas.microsoft.com/office/drawing/2014/main" val="3907272650"/>
+                    </a:ext>
+                  </a:extLst>
+                </a:gridCol>
+                <a:gridCol w="481446">
+                  <a:extLst>
+                    <a:ext uri="{9D8B030D-6E8A-4147-A177-3AD203B41FA5}">
+                      <a16:colId xmlns="" xmlns:a16="http://schemas.microsoft.com/office/drawing/2014/main" val="1096394838"/>
+                    </a:ext>
+                  </a:extLst>
+                </a:gridCol>
+                <a:gridCol w="481446">
+                  <a:extLst>
+                    <a:ext uri="{9D8B030D-6E8A-4147-A177-3AD203B41FA5}">
+                      <a16:colId xmlns="" xmlns:a16="http://schemas.microsoft.com/office/drawing/2014/main" val="3136205369"/>
+                    </a:ext>
+                  </a:extLst>
+                </a:gridCol>
+              </a:tblGrid>
+              <a:tr h="584470">
+                <a:tc>
+                  <a:txBody>
+                    <a:bodyPr/>
+                    <a:lstStyle/>
+                    <a:p>
+                      <a:pPr algn="ctr"/>
+                      <a:r>
+                        <a:rPr kumimoji="1" lang="en-US" altLang="ja-JP" sz="1200" dirty="0"/>
+                        <a:t>‘17</a:t>
+                      </a:r>
+                    </a:p>
+                    <a:p>
+                      <a:pPr algn="ctr"/>
+                      <a:r>
+                        <a:rPr kumimoji="1" lang="en-US" altLang="ja-JP" sz="1200" dirty="0"/>
+                        <a:t>Jun</a:t>
+                      </a:r>
+                      <a:endParaRPr kumimoji="1" lang="ja-JP" altLang="en-US" sz="1200" dirty="0"/>
+                    </a:p>
+                  </a:txBody>
+                  <a:tcPr anchor="ctr"/>
+                </a:tc>
+                <a:tc>
+                  <a:txBody>
+                    <a:bodyPr/>
+                    <a:lstStyle/>
+                    <a:p>
+                      <a:pPr algn="ctr"/>
+                      <a:r>
+                        <a:rPr kumimoji="1" lang="en-US" altLang="ja-JP" sz="1200" dirty="0"/>
+                        <a:t>‘17</a:t>
+                      </a:r>
+                    </a:p>
+                    <a:p>
+                      <a:pPr algn="ctr"/>
+                      <a:r>
+                        <a:rPr kumimoji="1" lang="en-US" altLang="ja-JP" sz="1200" dirty="0"/>
+                        <a:t>Sep</a:t>
+                      </a:r>
+                      <a:endParaRPr kumimoji="1" lang="ja-JP" altLang="en-US" sz="1200" dirty="0"/>
+                    </a:p>
+                  </a:txBody>
+                  <a:tcPr anchor="ctr"/>
+                </a:tc>
+                <a:tc>
+                  <a:txBody>
+                    <a:bodyPr/>
+                    <a:lstStyle/>
+                    <a:p>
+                      <a:pPr algn="ctr"/>
+                      <a:r>
+                        <a:rPr kumimoji="1" lang="en-US" altLang="ja-JP" sz="1200" dirty="0"/>
+                        <a:t>‘17</a:t>
+                      </a:r>
+                    </a:p>
+                    <a:p>
+                      <a:pPr algn="ctr"/>
+                      <a:r>
+                        <a:rPr kumimoji="1" lang="en-US" altLang="ja-JP" sz="1200" dirty="0" smtClean="0"/>
+                        <a:t>Dec</a:t>
+                      </a:r>
+                      <a:endParaRPr kumimoji="1" lang="ja-JP" altLang="en-US" sz="1200" dirty="0"/>
+                    </a:p>
+                  </a:txBody>
+                  <a:tcPr anchor="ctr"/>
+                </a:tc>
+                <a:tc>
+                  <a:txBody>
+                    <a:bodyPr/>
+                    <a:lstStyle/>
+                    <a:p>
+                      <a:pPr algn="ctr"/>
+                      <a:r>
+                        <a:rPr kumimoji="1" lang="en-US" altLang="ja-JP" sz="1200" dirty="0"/>
+                        <a:t>‘17</a:t>
+                      </a:r>
+                    </a:p>
+                    <a:p>
+                      <a:pPr algn="ctr"/>
+                      <a:r>
+                        <a:rPr kumimoji="1" lang="en-US" altLang="ja-JP" sz="1200" dirty="0" smtClean="0"/>
+                        <a:t>Mar</a:t>
+                      </a:r>
+                      <a:endParaRPr kumimoji="1" lang="ja-JP" altLang="en-US" sz="1200" dirty="0"/>
+                    </a:p>
+                  </a:txBody>
+                  <a:tcPr anchor="ctr"/>
+                </a:tc>
+                <a:tc>
+                  <a:txBody>
+                    <a:bodyPr/>
+                    <a:lstStyle/>
+                    <a:p>
+                      <a:pPr algn="ctr"/>
+                      <a:r>
+                        <a:rPr kumimoji="1" lang="en-US" altLang="ja-JP" sz="1200" dirty="0"/>
+                        <a:t>‘18</a:t>
+                      </a:r>
+                    </a:p>
+                    <a:p>
+                      <a:pPr algn="ctr"/>
+                      <a:r>
+                        <a:rPr kumimoji="1" lang="en-US" altLang="ja-JP" sz="1200" dirty="0" smtClean="0"/>
+                        <a:t>Jun</a:t>
+                      </a:r>
+                      <a:endParaRPr kumimoji="1" lang="ja-JP" altLang="en-US" sz="1200" dirty="0"/>
+                    </a:p>
+                  </a:txBody>
+                  <a:tcPr anchor="ctr"/>
+                </a:tc>
+                <a:tc>
+                  <a:txBody>
+                    <a:bodyPr/>
+                    <a:lstStyle/>
+                    <a:p>
+                      <a:pPr marL="0" marR="0" lvl="0" indent="0" algn="ctr" defTabSz="914400" rtl="0" eaLnBrk="1" fontAlgn="auto" latinLnBrk="0" hangingPunct="1">
+                        <a:lnSpc>
+                          <a:spcPct val="100000"/>
+                        </a:lnSpc>
+                        <a:spcBef>
+                          <a:spcPts val="0"/>
+                        </a:spcBef>
+                        <a:spcAft>
+                          <a:spcPts val="0"/>
+                        </a:spcAft>
+                        <a:buClrTx/>
+                        <a:buSzTx/>
+                        <a:buFontTx/>
+                        <a:buNone/>
+                        <a:tabLst/>
+                        <a:defRPr/>
+                      </a:pPr>
+                      <a:r>
+                        <a:rPr kumimoji="1" lang="en-US" altLang="ja-JP" sz="1200" b="1" i="0" u="none" strike="noStrike" kern="1200" cap="none" spc="0" normalizeH="0" baseline="0" noProof="0" dirty="0" smtClean="0">
+                          <a:ln>
+                            <a:noFill/>
+                          </a:ln>
+                          <a:solidFill>
+                            <a:prstClr val="white"/>
+                          </a:solidFill>
+                          <a:effectLst/>
+                          <a:uLnTx/>
+                          <a:uFillTx/>
+                          <a:latin typeface="+mn-lt"/>
+                          <a:ea typeface="+mn-ea"/>
+                          <a:cs typeface="+mn-cs"/>
+                        </a:rPr>
+                        <a:t>‘18</a:t>
+                      </a:r>
+                    </a:p>
+                    <a:p>
+                      <a:pPr marL="0" marR="0" lvl="0" indent="0" algn="ctr" defTabSz="914400" rtl="0" eaLnBrk="1" fontAlgn="auto" latinLnBrk="0" hangingPunct="1">
+                        <a:lnSpc>
+                          <a:spcPct val="100000"/>
+                        </a:lnSpc>
+                        <a:spcBef>
+                          <a:spcPts val="0"/>
+                        </a:spcBef>
+                        <a:spcAft>
+                          <a:spcPts val="0"/>
+                        </a:spcAft>
+                        <a:buClrTx/>
+                        <a:buSzTx/>
+                        <a:buFontTx/>
+                        <a:buNone/>
+                        <a:tabLst/>
+                        <a:defRPr/>
+                      </a:pPr>
+                      <a:r>
+                        <a:rPr kumimoji="1" lang="en-US" altLang="ja-JP" sz="1200" b="1" i="0" u="none" strike="noStrike" kern="1200" cap="none" spc="0" normalizeH="0" baseline="0" noProof="0" dirty="0" smtClean="0">
+                          <a:ln>
+                            <a:noFill/>
+                          </a:ln>
+                          <a:solidFill>
+                            <a:prstClr val="white"/>
+                          </a:solidFill>
+                          <a:effectLst/>
+                          <a:uLnTx/>
+                          <a:uFillTx/>
+                          <a:latin typeface="+mn-lt"/>
+                          <a:ea typeface="+mn-ea"/>
+                          <a:cs typeface="+mn-cs"/>
+                        </a:rPr>
+                        <a:t>Sep</a:t>
+                      </a:r>
+                      <a:endParaRPr kumimoji="1" lang="ja-JP" altLang="en-US" sz="1200" b="1" i="0" u="none" strike="noStrike" kern="1200" cap="none" spc="0" normalizeH="0" baseline="0" noProof="0" dirty="0">
+                        <a:ln>
+                          <a:noFill/>
+                        </a:ln>
+                        <a:solidFill>
+                          <a:prstClr val="white"/>
+                        </a:solidFill>
+                        <a:effectLst/>
+                        <a:uLnTx/>
+                        <a:uFillTx/>
+                        <a:latin typeface="+mn-lt"/>
+                        <a:ea typeface="+mn-ea"/>
+                        <a:cs typeface="+mn-cs"/>
+                      </a:endParaRPr>
+                    </a:p>
+                  </a:txBody>
+                  <a:tcPr anchor="ctr"/>
+                </a:tc>
+                <a:tc>
+                  <a:txBody>
+                    <a:bodyPr/>
+                    <a:lstStyle/>
+                    <a:p>
+                      <a:pPr marL="0" marR="0" lvl="0" indent="0" algn="ctr" defTabSz="914400" rtl="0" eaLnBrk="1" fontAlgn="auto" latinLnBrk="0" hangingPunct="1">
+                        <a:lnSpc>
+                          <a:spcPct val="100000"/>
+                        </a:lnSpc>
+                        <a:spcBef>
+                          <a:spcPts val="0"/>
+                        </a:spcBef>
+                        <a:spcAft>
+                          <a:spcPts val="0"/>
+                        </a:spcAft>
+                        <a:buClrTx/>
+                        <a:buSzTx/>
+                        <a:buFontTx/>
+                        <a:buNone/>
+                        <a:tabLst/>
+                        <a:defRPr/>
+                      </a:pPr>
+                      <a:r>
+                        <a:rPr kumimoji="1" lang="en-US" altLang="ja-JP" sz="1200" b="1" i="0" u="none" strike="noStrike" kern="1200" cap="none" spc="0" normalizeH="0" baseline="0" noProof="0" dirty="0" smtClean="0">
+                          <a:ln>
+                            <a:noFill/>
+                          </a:ln>
+                          <a:solidFill>
+                            <a:prstClr val="white"/>
+                          </a:solidFill>
+                          <a:effectLst/>
+                          <a:uLnTx/>
+                          <a:uFillTx/>
+                          <a:latin typeface="+mn-lt"/>
+                          <a:ea typeface="+mn-ea"/>
+                          <a:cs typeface="+mn-cs"/>
+                        </a:rPr>
+                        <a:t>‘18</a:t>
+                      </a:r>
+                    </a:p>
+                    <a:p>
+                      <a:pPr marL="0" marR="0" lvl="0" indent="0" algn="ctr" defTabSz="914400" rtl="0" eaLnBrk="1" fontAlgn="auto" latinLnBrk="0" hangingPunct="1">
+                        <a:lnSpc>
+                          <a:spcPct val="100000"/>
+                        </a:lnSpc>
+                        <a:spcBef>
+                          <a:spcPts val="0"/>
+                        </a:spcBef>
+                        <a:spcAft>
+                          <a:spcPts val="0"/>
+                        </a:spcAft>
+                        <a:buClrTx/>
+                        <a:buSzTx/>
+                        <a:buFontTx/>
+                        <a:buNone/>
+                        <a:tabLst/>
+                        <a:defRPr/>
+                      </a:pPr>
+                      <a:r>
+                        <a:rPr kumimoji="1" lang="en-US" altLang="ja-JP" sz="1200" b="1" i="0" u="none" strike="noStrike" kern="1200" cap="none" spc="0" normalizeH="0" baseline="0" noProof="0" dirty="0" smtClean="0">
+                          <a:ln>
+                            <a:noFill/>
+                          </a:ln>
+                          <a:solidFill>
+                            <a:prstClr val="white"/>
+                          </a:solidFill>
+                          <a:effectLst/>
+                          <a:uLnTx/>
+                          <a:uFillTx/>
+                          <a:latin typeface="+mn-lt"/>
+                          <a:ea typeface="+mn-ea"/>
+                          <a:cs typeface="+mn-cs"/>
+                        </a:rPr>
+                        <a:t>Dec</a:t>
+                      </a:r>
+                      <a:endParaRPr kumimoji="1" lang="ja-JP" altLang="en-US" sz="1200" b="1" i="0" u="none" strike="noStrike" kern="1200" cap="none" spc="0" normalizeH="0" baseline="0" noProof="0" dirty="0">
+                        <a:ln>
+                          <a:noFill/>
+                        </a:ln>
+                        <a:solidFill>
+                          <a:prstClr val="white"/>
+                        </a:solidFill>
+                        <a:effectLst/>
+                        <a:uLnTx/>
+                        <a:uFillTx/>
+                        <a:latin typeface="+mn-lt"/>
+                        <a:ea typeface="+mn-ea"/>
+                        <a:cs typeface="+mn-cs"/>
+                      </a:endParaRPr>
+                    </a:p>
+                  </a:txBody>
+                  <a:tcPr anchor="ctr"/>
+                </a:tc>
+                <a:tc>
+                  <a:txBody>
+                    <a:bodyPr/>
+                    <a:lstStyle/>
+                    <a:p>
+                      <a:pPr algn="ctr"/>
+                      <a:r>
+                        <a:rPr kumimoji="1" lang="en-US" altLang="ja-JP" sz="1200" dirty="0" smtClean="0"/>
+                        <a:t>‘18</a:t>
+                      </a:r>
+                    </a:p>
+                    <a:p>
+                      <a:pPr algn="ctr"/>
+                      <a:r>
+                        <a:rPr kumimoji="1" lang="en-US" altLang="ja-JP" sz="1200" dirty="0" smtClean="0"/>
+                        <a:t>Mar</a:t>
+                      </a:r>
+                      <a:endParaRPr kumimoji="1" lang="ja-JP" altLang="en-US" sz="1200" dirty="0"/>
+                    </a:p>
+                  </a:txBody>
+                  <a:tcPr anchor="ctr"/>
+                </a:tc>
+                <a:tc>
+                  <a:txBody>
+                    <a:bodyPr/>
+                    <a:lstStyle/>
+                    <a:p>
+                      <a:pPr algn="ctr"/>
+                      <a:r>
+                        <a:rPr kumimoji="1" lang="en-US" altLang="ja-JP" sz="1200" dirty="0"/>
+                        <a:t>‘18</a:t>
+                      </a:r>
+                    </a:p>
+                    <a:p>
+                      <a:pPr algn="ctr"/>
+                      <a:r>
+                        <a:rPr kumimoji="1" lang="en-US" altLang="ja-JP" sz="1200" dirty="0" smtClean="0"/>
+                        <a:t>Jun</a:t>
+                      </a:r>
+                      <a:endParaRPr kumimoji="1" lang="ja-JP" altLang="en-US" sz="1200" dirty="0"/>
+                    </a:p>
+                  </a:txBody>
+                  <a:tcPr anchor="ctr"/>
+                </a:tc>
+                <a:tc>
+                  <a:txBody>
+                    <a:bodyPr/>
+                    <a:lstStyle/>
+                    <a:p>
+                      <a:pPr algn="ctr"/>
+                      <a:r>
+                        <a:rPr kumimoji="1" lang="en-US" altLang="ja-JP" sz="1200" dirty="0"/>
+                        <a:t>‘18</a:t>
+                      </a:r>
+                    </a:p>
+                    <a:p>
+                      <a:pPr algn="ctr"/>
+                      <a:r>
+                        <a:rPr kumimoji="1" lang="en-US" altLang="ja-JP" sz="1200" dirty="0" smtClean="0"/>
+                        <a:t>Dec</a:t>
+                      </a:r>
+                      <a:endParaRPr kumimoji="1" lang="ja-JP" altLang="en-US" sz="1200" dirty="0"/>
+                    </a:p>
+                  </a:txBody>
+                  <a:tcPr anchor="ctr"/>
+                </a:tc>
+                <a:tc>
+                  <a:txBody>
+                    <a:bodyPr/>
+                    <a:lstStyle/>
+                    <a:p>
+                      <a:pPr algn="ctr"/>
+                      <a:r>
+                        <a:rPr kumimoji="1" lang="en-US" altLang="ja-JP" sz="1200" dirty="0"/>
+                        <a:t>‘</a:t>
+                      </a:r>
+                      <a:r>
+                        <a:rPr kumimoji="1" lang="en-US" altLang="ja-JP" sz="1200" dirty="0" smtClean="0"/>
+                        <a:t>19</a:t>
+                      </a:r>
+                      <a:endParaRPr kumimoji="1" lang="en-US" altLang="ja-JP" sz="1200" dirty="0"/>
+                    </a:p>
+                    <a:p>
+                      <a:pPr algn="ctr"/>
+                      <a:r>
+                        <a:rPr kumimoji="1" lang="en-US" altLang="ja-JP" sz="1200" dirty="0" smtClean="0"/>
+                        <a:t>Mar</a:t>
+                      </a:r>
+                      <a:endParaRPr kumimoji="1" lang="ja-JP" altLang="en-US" sz="1200" dirty="0"/>
+                    </a:p>
+                  </a:txBody>
+                  <a:tcPr anchor="ctr"/>
+                </a:tc>
+                <a:tc>
+                  <a:txBody>
+                    <a:bodyPr/>
+                    <a:lstStyle/>
+                    <a:p>
+                      <a:pPr algn="ctr"/>
+                      <a:r>
+                        <a:rPr kumimoji="1" lang="en-US" altLang="ja-JP" sz="1200" dirty="0"/>
+                        <a:t>‘18</a:t>
+                      </a:r>
+                    </a:p>
+                    <a:p>
+                      <a:pPr algn="ctr"/>
+                      <a:r>
+                        <a:rPr kumimoji="1" lang="en-US" altLang="ja-JP" sz="1200" dirty="0"/>
+                        <a:t>Jul</a:t>
+                      </a:r>
+                      <a:endParaRPr kumimoji="1" lang="ja-JP" altLang="en-US" sz="1200" dirty="0"/>
+                    </a:p>
+                  </a:txBody>
+                  <a:tcPr anchor="ctr"/>
+                </a:tc>
+                <a:tc>
+                  <a:txBody>
+                    <a:bodyPr/>
+                    <a:lstStyle/>
+                    <a:p>
+                      <a:pPr algn="ctr"/>
+                      <a:r>
+                        <a:rPr kumimoji="1" lang="en-US" altLang="ja-JP" sz="1200" dirty="0"/>
+                        <a:t>‘18</a:t>
+                      </a:r>
+                    </a:p>
+                    <a:p>
+                      <a:pPr algn="ctr"/>
+                      <a:r>
+                        <a:rPr kumimoji="1" lang="en-US" altLang="ja-JP" sz="1200" dirty="0"/>
+                        <a:t>Sep</a:t>
+                      </a:r>
+                      <a:endParaRPr kumimoji="1" lang="ja-JP" altLang="en-US" sz="1200" dirty="0"/>
+                    </a:p>
+                  </a:txBody>
+                  <a:tcPr anchor="ctr"/>
+                </a:tc>
+                <a:tc>
+                  <a:txBody>
+                    <a:bodyPr/>
+                    <a:lstStyle/>
+                    <a:p>
+                      <a:pPr algn="ctr"/>
+                      <a:r>
+                        <a:rPr kumimoji="1" lang="en-US" altLang="ja-JP" sz="1200" dirty="0"/>
+                        <a:t>‘18</a:t>
+                      </a:r>
+                    </a:p>
+                    <a:p>
+                      <a:pPr algn="ctr"/>
+                      <a:r>
+                        <a:rPr kumimoji="1" lang="en-US" altLang="ja-JP" sz="1200" dirty="0" smtClean="0"/>
+                        <a:t>Dec</a:t>
+                      </a:r>
+                      <a:endParaRPr kumimoji="1" lang="ja-JP" altLang="en-US" sz="1200" dirty="0"/>
+                    </a:p>
+                  </a:txBody>
+                  <a:tcPr anchor="ctr"/>
+                </a:tc>
+                <a:tc>
+                  <a:txBody>
+                    <a:bodyPr/>
+                    <a:lstStyle/>
+                    <a:p>
+                      <a:pPr algn="ctr"/>
+                      <a:r>
+                        <a:rPr kumimoji="1" lang="en-US" altLang="ja-JP" sz="1200" dirty="0" smtClean="0"/>
+                        <a:t>‘19</a:t>
+                      </a:r>
+                    </a:p>
+                    <a:p>
+                      <a:pPr algn="ctr"/>
+                      <a:r>
+                        <a:rPr kumimoji="1" lang="en-US" altLang="ja-JP" sz="1200" dirty="0" smtClean="0"/>
+                        <a:t>Mar</a:t>
+                      </a:r>
+                      <a:endParaRPr kumimoji="1" lang="ja-JP" altLang="en-US" sz="1200" dirty="0"/>
+                    </a:p>
+                  </a:txBody>
+                  <a:tcPr anchor="ctr"/>
+                </a:tc>
+                <a:tc>
+                  <a:txBody>
+                    <a:bodyPr/>
+                    <a:lstStyle/>
+                    <a:p>
+                      <a:pPr algn="ctr"/>
+                      <a:r>
+                        <a:rPr kumimoji="1" lang="en-US" altLang="ja-JP" sz="1200" dirty="0"/>
+                        <a:t>‘</a:t>
+                      </a:r>
+                      <a:r>
+                        <a:rPr kumimoji="1" lang="en-US" altLang="ja-JP" sz="1200" dirty="0" smtClean="0"/>
+                        <a:t>19</a:t>
+                      </a:r>
+                      <a:endParaRPr kumimoji="1" lang="en-US" altLang="ja-JP" sz="1200" dirty="0"/>
+                    </a:p>
+                    <a:p>
+                      <a:pPr algn="ctr"/>
+                      <a:r>
+                        <a:rPr kumimoji="1" lang="en-US" altLang="ja-JP" sz="1200" dirty="0" smtClean="0"/>
+                        <a:t>Jun</a:t>
+                      </a:r>
+                      <a:endParaRPr kumimoji="1" lang="ja-JP" altLang="en-US" sz="1200" dirty="0"/>
+                    </a:p>
+                  </a:txBody>
+                  <a:tcPr anchor="ctr"/>
+                </a:tc>
+                <a:tc>
+                  <a:txBody>
+                    <a:bodyPr/>
+                    <a:lstStyle/>
+                    <a:p>
+                      <a:pPr algn="ctr"/>
+                      <a:endParaRPr kumimoji="1" lang="ja-JP" altLang="en-US" sz="1200" dirty="0"/>
+                    </a:p>
+                  </a:txBody>
+                  <a:tcPr anchor="ctr"/>
+                </a:tc>
+                <a:extLst>
+                  <a:ext uri="{0D108BD9-81ED-4DB2-BD59-A6C34878D82A}">
+                    <a16:rowId xmlns="" xmlns:a16="http://schemas.microsoft.com/office/drawing/2014/main" val="3457731746"/>
+                  </a:ext>
+                </a:extLst>
+              </a:tr>
+              <a:tr h="385580">
+                <a:tc rowSpan="2" gridSpan="14">
+                  <a:txBody>
+                    <a:bodyPr/>
+                    <a:lstStyle/>
+                    <a:p>
+                      <a:r>
+                        <a:rPr kumimoji="1" lang="en-US" sz="1800" b="1" i="0" u="none" strike="noStrike" kern="1200" baseline="0" dirty="0" smtClean="0">
+                          <a:solidFill>
+                            <a:schemeClr val="dk1"/>
+                          </a:solidFill>
+                          <a:latin typeface="+mn-lt"/>
+                          <a:ea typeface="+mn-ea"/>
+                          <a:cs typeface="+mn-cs"/>
+                        </a:rPr>
+                        <a:t>Software coding </a:t>
+                      </a:r>
+                      <a:br>
+                        <a:rPr kumimoji="1" lang="en-US" sz="1800" b="1" i="0" u="none" strike="noStrike" kern="1200" baseline="0" dirty="0" smtClean="0">
+                          <a:solidFill>
+                            <a:schemeClr val="dk1"/>
+                          </a:solidFill>
+                          <a:latin typeface="+mn-lt"/>
+                          <a:ea typeface="+mn-ea"/>
+                          <a:cs typeface="+mn-cs"/>
+                        </a:rPr>
+                      </a:br>
+                      <a:r>
+                        <a:rPr lang="en-US" sz="1200" b="0" i="0" u="none" strike="noStrike" baseline="0" dirty="0" smtClean="0">
+                          <a:solidFill>
+                            <a:srgbClr val="000000"/>
+                          </a:solidFill>
+                          <a:latin typeface="Arial" panose="020B0604020202020204" pitchFamily="34" charset="0"/>
+                        </a:rPr>
+                        <a:t>Implement performance tool set for R-Car Gen3 </a:t>
+                      </a:r>
+                    </a:p>
+                    <a:p>
+                      <a:r>
+                        <a:rPr lang="en-US" sz="1200" b="0" i="0" u="none" strike="noStrike" baseline="0" dirty="0" smtClean="0">
+                          <a:solidFill>
+                            <a:srgbClr val="000000"/>
+                          </a:solidFill>
+                          <a:latin typeface="Arial" panose="020B0604020202020204" pitchFamily="34" charset="0"/>
+                        </a:rPr>
+                        <a:t>Implement some specific </a:t>
+                      </a:r>
+                      <a:r>
+                        <a:rPr lang="en-US" sz="1200" b="0" i="0" u="none" strike="noStrike" baseline="0" dirty="0" err="1" smtClean="0">
+                          <a:solidFill>
+                            <a:srgbClr val="000000"/>
+                          </a:solidFill>
+                          <a:latin typeface="Arial" panose="020B0604020202020204" pitchFamily="34" charset="0"/>
+                        </a:rPr>
+                        <a:t>UseCase</a:t>
+                      </a:r>
+                      <a:r>
+                        <a:rPr lang="en-US" sz="1200" b="0" i="0" u="none" strike="noStrike" baseline="0" dirty="0" smtClean="0">
+                          <a:solidFill>
+                            <a:srgbClr val="000000"/>
+                          </a:solidFill>
+                          <a:latin typeface="Arial" panose="020B0604020202020204" pitchFamily="34" charset="0"/>
+                        </a:rPr>
+                        <a:t> to evaluate R-Car Gen3 performance </a:t>
+                      </a:r>
+                      <a:endParaRPr kumimoji="1" lang="ja-JP" altLang="en-US" sz="1200" dirty="0"/>
+                    </a:p>
+                  </a:txBody>
+                  <a:tcPr anchor="ctr"/>
+                </a:tc>
+                <a:tc rowSpan="2" hMerge="1">
+                  <a:txBody>
+                    <a:bodyPr/>
+                    <a:lstStyle/>
+                    <a:p>
+                      <a:pPr algn="ctr"/>
+                      <a:endParaRPr kumimoji="1" lang="ja-JP" altLang="en-US" sz="1200" dirty="0"/>
+                    </a:p>
+                  </a:txBody>
+                  <a:tcPr anchor="ctr"/>
+                </a:tc>
+                <a:tc rowSpan="2" hMerge="1">
+                  <a:txBody>
+                    <a:bodyPr/>
+                    <a:lstStyle/>
+                    <a:p>
+                      <a:pPr algn="ctr"/>
+                      <a:endParaRPr kumimoji="1" lang="ja-JP" altLang="en-US" sz="1200"/>
+                    </a:p>
+                  </a:txBody>
+                  <a:tcPr anchor="ctr"/>
+                </a:tc>
+                <a:tc rowSpan="2" hMerge="1">
+                  <a:txBody>
+                    <a:bodyPr/>
+                    <a:lstStyle/>
+                    <a:p>
+                      <a:pPr algn="ctr"/>
+                      <a:endParaRPr kumimoji="1" lang="ja-JP" altLang="en-US" sz="1200" dirty="0"/>
+                    </a:p>
+                  </a:txBody>
+                  <a:tcPr anchor="ctr"/>
+                </a:tc>
+                <a:tc rowSpan="2" hMerge="1">
+                  <a:txBody>
+                    <a:bodyPr/>
+                    <a:lstStyle/>
+                    <a:p>
+                      <a:pPr algn="ctr"/>
+                      <a:endParaRPr kumimoji="1" lang="ja-JP" altLang="en-US" sz="1200" dirty="0"/>
+                    </a:p>
+                  </a:txBody>
+                  <a:tcPr anchor="ctr"/>
+                </a:tc>
+                <a:tc rowSpan="2" hMerge="1">
+                  <a:txBody>
+                    <a:bodyPr/>
+                    <a:lstStyle/>
+                    <a:p>
+                      <a:pPr algn="ctr"/>
+                      <a:endParaRPr kumimoji="1" lang="ja-JP" altLang="en-US" sz="1200" dirty="0"/>
+                    </a:p>
+                  </a:txBody>
+                  <a:tcPr anchor="ctr"/>
+                </a:tc>
+                <a:tc rowSpan="2" hMerge="1">
+                  <a:txBody>
+                    <a:bodyPr/>
+                    <a:lstStyle/>
+                    <a:p>
+                      <a:pPr algn="ctr"/>
+                      <a:endParaRPr kumimoji="1" lang="ja-JP" altLang="en-US" sz="1200" dirty="0"/>
+                    </a:p>
+                  </a:txBody>
+                  <a:tcPr anchor="ctr"/>
+                </a:tc>
+                <a:tc rowSpan="2" hMerge="1">
+                  <a:txBody>
+                    <a:bodyPr/>
+                    <a:lstStyle/>
+                    <a:p>
+                      <a:pPr algn="ctr"/>
+                      <a:endParaRPr kumimoji="1" lang="ja-JP" altLang="en-US" sz="1200" dirty="0"/>
+                    </a:p>
+                  </a:txBody>
+                  <a:tcPr anchor="ctr"/>
+                </a:tc>
+                <a:tc rowSpan="2" hMerge="1">
+                  <a:txBody>
+                    <a:bodyPr/>
+                    <a:lstStyle/>
+                    <a:p>
+                      <a:pPr algn="ctr"/>
+                      <a:endParaRPr kumimoji="1" lang="ja-JP" altLang="en-US" sz="1200" dirty="0"/>
+                    </a:p>
+                  </a:txBody>
+                  <a:tcPr anchor="ctr"/>
+                </a:tc>
+                <a:tc rowSpan="2" hMerge="1">
+                  <a:txBody>
+                    <a:bodyPr/>
+                    <a:lstStyle/>
+                    <a:p>
+                      <a:pPr algn="ctr"/>
+                      <a:endParaRPr kumimoji="1" lang="ja-JP" altLang="en-US" sz="1200" dirty="0"/>
+                    </a:p>
+                  </a:txBody>
+                  <a:tcPr anchor="ctr"/>
+                </a:tc>
+                <a:tc rowSpan="2" hMerge="1">
+                  <a:txBody>
+                    <a:bodyPr/>
+                    <a:lstStyle/>
+                    <a:p>
+                      <a:pPr algn="ctr"/>
+                      <a:endParaRPr kumimoji="1" lang="ja-JP" altLang="en-US" sz="1200" dirty="0"/>
+                    </a:p>
+                  </a:txBody>
+                  <a:tcPr anchor="ctr"/>
+                </a:tc>
+                <a:tc rowSpan="2" hMerge="1">
+                  <a:txBody>
+                    <a:bodyPr/>
+                    <a:lstStyle/>
+                    <a:p>
+                      <a:pPr algn="ctr"/>
+                      <a:endParaRPr kumimoji="1" lang="ja-JP" altLang="en-US" sz="1200" dirty="0"/>
+                    </a:p>
+                  </a:txBody>
+                  <a:tcPr anchor="ctr"/>
+                </a:tc>
+                <a:tc rowSpan="2" hMerge="1">
+                  <a:txBody>
+                    <a:bodyPr/>
+                    <a:lstStyle/>
+                    <a:p>
+                      <a:pPr algn="ctr"/>
+                      <a:endParaRPr kumimoji="1" lang="ja-JP" altLang="en-US" sz="1200" dirty="0"/>
+                    </a:p>
+                  </a:txBody>
+                  <a:tcPr anchor="ctr"/>
+                </a:tc>
+                <a:tc rowSpan="2" hMerge="1">
+                  <a:txBody>
+                    <a:bodyPr/>
+                    <a:lstStyle/>
+                    <a:p>
+                      <a:pPr algn="ctr"/>
+                      <a:endParaRPr kumimoji="1" lang="ja-JP" altLang="en-US" sz="1200" dirty="0"/>
+                    </a:p>
+                  </a:txBody>
+                  <a:tcPr anchor="ctr"/>
+                </a:tc>
+                <a:tc>
+                  <a:txBody>
+                    <a:bodyPr/>
+                    <a:lstStyle/>
+                    <a:p>
+                      <a:pPr algn="ctr"/>
+                      <a:endParaRPr kumimoji="1" lang="ja-JP" altLang="en-US" sz="1200" dirty="0"/>
+                    </a:p>
+                  </a:txBody>
+                  <a:tcPr anchor="ctr"/>
+                </a:tc>
+                <a:tc>
+                  <a:txBody>
+                    <a:bodyPr/>
+                    <a:lstStyle/>
+                    <a:p>
+                      <a:pPr algn="ctr"/>
+                      <a:endParaRPr kumimoji="1" lang="ja-JP" altLang="en-US" sz="1200" dirty="0"/>
+                    </a:p>
+                  </a:txBody>
+                  <a:tcPr anchor="ctr"/>
+                </a:tc>
+                <a:tc>
+                  <a:txBody>
+                    <a:bodyPr/>
+                    <a:lstStyle/>
+                    <a:p>
+                      <a:pPr algn="ctr"/>
+                      <a:endParaRPr kumimoji="1" lang="ja-JP" altLang="en-US" sz="1200" dirty="0"/>
+                    </a:p>
+                  </a:txBody>
+                  <a:tcPr anchor="ctr"/>
+                </a:tc>
+                <a:extLst>
+                  <a:ext uri="{0D108BD9-81ED-4DB2-BD59-A6C34878D82A}">
+                    <a16:rowId xmlns="" xmlns:a16="http://schemas.microsoft.com/office/drawing/2014/main" val="1875520903"/>
+                  </a:ext>
+                </a:extLst>
+              </a:tr>
+              <a:tr h="385580">
+                <a:tc gridSpan="14" vMerge="1">
+                  <a:txBody>
+                    <a:bodyPr/>
+                    <a:lstStyle/>
+                    <a:p>
+                      <a:pPr algn="ctr"/>
+                      <a:endParaRPr kumimoji="1" lang="ja-JP" altLang="en-US" sz="1200" dirty="0"/>
+                    </a:p>
+                  </a:txBody>
+                  <a:tcPr anchor="ctr"/>
+                </a:tc>
+                <a:tc hMerge="1" vMerge="1">
+                  <a:txBody>
+                    <a:bodyPr/>
+                    <a:lstStyle/>
+                    <a:p>
+                      <a:pPr algn="ctr"/>
+                      <a:endParaRPr kumimoji="1" lang="ja-JP" altLang="en-US" sz="1200" dirty="0"/>
+                    </a:p>
+                  </a:txBody>
+                  <a:tcPr anchor="ctr"/>
+                </a:tc>
+                <a:tc hMerge="1" vMerge="1">
+                  <a:txBody>
+                    <a:bodyPr/>
+                    <a:lstStyle/>
+                    <a:p>
+                      <a:pPr algn="ctr"/>
+                      <a:endParaRPr kumimoji="1" lang="ja-JP" altLang="en-US" sz="1200" dirty="0"/>
+                    </a:p>
+                  </a:txBody>
+                  <a:tcPr anchor="ctr"/>
+                </a:tc>
+                <a:tc hMerge="1" vMerge="1">
+                  <a:txBody>
+                    <a:bodyPr/>
+                    <a:lstStyle/>
+                    <a:p>
+                      <a:pPr algn="ctr"/>
+                      <a:endParaRPr kumimoji="1" lang="ja-JP" altLang="en-US" sz="1200" dirty="0"/>
+                    </a:p>
+                  </a:txBody>
+                  <a:tcPr anchor="ctr"/>
+                </a:tc>
+                <a:tc hMerge="1" vMerge="1">
+                  <a:txBody>
+                    <a:bodyPr/>
+                    <a:lstStyle/>
+                    <a:p>
+                      <a:pPr algn="ctr"/>
+                      <a:endParaRPr kumimoji="1" lang="ja-JP" altLang="en-US" sz="1200" dirty="0"/>
+                    </a:p>
+                  </a:txBody>
+                  <a:tcPr anchor="ctr"/>
+                </a:tc>
+                <a:tc hMerge="1" vMerge="1">
+                  <a:txBody>
+                    <a:bodyPr/>
+                    <a:lstStyle/>
+                    <a:p>
+                      <a:pPr algn="ctr"/>
+                      <a:endParaRPr kumimoji="1" lang="ja-JP" altLang="en-US" sz="1200" dirty="0"/>
+                    </a:p>
+                  </a:txBody>
+                  <a:tcPr anchor="ctr"/>
+                </a:tc>
+                <a:tc hMerge="1" vMerge="1">
+                  <a:txBody>
+                    <a:bodyPr/>
+                    <a:lstStyle/>
+                    <a:p>
+                      <a:pPr algn="ctr"/>
+                      <a:endParaRPr kumimoji="1" lang="ja-JP" altLang="en-US" sz="1200" dirty="0"/>
+                    </a:p>
+                  </a:txBody>
+                  <a:tcPr anchor="ctr"/>
+                </a:tc>
+                <a:tc hMerge="1" vMerge="1">
+                  <a:txBody>
+                    <a:bodyPr/>
+                    <a:lstStyle/>
+                    <a:p>
+                      <a:pPr algn="ctr"/>
+                      <a:endParaRPr kumimoji="1" lang="ja-JP" altLang="en-US" sz="1200" dirty="0"/>
+                    </a:p>
+                  </a:txBody>
+                  <a:tcPr anchor="ctr"/>
+                </a:tc>
+                <a:tc hMerge="1" vMerge="1">
+                  <a:txBody>
+                    <a:bodyPr/>
+                    <a:lstStyle/>
+                    <a:p>
+                      <a:pPr algn="ctr"/>
+                      <a:endParaRPr kumimoji="1" lang="ja-JP" altLang="en-US" sz="1200" dirty="0"/>
+                    </a:p>
+                  </a:txBody>
+                  <a:tcPr anchor="ctr"/>
+                </a:tc>
+                <a:tc hMerge="1" vMerge="1">
+                  <a:txBody>
+                    <a:bodyPr/>
+                    <a:lstStyle/>
+                    <a:p>
+                      <a:pPr algn="ctr"/>
+                      <a:endParaRPr kumimoji="1" lang="ja-JP" altLang="en-US" sz="1200" dirty="0"/>
+                    </a:p>
+                  </a:txBody>
+                  <a:tcPr anchor="ctr"/>
+                </a:tc>
+                <a:tc hMerge="1" vMerge="1">
+                  <a:txBody>
+                    <a:bodyPr/>
+                    <a:lstStyle/>
+                    <a:p>
+                      <a:pPr algn="ctr"/>
+                      <a:endParaRPr kumimoji="1" lang="ja-JP" altLang="en-US" sz="1200" dirty="0"/>
+                    </a:p>
+                  </a:txBody>
+                  <a:tcPr anchor="ctr"/>
+                </a:tc>
+                <a:tc hMerge="1" vMerge="1">
+                  <a:txBody>
+                    <a:bodyPr/>
+                    <a:lstStyle/>
+                    <a:p>
+                      <a:pPr algn="ctr"/>
+                      <a:endParaRPr kumimoji="1" lang="ja-JP" altLang="en-US" sz="1200" dirty="0"/>
+                    </a:p>
+                  </a:txBody>
+                  <a:tcPr anchor="ctr"/>
+                </a:tc>
+                <a:tc hMerge="1" vMerge="1">
+                  <a:txBody>
+                    <a:bodyPr/>
+                    <a:lstStyle/>
+                    <a:p>
+                      <a:pPr algn="ctr"/>
+                      <a:endParaRPr kumimoji="1" lang="ja-JP" altLang="en-US" sz="1200" dirty="0"/>
+                    </a:p>
+                  </a:txBody>
+                  <a:tcPr anchor="ctr"/>
+                </a:tc>
+                <a:tc hMerge="1" vMerge="1">
+                  <a:txBody>
+                    <a:bodyPr/>
+                    <a:lstStyle/>
+                    <a:p>
+                      <a:pPr algn="ctr"/>
+                      <a:endParaRPr kumimoji="1" lang="ja-JP" altLang="en-US" sz="1200" dirty="0"/>
+                    </a:p>
+                  </a:txBody>
+                  <a:tcPr anchor="ctr"/>
+                </a:tc>
+                <a:tc>
+                  <a:txBody>
+                    <a:bodyPr/>
+                    <a:lstStyle/>
+                    <a:p>
+                      <a:pPr algn="ctr"/>
+                      <a:endParaRPr kumimoji="1" lang="ja-JP" altLang="en-US" sz="1200"/>
+                    </a:p>
+                  </a:txBody>
+                  <a:tcPr anchor="ctr"/>
+                </a:tc>
+                <a:tc>
+                  <a:txBody>
+                    <a:bodyPr/>
+                    <a:lstStyle/>
+                    <a:p>
+                      <a:pPr algn="ctr"/>
+                      <a:endParaRPr kumimoji="1" lang="ja-JP" altLang="en-US" sz="1200" dirty="0"/>
+                    </a:p>
+                  </a:txBody>
+                  <a:tcPr anchor="ctr"/>
+                </a:tc>
+                <a:tc>
+                  <a:txBody>
+                    <a:bodyPr/>
+                    <a:lstStyle/>
+                    <a:p>
+                      <a:pPr algn="ctr"/>
+                      <a:endParaRPr kumimoji="1" lang="ja-JP" altLang="en-US" sz="1200"/>
+                    </a:p>
+                  </a:txBody>
+                  <a:tcPr anchor="ctr"/>
+                </a:tc>
+                <a:extLst>
+                  <a:ext uri="{0D108BD9-81ED-4DB2-BD59-A6C34878D82A}">
+                    <a16:rowId xmlns="" xmlns:a16="http://schemas.microsoft.com/office/drawing/2014/main" val="4019189925"/>
+                  </a:ext>
+                </a:extLst>
+              </a:tr>
+              <a:tr h="385580">
+                <a:tc rowSpan="2" gridSpan="13">
+                  <a:txBody>
+                    <a:bodyPr/>
+                    <a:lstStyle/>
+                    <a:p>
+                      <a:pPr algn="ctr"/>
+                      <a:r>
+                        <a:rPr kumimoji="1" lang="en-US" sz="1800" b="1" i="0" u="none" strike="noStrike" kern="1200" baseline="0" dirty="0" smtClean="0">
+                          <a:solidFill>
+                            <a:schemeClr val="dk1"/>
+                          </a:solidFill>
+                          <a:latin typeface="+mn-lt"/>
+                          <a:ea typeface="+mn-ea"/>
+                          <a:cs typeface="+mn-cs"/>
+                        </a:rPr>
+                        <a:t>Development environment </a:t>
+                      </a:r>
+                      <a:br>
+                        <a:rPr kumimoji="1" lang="en-US" sz="1800" b="1" i="0" u="none" strike="noStrike" kern="1200" baseline="0" dirty="0" smtClean="0">
+                          <a:solidFill>
+                            <a:schemeClr val="dk1"/>
+                          </a:solidFill>
+                          <a:latin typeface="+mn-lt"/>
+                          <a:ea typeface="+mn-ea"/>
+                          <a:cs typeface="+mn-cs"/>
+                        </a:rPr>
+                      </a:br>
+                      <a:r>
+                        <a:rPr lang="en-US" sz="1200" b="0" i="0" u="none" strike="noStrike" baseline="0" dirty="0" smtClean="0">
+                          <a:solidFill>
+                            <a:srgbClr val="000000"/>
+                          </a:solidFill>
+                          <a:latin typeface="Arial" panose="020B0604020202020204" pitchFamily="34" charset="0"/>
+                        </a:rPr>
+                        <a:t>Investigate deeply about usage of </a:t>
+                      </a:r>
+                      <a:r>
+                        <a:rPr lang="en-US" sz="1200" b="0" i="0" u="none" strike="noStrike" baseline="0" dirty="0" err="1" smtClean="0">
+                          <a:solidFill>
+                            <a:srgbClr val="000000"/>
+                          </a:solidFill>
+                          <a:latin typeface="Arial" panose="020B0604020202020204" pitchFamily="34" charset="0"/>
+                        </a:rPr>
+                        <a:t>Yocto</a:t>
+                      </a:r>
+                      <a:r>
+                        <a:rPr lang="en-US" sz="1200" b="0" i="0" u="none" strike="noStrike" baseline="0" dirty="0" smtClean="0">
+                          <a:solidFill>
+                            <a:srgbClr val="000000"/>
+                          </a:solidFill>
+                          <a:latin typeface="Arial" panose="020B0604020202020204" pitchFamily="34" charset="0"/>
+                        </a:rPr>
+                        <a:t>, </a:t>
+                      </a:r>
+                      <a:r>
+                        <a:rPr lang="en-US" sz="1200" b="0" i="0" u="none" strike="noStrike" baseline="0" dirty="0" err="1" smtClean="0">
+                          <a:solidFill>
+                            <a:srgbClr val="000000"/>
+                          </a:solidFill>
+                          <a:latin typeface="Arial" panose="020B0604020202020204" pitchFamily="34" charset="0"/>
+                        </a:rPr>
+                        <a:t>Gstreamer</a:t>
+                      </a:r>
+                      <a:r>
+                        <a:rPr lang="en-US" sz="1200" b="0" i="0" u="none" strike="noStrike" baseline="0" dirty="0" smtClean="0">
+                          <a:solidFill>
+                            <a:srgbClr val="000000"/>
+                          </a:solidFill>
+                          <a:latin typeface="Arial" panose="020B0604020202020204" pitchFamily="34" charset="0"/>
+                        </a:rPr>
+                        <a:t> framework, Wayland Weston operation </a:t>
+                      </a:r>
+                      <a:endParaRPr kumimoji="1" lang="ja-JP" altLang="en-US" sz="1200" dirty="0"/>
+                    </a:p>
+                  </a:txBody>
+                  <a:tcPr anchor="ctr"/>
+                </a:tc>
+                <a:tc rowSpan="2" hMerge="1">
+                  <a:txBody>
+                    <a:bodyPr/>
+                    <a:lstStyle/>
+                    <a:p>
+                      <a:pPr algn="ctr"/>
+                      <a:endParaRPr kumimoji="1" lang="ja-JP" altLang="en-US" sz="1200" dirty="0"/>
+                    </a:p>
+                  </a:txBody>
+                  <a:tcPr anchor="ctr"/>
+                </a:tc>
+                <a:tc rowSpan="2" hMerge="1">
+                  <a:txBody>
+                    <a:bodyPr/>
+                    <a:lstStyle/>
+                    <a:p>
+                      <a:pPr algn="ctr"/>
+                      <a:endParaRPr kumimoji="1" lang="ja-JP" altLang="en-US" sz="1200"/>
+                    </a:p>
+                  </a:txBody>
+                  <a:tcPr anchor="ctr"/>
+                </a:tc>
+                <a:tc rowSpan="2" hMerge="1">
+                  <a:txBody>
+                    <a:bodyPr/>
+                    <a:lstStyle/>
+                    <a:p>
+                      <a:pPr algn="ctr"/>
+                      <a:endParaRPr kumimoji="1" lang="ja-JP" altLang="en-US" sz="1200" dirty="0"/>
+                    </a:p>
+                  </a:txBody>
+                  <a:tcPr anchor="ctr"/>
+                </a:tc>
+                <a:tc rowSpan="2" hMerge="1">
+                  <a:txBody>
+                    <a:bodyPr/>
+                    <a:lstStyle/>
+                    <a:p>
+                      <a:pPr algn="ctr"/>
+                      <a:endParaRPr kumimoji="1" lang="ja-JP" altLang="en-US" sz="1200" dirty="0"/>
+                    </a:p>
+                  </a:txBody>
+                  <a:tcPr anchor="ctr"/>
+                </a:tc>
+                <a:tc rowSpan="2" hMerge="1">
+                  <a:txBody>
+                    <a:bodyPr/>
+                    <a:lstStyle/>
+                    <a:p>
+                      <a:pPr algn="ctr"/>
+                      <a:endParaRPr kumimoji="1" lang="ja-JP" altLang="en-US" sz="1200" dirty="0"/>
+                    </a:p>
+                  </a:txBody>
+                  <a:tcPr anchor="ctr"/>
+                </a:tc>
+                <a:tc rowSpan="2" hMerge="1">
+                  <a:txBody>
+                    <a:bodyPr/>
+                    <a:lstStyle/>
+                    <a:p>
+                      <a:pPr algn="ctr"/>
+                      <a:endParaRPr kumimoji="1" lang="ja-JP" altLang="en-US" sz="1200" dirty="0"/>
+                    </a:p>
+                  </a:txBody>
+                  <a:tcPr anchor="ctr"/>
+                </a:tc>
+                <a:tc rowSpan="2" hMerge="1">
+                  <a:txBody>
+                    <a:bodyPr/>
+                    <a:lstStyle/>
+                    <a:p>
+                      <a:pPr algn="ctr"/>
+                      <a:endParaRPr kumimoji="1" lang="ja-JP" altLang="en-US" sz="1200"/>
+                    </a:p>
+                  </a:txBody>
+                  <a:tcPr anchor="ctr"/>
+                </a:tc>
+                <a:tc rowSpan="2" hMerge="1">
+                  <a:txBody>
+                    <a:bodyPr/>
+                    <a:lstStyle/>
+                    <a:p>
+                      <a:pPr algn="ctr"/>
+                      <a:endParaRPr kumimoji="1" lang="ja-JP" altLang="en-US" sz="1200" dirty="0"/>
+                    </a:p>
+                  </a:txBody>
+                  <a:tcPr anchor="ctr"/>
+                </a:tc>
+                <a:tc rowSpan="2" hMerge="1">
+                  <a:txBody>
+                    <a:bodyPr/>
+                    <a:lstStyle/>
+                    <a:p>
+                      <a:pPr algn="ctr"/>
+                      <a:endParaRPr kumimoji="1" lang="ja-JP" altLang="en-US" sz="1200" dirty="0"/>
+                    </a:p>
+                  </a:txBody>
+                  <a:tcPr anchor="ctr"/>
+                </a:tc>
+                <a:tc rowSpan="2" hMerge="1">
+                  <a:txBody>
+                    <a:bodyPr/>
+                    <a:lstStyle/>
+                    <a:p>
+                      <a:pPr algn="ctr"/>
+                      <a:endParaRPr kumimoji="1" lang="ja-JP" altLang="en-US" sz="1200" dirty="0"/>
+                    </a:p>
+                  </a:txBody>
+                  <a:tcPr anchor="ctr"/>
+                </a:tc>
+                <a:tc rowSpan="2" hMerge="1">
+                  <a:txBody>
+                    <a:bodyPr/>
+                    <a:lstStyle/>
+                    <a:p>
+                      <a:pPr algn="ctr"/>
+                      <a:endParaRPr kumimoji="1" lang="ja-JP" altLang="en-US" sz="1200" dirty="0"/>
+                    </a:p>
+                  </a:txBody>
+                  <a:tcPr anchor="ctr"/>
+                </a:tc>
+                <a:tc rowSpan="2" hMerge="1">
+                  <a:txBody>
+                    <a:bodyPr/>
+                    <a:lstStyle/>
+                    <a:p>
+                      <a:pPr algn="ctr"/>
+                      <a:endParaRPr kumimoji="1" lang="ja-JP" altLang="en-US" sz="1200" dirty="0"/>
+                    </a:p>
+                  </a:txBody>
+                  <a:tcPr anchor="ctr"/>
+                </a:tc>
+                <a:tc>
+                  <a:txBody>
+                    <a:bodyPr/>
+                    <a:lstStyle/>
+                    <a:p>
+                      <a:pPr algn="ctr"/>
+                      <a:endParaRPr kumimoji="1" lang="ja-JP" altLang="en-US" sz="1200" dirty="0"/>
+                    </a:p>
+                  </a:txBody>
+                  <a:tcPr anchor="ctr"/>
+                </a:tc>
+                <a:tc>
+                  <a:txBody>
+                    <a:bodyPr/>
+                    <a:lstStyle/>
+                    <a:p>
+                      <a:pPr algn="ctr"/>
+                      <a:endParaRPr kumimoji="1" lang="ja-JP" altLang="en-US" sz="1200"/>
+                    </a:p>
+                  </a:txBody>
+                  <a:tcPr anchor="ctr"/>
+                </a:tc>
+                <a:tc>
+                  <a:txBody>
+                    <a:bodyPr/>
+                    <a:lstStyle/>
+                    <a:p>
+                      <a:pPr algn="ctr"/>
+                      <a:endParaRPr kumimoji="1" lang="ja-JP" altLang="en-US" sz="1200"/>
+                    </a:p>
+                  </a:txBody>
+                  <a:tcPr anchor="ctr"/>
+                </a:tc>
+                <a:tc>
+                  <a:txBody>
+                    <a:bodyPr/>
+                    <a:lstStyle/>
+                    <a:p>
+                      <a:pPr algn="ctr"/>
+                      <a:endParaRPr kumimoji="1" lang="ja-JP" altLang="en-US" sz="1200"/>
+                    </a:p>
+                  </a:txBody>
+                  <a:tcPr anchor="ctr"/>
+                </a:tc>
+                <a:extLst>
+                  <a:ext uri="{0D108BD9-81ED-4DB2-BD59-A6C34878D82A}">
+                    <a16:rowId xmlns="" xmlns:a16="http://schemas.microsoft.com/office/drawing/2014/main" val="266981976"/>
+                  </a:ext>
+                </a:extLst>
+              </a:tr>
+              <a:tr h="385580">
+                <a:tc gridSpan="13" vMerge="1">
+                  <a:txBody>
+                    <a:bodyPr/>
+                    <a:lstStyle/>
+                    <a:p>
+                      <a:pPr algn="ctr"/>
+                      <a:endParaRPr kumimoji="1" lang="ja-JP" altLang="en-US" sz="1200" dirty="0"/>
+                    </a:p>
+                  </a:txBody>
+                  <a:tcPr anchor="ctr"/>
+                </a:tc>
+                <a:tc hMerge="1" vMerge="1">
+                  <a:txBody>
+                    <a:bodyPr/>
+                    <a:lstStyle/>
+                    <a:p>
+                      <a:pPr algn="ctr"/>
+                      <a:endParaRPr kumimoji="1" lang="ja-JP" altLang="en-US" sz="1200" dirty="0"/>
+                    </a:p>
+                  </a:txBody>
+                  <a:tcPr anchor="ctr"/>
+                </a:tc>
+                <a:tc hMerge="1" vMerge="1">
+                  <a:txBody>
+                    <a:bodyPr/>
+                    <a:lstStyle/>
+                    <a:p>
+                      <a:pPr algn="ctr"/>
+                      <a:endParaRPr kumimoji="1" lang="ja-JP" altLang="en-US" sz="1200" dirty="0"/>
+                    </a:p>
+                  </a:txBody>
+                  <a:tcPr anchor="ctr"/>
+                </a:tc>
+                <a:tc hMerge="1" vMerge="1">
+                  <a:txBody>
+                    <a:bodyPr/>
+                    <a:lstStyle/>
+                    <a:p>
+                      <a:pPr algn="ctr"/>
+                      <a:endParaRPr kumimoji="1" lang="ja-JP" altLang="en-US" sz="1200" dirty="0"/>
+                    </a:p>
+                  </a:txBody>
+                  <a:tcPr anchor="ctr"/>
+                </a:tc>
+                <a:tc hMerge="1" vMerge="1">
+                  <a:txBody>
+                    <a:bodyPr/>
+                    <a:lstStyle/>
+                    <a:p>
+                      <a:pPr algn="ctr"/>
+                      <a:endParaRPr kumimoji="1" lang="ja-JP" altLang="en-US" sz="1200" dirty="0"/>
+                    </a:p>
+                  </a:txBody>
+                  <a:tcPr anchor="ctr"/>
+                </a:tc>
+                <a:tc hMerge="1" vMerge="1">
+                  <a:txBody>
+                    <a:bodyPr/>
+                    <a:lstStyle/>
+                    <a:p>
+                      <a:pPr algn="ctr"/>
+                      <a:endParaRPr kumimoji="1" lang="ja-JP" altLang="en-US" sz="1200" dirty="0"/>
+                    </a:p>
+                  </a:txBody>
+                  <a:tcPr anchor="ctr"/>
+                </a:tc>
+                <a:tc hMerge="1" vMerge="1">
+                  <a:txBody>
+                    <a:bodyPr/>
+                    <a:lstStyle/>
+                    <a:p>
+                      <a:pPr algn="ctr"/>
+                      <a:endParaRPr kumimoji="1" lang="ja-JP" altLang="en-US" sz="1200" dirty="0"/>
+                    </a:p>
+                  </a:txBody>
+                  <a:tcPr anchor="ctr"/>
+                </a:tc>
+                <a:tc hMerge="1" vMerge="1">
+                  <a:txBody>
+                    <a:bodyPr/>
+                    <a:lstStyle/>
+                    <a:p>
+                      <a:pPr algn="ctr"/>
+                      <a:endParaRPr kumimoji="1" lang="ja-JP" altLang="en-US" sz="1200" dirty="0"/>
+                    </a:p>
+                  </a:txBody>
+                  <a:tcPr anchor="ctr"/>
+                </a:tc>
+                <a:tc hMerge="1" vMerge="1">
+                  <a:txBody>
+                    <a:bodyPr/>
+                    <a:lstStyle/>
+                    <a:p>
+                      <a:pPr algn="ctr"/>
+                      <a:endParaRPr kumimoji="1" lang="ja-JP" altLang="en-US" sz="1200" dirty="0"/>
+                    </a:p>
+                  </a:txBody>
+                  <a:tcPr anchor="ctr"/>
+                </a:tc>
+                <a:tc hMerge="1" vMerge="1">
+                  <a:txBody>
+                    <a:bodyPr/>
+                    <a:lstStyle/>
+                    <a:p>
+                      <a:pPr algn="ctr"/>
+                      <a:endParaRPr kumimoji="1" lang="ja-JP" altLang="en-US" sz="1200" dirty="0"/>
+                    </a:p>
+                  </a:txBody>
+                  <a:tcPr anchor="ctr"/>
+                </a:tc>
+                <a:tc hMerge="1" vMerge="1">
+                  <a:txBody>
+                    <a:bodyPr/>
+                    <a:lstStyle/>
+                    <a:p>
+                      <a:pPr algn="ctr"/>
+                      <a:endParaRPr kumimoji="1" lang="ja-JP" altLang="en-US" sz="1200" dirty="0"/>
+                    </a:p>
+                  </a:txBody>
+                  <a:tcPr anchor="ctr"/>
+                </a:tc>
+                <a:tc hMerge="1" vMerge="1">
+                  <a:txBody>
+                    <a:bodyPr/>
+                    <a:lstStyle/>
+                    <a:p>
+                      <a:pPr algn="ctr"/>
+                      <a:endParaRPr kumimoji="1" lang="ja-JP" altLang="en-US" sz="1200" dirty="0"/>
+                    </a:p>
+                  </a:txBody>
+                  <a:tcPr anchor="ctr"/>
+                </a:tc>
+                <a:tc hMerge="1" vMerge="1">
+                  <a:txBody>
+                    <a:bodyPr/>
+                    <a:lstStyle/>
+                    <a:p>
+                      <a:pPr algn="ctr"/>
+                      <a:endParaRPr kumimoji="1" lang="ja-JP" altLang="en-US" sz="1200" dirty="0"/>
+                    </a:p>
+                  </a:txBody>
+                  <a:tcPr anchor="ctr"/>
+                </a:tc>
+                <a:tc>
+                  <a:txBody>
+                    <a:bodyPr/>
+                    <a:lstStyle/>
+                    <a:p>
+                      <a:pPr algn="ctr"/>
+                      <a:endParaRPr kumimoji="1" lang="ja-JP" altLang="en-US" sz="1200" dirty="0"/>
+                    </a:p>
+                  </a:txBody>
+                  <a:tcPr anchor="ctr"/>
+                </a:tc>
+                <a:tc>
+                  <a:txBody>
+                    <a:bodyPr/>
+                    <a:lstStyle/>
+                    <a:p>
+                      <a:pPr algn="ctr"/>
+                      <a:endParaRPr kumimoji="1" lang="ja-JP" altLang="en-US" sz="1200" dirty="0"/>
+                    </a:p>
+                  </a:txBody>
+                  <a:tcPr anchor="ctr"/>
+                </a:tc>
+                <a:tc>
+                  <a:txBody>
+                    <a:bodyPr/>
+                    <a:lstStyle/>
+                    <a:p>
+                      <a:pPr algn="ctr"/>
+                      <a:endParaRPr kumimoji="1" lang="ja-JP" altLang="en-US" sz="1200" dirty="0"/>
+                    </a:p>
+                  </a:txBody>
+                  <a:tcPr anchor="ctr"/>
+                </a:tc>
+                <a:tc>
+                  <a:txBody>
+                    <a:bodyPr/>
+                    <a:lstStyle/>
+                    <a:p>
+                      <a:pPr algn="ctr"/>
+                      <a:endParaRPr kumimoji="1" lang="ja-JP" altLang="en-US" sz="1200" dirty="0"/>
+                    </a:p>
+                  </a:txBody>
+                  <a:tcPr anchor="ctr"/>
+                </a:tc>
+                <a:extLst>
+                  <a:ext uri="{0D108BD9-81ED-4DB2-BD59-A6C34878D82A}">
+                    <a16:rowId xmlns="" xmlns:a16="http://schemas.microsoft.com/office/drawing/2014/main" val="2582896670"/>
+                  </a:ext>
+                </a:extLst>
+              </a:tr>
+              <a:tr h="385580">
+                <a:tc rowSpan="2" gridSpan="16">
+                  <a:txBody>
+                    <a:bodyPr/>
+                    <a:lstStyle/>
+                    <a:p>
+                      <a:r>
+                        <a:rPr kumimoji="1" lang="en-US" sz="1800" b="1" i="0" u="none" strike="noStrike" kern="1200" baseline="0" dirty="0" smtClean="0">
+                          <a:solidFill>
+                            <a:schemeClr val="dk1"/>
+                          </a:solidFill>
+                          <a:latin typeface="+mn-lt"/>
+                          <a:ea typeface="+mn-ea"/>
+                          <a:cs typeface="+mn-cs"/>
+                        </a:rPr>
+                        <a:t>Readability </a:t>
+                      </a:r>
+                      <a:br>
+                        <a:rPr kumimoji="1" lang="en-US" sz="1800" b="1" i="0" u="none" strike="noStrike" kern="1200" baseline="0" dirty="0" smtClean="0">
+                          <a:solidFill>
+                            <a:schemeClr val="dk1"/>
+                          </a:solidFill>
+                          <a:latin typeface="+mn-lt"/>
+                          <a:ea typeface="+mn-ea"/>
+                          <a:cs typeface="+mn-cs"/>
+                        </a:rPr>
+                      </a:br>
+                      <a:r>
+                        <a:rPr lang="en-US" sz="1200" b="0" i="0" u="none" strike="noStrike" baseline="0" dirty="0" smtClean="0">
+                          <a:solidFill>
+                            <a:srgbClr val="000000"/>
+                          </a:solidFill>
+                          <a:latin typeface="Arial" panose="020B0604020202020204" pitchFamily="34" charset="0"/>
+                        </a:rPr>
+                        <a:t>Investigate REL standard coding rule and Linux coding rule </a:t>
+                      </a:r>
+                    </a:p>
+                    <a:p>
+                      <a:r>
+                        <a:rPr lang="en-US" sz="1200" b="0" i="0" u="none" strike="noStrike" baseline="0" dirty="0" smtClean="0">
+                          <a:solidFill>
+                            <a:srgbClr val="000000"/>
+                          </a:solidFill>
+                          <a:latin typeface="Arial" panose="020B0604020202020204" pitchFamily="34" charset="0"/>
+                        </a:rPr>
+                        <a:t>Practice and improve by doing coding tasks such as implement/maintain performance tool </a:t>
+                      </a:r>
+                      <a:endParaRPr kumimoji="1" lang="ja-JP" altLang="en-US" sz="1200" dirty="0"/>
+                    </a:p>
+                  </a:txBody>
+                  <a:tcPr anchor="ctr"/>
+                </a:tc>
+                <a:tc rowSpan="2" hMerge="1">
+                  <a:txBody>
+                    <a:bodyPr/>
+                    <a:lstStyle/>
+                    <a:p>
+                      <a:pPr algn="ctr"/>
+                      <a:endParaRPr kumimoji="1" lang="ja-JP" altLang="en-US" sz="1200" dirty="0"/>
+                    </a:p>
+                  </a:txBody>
+                  <a:tcPr anchor="ctr"/>
+                </a:tc>
+                <a:tc rowSpan="2" hMerge="1">
+                  <a:txBody>
+                    <a:bodyPr/>
+                    <a:lstStyle/>
+                    <a:p>
+                      <a:pPr algn="ctr"/>
+                      <a:endParaRPr kumimoji="1" lang="ja-JP" altLang="en-US" sz="1200" dirty="0"/>
+                    </a:p>
+                  </a:txBody>
+                  <a:tcPr anchor="ctr"/>
+                </a:tc>
+                <a:tc rowSpan="2" hMerge="1">
+                  <a:txBody>
+                    <a:bodyPr/>
+                    <a:lstStyle/>
+                    <a:p>
+                      <a:pPr algn="ctr"/>
+                      <a:endParaRPr kumimoji="1" lang="ja-JP" altLang="en-US" sz="1200"/>
+                    </a:p>
+                  </a:txBody>
+                  <a:tcPr anchor="ctr"/>
+                </a:tc>
+                <a:tc rowSpan="2" hMerge="1">
+                  <a:txBody>
+                    <a:bodyPr/>
+                    <a:lstStyle/>
+                    <a:p>
+                      <a:pPr algn="ctr"/>
+                      <a:endParaRPr kumimoji="1" lang="ja-JP" altLang="en-US" sz="1200"/>
+                    </a:p>
+                  </a:txBody>
+                  <a:tcPr anchor="ctr"/>
+                </a:tc>
+                <a:tc rowSpan="2" hMerge="1">
+                  <a:txBody>
+                    <a:bodyPr/>
+                    <a:lstStyle/>
+                    <a:p>
+                      <a:pPr algn="ctr"/>
+                      <a:endParaRPr kumimoji="1" lang="ja-JP" altLang="en-US" sz="1200" dirty="0"/>
+                    </a:p>
+                  </a:txBody>
+                  <a:tcPr anchor="ctr"/>
+                </a:tc>
+                <a:tc rowSpan="2" hMerge="1">
+                  <a:txBody>
+                    <a:bodyPr/>
+                    <a:lstStyle/>
+                    <a:p>
+                      <a:pPr algn="ctr"/>
+                      <a:endParaRPr kumimoji="1" lang="ja-JP" altLang="en-US" sz="1200" dirty="0"/>
+                    </a:p>
+                  </a:txBody>
+                  <a:tcPr anchor="ctr"/>
+                </a:tc>
+                <a:tc rowSpan="2" hMerge="1">
+                  <a:txBody>
+                    <a:bodyPr/>
+                    <a:lstStyle/>
+                    <a:p>
+                      <a:pPr algn="ctr"/>
+                      <a:endParaRPr kumimoji="1" lang="ja-JP" altLang="en-US" sz="1200" dirty="0"/>
+                    </a:p>
+                  </a:txBody>
+                  <a:tcPr anchor="ctr"/>
+                </a:tc>
+                <a:tc rowSpan="2" hMerge="1">
+                  <a:txBody>
+                    <a:bodyPr/>
+                    <a:lstStyle/>
+                    <a:p>
+                      <a:pPr algn="ctr"/>
+                      <a:endParaRPr kumimoji="1" lang="ja-JP" altLang="en-US" sz="1200" dirty="0"/>
+                    </a:p>
+                  </a:txBody>
+                  <a:tcPr anchor="ctr"/>
+                </a:tc>
+                <a:tc rowSpan="2" hMerge="1">
+                  <a:txBody>
+                    <a:bodyPr/>
+                    <a:lstStyle/>
+                    <a:p>
+                      <a:pPr algn="ctr"/>
+                      <a:endParaRPr kumimoji="1" lang="ja-JP" altLang="en-US" sz="1200" dirty="0"/>
+                    </a:p>
+                  </a:txBody>
+                  <a:tcPr anchor="ctr"/>
+                </a:tc>
+                <a:tc rowSpan="2" hMerge="1">
+                  <a:txBody>
+                    <a:bodyPr/>
+                    <a:lstStyle/>
+                    <a:p>
+                      <a:pPr algn="ctr"/>
+                      <a:endParaRPr kumimoji="1" lang="ja-JP" altLang="en-US" sz="1200" dirty="0"/>
+                    </a:p>
+                  </a:txBody>
+                  <a:tcPr anchor="ctr"/>
+                </a:tc>
+                <a:tc rowSpan="2" hMerge="1">
+                  <a:txBody>
+                    <a:bodyPr/>
+                    <a:lstStyle/>
+                    <a:p>
+                      <a:pPr algn="ctr"/>
+                      <a:endParaRPr kumimoji="1" lang="ja-JP" altLang="en-US" sz="1200" dirty="0"/>
+                    </a:p>
+                  </a:txBody>
+                  <a:tcPr anchor="ctr"/>
+                </a:tc>
+                <a:tc rowSpan="2" hMerge="1">
+                  <a:txBody>
+                    <a:bodyPr/>
+                    <a:lstStyle/>
+                    <a:p>
+                      <a:pPr algn="ctr"/>
+                      <a:endParaRPr kumimoji="1" lang="ja-JP" altLang="en-US" sz="1200" dirty="0"/>
+                    </a:p>
+                  </a:txBody>
+                  <a:tcPr anchor="ctr"/>
+                </a:tc>
+                <a:tc rowSpan="2" hMerge="1">
+                  <a:txBody>
+                    <a:bodyPr/>
+                    <a:lstStyle/>
+                    <a:p>
+                      <a:pPr algn="ctr"/>
+                      <a:endParaRPr kumimoji="1" lang="ja-JP" altLang="en-US" sz="1200" dirty="0"/>
+                    </a:p>
+                  </a:txBody>
+                  <a:tcPr anchor="ctr"/>
+                </a:tc>
+                <a:tc rowSpan="2" hMerge="1">
+                  <a:txBody>
+                    <a:bodyPr/>
+                    <a:lstStyle/>
+                    <a:p>
+                      <a:pPr algn="ctr"/>
+                      <a:endParaRPr kumimoji="1" lang="ja-JP" altLang="en-US" sz="1200" dirty="0"/>
+                    </a:p>
+                  </a:txBody>
+                  <a:tcPr anchor="ctr"/>
+                </a:tc>
+                <a:tc rowSpan="2" hMerge="1">
+                  <a:txBody>
+                    <a:bodyPr/>
+                    <a:lstStyle/>
+                    <a:p>
+                      <a:pPr algn="ctr"/>
+                      <a:endParaRPr kumimoji="1" lang="ja-JP" altLang="en-US" sz="1200" dirty="0"/>
+                    </a:p>
+                  </a:txBody>
+                  <a:tcPr anchor="ctr"/>
+                </a:tc>
+                <a:tc>
+                  <a:txBody>
+                    <a:bodyPr/>
+                    <a:lstStyle/>
+                    <a:p>
+                      <a:pPr algn="ctr"/>
+                      <a:endParaRPr kumimoji="1" lang="ja-JP" altLang="en-US" sz="1200" dirty="0"/>
+                    </a:p>
+                  </a:txBody>
+                  <a:tcPr anchor="ctr"/>
+                </a:tc>
+                <a:extLst>
+                  <a:ext uri="{0D108BD9-81ED-4DB2-BD59-A6C34878D82A}">
+                    <a16:rowId xmlns="" xmlns:a16="http://schemas.microsoft.com/office/drawing/2014/main" val="1657003139"/>
+                  </a:ext>
+                </a:extLst>
+              </a:tr>
+              <a:tr h="385580">
+                <a:tc gridSpan="16" vMerge="1">
+                  <a:txBody>
+                    <a:bodyPr/>
+                    <a:lstStyle/>
+                    <a:p>
+                      <a:pPr algn="ctr"/>
+                      <a:endParaRPr kumimoji="1" lang="ja-JP" altLang="en-US" sz="1200" dirty="0"/>
+                    </a:p>
+                  </a:txBody>
+                  <a:tcPr anchor="ctr"/>
+                </a:tc>
+                <a:tc hMerge="1" vMerge="1">
+                  <a:txBody>
+                    <a:bodyPr/>
+                    <a:lstStyle/>
+                    <a:p>
+                      <a:pPr algn="ctr"/>
+                      <a:endParaRPr kumimoji="1" lang="ja-JP" altLang="en-US" sz="1200"/>
+                    </a:p>
+                  </a:txBody>
+                  <a:tcPr anchor="ctr"/>
+                </a:tc>
+                <a:tc hMerge="1" vMerge="1">
+                  <a:txBody>
+                    <a:bodyPr/>
+                    <a:lstStyle/>
+                    <a:p>
+                      <a:pPr algn="ctr"/>
+                      <a:endParaRPr kumimoji="1" lang="ja-JP" altLang="en-US" sz="1200" dirty="0"/>
+                    </a:p>
+                  </a:txBody>
+                  <a:tcPr anchor="ctr"/>
+                </a:tc>
+                <a:tc hMerge="1" vMerge="1">
+                  <a:txBody>
+                    <a:bodyPr/>
+                    <a:lstStyle/>
+                    <a:p>
+                      <a:pPr algn="ctr"/>
+                      <a:endParaRPr kumimoji="1" lang="ja-JP" altLang="en-US" sz="1200" dirty="0"/>
+                    </a:p>
+                  </a:txBody>
+                  <a:tcPr anchor="ctr"/>
+                </a:tc>
+                <a:tc hMerge="1" vMerge="1">
+                  <a:txBody>
+                    <a:bodyPr/>
+                    <a:lstStyle/>
+                    <a:p>
+                      <a:pPr algn="ctr"/>
+                      <a:endParaRPr kumimoji="1" lang="ja-JP" altLang="en-US" sz="1200" dirty="0"/>
+                    </a:p>
+                  </a:txBody>
+                  <a:tcPr anchor="ctr"/>
+                </a:tc>
+                <a:tc hMerge="1" vMerge="1">
+                  <a:txBody>
+                    <a:bodyPr/>
+                    <a:lstStyle/>
+                    <a:p>
+                      <a:pPr algn="ctr"/>
+                      <a:endParaRPr kumimoji="1" lang="ja-JP" altLang="en-US" sz="1200" dirty="0"/>
+                    </a:p>
+                  </a:txBody>
+                  <a:tcPr anchor="ctr"/>
+                </a:tc>
+                <a:tc hMerge="1" vMerge="1">
+                  <a:txBody>
+                    <a:bodyPr/>
+                    <a:lstStyle/>
+                    <a:p>
+                      <a:pPr algn="ctr"/>
+                      <a:endParaRPr kumimoji="1" lang="ja-JP" altLang="en-US" sz="1200" dirty="0"/>
+                    </a:p>
+                  </a:txBody>
+                  <a:tcPr anchor="ctr"/>
+                </a:tc>
+                <a:tc hMerge="1" vMerge="1">
+                  <a:txBody>
+                    <a:bodyPr/>
+                    <a:lstStyle/>
+                    <a:p>
+                      <a:pPr algn="ctr"/>
+                      <a:endParaRPr kumimoji="1" lang="ja-JP" altLang="en-US" sz="1200" dirty="0"/>
+                    </a:p>
+                  </a:txBody>
+                  <a:tcPr anchor="ctr"/>
+                </a:tc>
+                <a:tc hMerge="1" vMerge="1">
+                  <a:txBody>
+                    <a:bodyPr/>
+                    <a:lstStyle/>
+                    <a:p>
+                      <a:pPr algn="ctr"/>
+                      <a:endParaRPr kumimoji="1" lang="ja-JP" altLang="en-US" sz="1200"/>
+                    </a:p>
+                  </a:txBody>
+                  <a:tcPr anchor="ctr"/>
+                </a:tc>
+                <a:tc hMerge="1" vMerge="1">
+                  <a:txBody>
+                    <a:bodyPr/>
+                    <a:lstStyle/>
+                    <a:p>
+                      <a:pPr algn="ctr"/>
+                      <a:endParaRPr kumimoji="1" lang="ja-JP" altLang="en-US" sz="1200"/>
+                    </a:p>
+                  </a:txBody>
+                  <a:tcPr anchor="ctr"/>
+                </a:tc>
+                <a:tc hMerge="1" vMerge="1">
+                  <a:txBody>
+                    <a:bodyPr/>
+                    <a:lstStyle/>
+                    <a:p>
+                      <a:pPr algn="ctr"/>
+                      <a:endParaRPr kumimoji="1" lang="ja-JP" altLang="en-US" sz="1200"/>
+                    </a:p>
+                  </a:txBody>
+                  <a:tcPr anchor="ctr"/>
+                </a:tc>
+                <a:tc hMerge="1" vMerge="1">
+                  <a:txBody>
+                    <a:bodyPr/>
+                    <a:lstStyle/>
+                    <a:p>
+                      <a:pPr algn="ctr"/>
+                      <a:endParaRPr kumimoji="1" lang="ja-JP" altLang="en-US" sz="1200" dirty="0"/>
+                    </a:p>
+                  </a:txBody>
+                  <a:tcPr anchor="ctr"/>
+                </a:tc>
+                <a:tc hMerge="1" vMerge="1">
+                  <a:txBody>
+                    <a:bodyPr/>
+                    <a:lstStyle/>
+                    <a:p>
+                      <a:pPr algn="ctr"/>
+                      <a:endParaRPr kumimoji="1" lang="ja-JP" altLang="en-US" sz="1200" dirty="0"/>
+                    </a:p>
+                  </a:txBody>
+                  <a:tcPr anchor="ctr"/>
+                </a:tc>
+                <a:tc hMerge="1" vMerge="1">
+                  <a:txBody>
+                    <a:bodyPr/>
+                    <a:lstStyle/>
+                    <a:p>
+                      <a:pPr algn="ctr"/>
+                      <a:endParaRPr kumimoji="1" lang="ja-JP" altLang="en-US" sz="1200" dirty="0"/>
+                    </a:p>
+                  </a:txBody>
+                  <a:tcPr anchor="ctr"/>
+                </a:tc>
+                <a:tc hMerge="1" vMerge="1">
+                  <a:txBody>
+                    <a:bodyPr/>
+                    <a:lstStyle/>
+                    <a:p>
+                      <a:pPr algn="ctr"/>
+                      <a:endParaRPr kumimoji="1" lang="ja-JP" altLang="en-US" sz="1200" dirty="0"/>
+                    </a:p>
+                  </a:txBody>
+                  <a:tcPr anchor="ctr"/>
+                </a:tc>
+                <a:tc hMerge="1" vMerge="1">
+                  <a:txBody>
+                    <a:bodyPr/>
+                    <a:lstStyle/>
+                    <a:p>
+                      <a:pPr algn="ctr"/>
+                      <a:endParaRPr kumimoji="1" lang="ja-JP" altLang="en-US" sz="1200" dirty="0"/>
+                    </a:p>
+                  </a:txBody>
+                  <a:tcPr anchor="ctr"/>
+                </a:tc>
+                <a:tc>
+                  <a:txBody>
+                    <a:bodyPr/>
+                    <a:lstStyle/>
+                    <a:p>
+                      <a:pPr algn="ctr"/>
+                      <a:endParaRPr kumimoji="1" lang="ja-JP" altLang="en-US" sz="1200" dirty="0"/>
+                    </a:p>
+                  </a:txBody>
+                  <a:tcPr anchor="ctr"/>
+                </a:tc>
+                <a:extLst>
+                  <a:ext uri="{0D108BD9-81ED-4DB2-BD59-A6C34878D82A}">
+                    <a16:rowId xmlns="" xmlns:a16="http://schemas.microsoft.com/office/drawing/2014/main" val="4142667900"/>
+                  </a:ext>
+                </a:extLst>
+              </a:tr>
+              <a:tr h="385580">
+                <a:tc>
+                  <a:txBody>
+                    <a:bodyPr/>
+                    <a:lstStyle/>
+                    <a:p>
+                      <a:pPr algn="ctr"/>
+                      <a:endParaRPr kumimoji="1" lang="ja-JP" altLang="en-US" sz="1200" dirty="0"/>
+                    </a:p>
+                  </a:txBody>
+                  <a:tcPr anchor="ctr"/>
+                </a:tc>
+                <a:tc>
+                  <a:txBody>
+                    <a:bodyPr/>
+                    <a:lstStyle/>
+                    <a:p>
+                      <a:pPr algn="ctr"/>
+                      <a:endParaRPr kumimoji="1" lang="ja-JP" altLang="en-US" sz="1200" dirty="0"/>
+                    </a:p>
+                  </a:txBody>
+                  <a:tcPr anchor="ctr"/>
+                </a:tc>
+                <a:tc>
+                  <a:txBody>
+                    <a:bodyPr/>
+                    <a:lstStyle/>
+                    <a:p>
+                      <a:pPr algn="ctr"/>
+                      <a:endParaRPr kumimoji="1" lang="ja-JP" altLang="en-US" sz="1200" dirty="0"/>
+                    </a:p>
+                  </a:txBody>
+                  <a:tcPr anchor="ctr"/>
+                </a:tc>
+                <a:tc>
+                  <a:txBody>
+                    <a:bodyPr/>
+                    <a:lstStyle/>
+                    <a:p>
+                      <a:pPr algn="ctr"/>
+                      <a:endParaRPr kumimoji="1" lang="ja-JP" altLang="en-US" sz="1200" dirty="0"/>
+                    </a:p>
+                  </a:txBody>
+                  <a:tcPr anchor="ctr"/>
+                </a:tc>
+                <a:tc rowSpan="2" gridSpan="12">
+                  <a:txBody>
+                    <a:bodyPr/>
+                    <a:lstStyle/>
+                    <a:p>
+                      <a:pPr algn="ctr"/>
+                      <a:r>
+                        <a:rPr kumimoji="1" lang="en-US" sz="1800" b="1" i="0" u="none" strike="noStrike" kern="1200" baseline="0" dirty="0" smtClean="0">
+                          <a:solidFill>
+                            <a:schemeClr val="dk1"/>
+                          </a:solidFill>
+                          <a:latin typeface="+mn-lt"/>
+                          <a:ea typeface="+mn-ea"/>
+                          <a:cs typeface="+mn-cs"/>
+                        </a:rPr>
+                        <a:t>Software development methodology </a:t>
+                      </a:r>
+                      <a:br>
+                        <a:rPr kumimoji="1" lang="en-US" sz="1800" b="1" i="0" u="none" strike="noStrike" kern="1200" baseline="0" dirty="0" smtClean="0">
+                          <a:solidFill>
+                            <a:schemeClr val="dk1"/>
+                          </a:solidFill>
+                          <a:latin typeface="+mn-lt"/>
+                          <a:ea typeface="+mn-ea"/>
+                          <a:cs typeface="+mn-cs"/>
+                        </a:rPr>
+                      </a:br>
+                      <a:r>
+                        <a:rPr lang="en-US" sz="1200" b="0" i="0" u="none" strike="noStrike" baseline="0" dirty="0" smtClean="0">
+                          <a:solidFill>
+                            <a:srgbClr val="000000"/>
+                          </a:solidFill>
+                          <a:latin typeface="Arial" panose="020B0604020202020204" pitchFamily="34" charset="0"/>
+                        </a:rPr>
+                        <a:t>Design some specific </a:t>
+                      </a:r>
+                      <a:r>
+                        <a:rPr lang="en-US" sz="1200" b="0" i="0" u="none" strike="noStrike" baseline="0" dirty="0" err="1" smtClean="0">
+                          <a:solidFill>
+                            <a:srgbClr val="000000"/>
+                          </a:solidFill>
+                          <a:latin typeface="Arial" panose="020B0604020202020204" pitchFamily="34" charset="0"/>
+                        </a:rPr>
+                        <a:t>UseCase</a:t>
+                      </a:r>
+                      <a:r>
+                        <a:rPr lang="en-US" sz="1200" b="0" i="0" u="none" strike="noStrike" baseline="0" smtClean="0">
+                          <a:solidFill>
+                            <a:srgbClr val="000000"/>
+                          </a:solidFill>
+                          <a:latin typeface="Arial" panose="020B0604020202020204" pitchFamily="34" charset="0"/>
+                        </a:rPr>
+                        <a:t> to show maximum performance of R-Car Gen3 platform</a:t>
+                      </a:r>
+                      <a:endParaRPr kumimoji="1" lang="ja-JP" altLang="en-US" sz="1200" dirty="0"/>
+                    </a:p>
+                  </a:txBody>
+                  <a:tcPr anchor="ctr"/>
+                </a:tc>
+                <a:tc rowSpan="2" hMerge="1">
+                  <a:txBody>
+                    <a:bodyPr/>
+                    <a:lstStyle/>
+                    <a:p>
+                      <a:pPr algn="ctr"/>
+                      <a:endParaRPr kumimoji="1" lang="ja-JP" altLang="en-US" sz="1200" dirty="0"/>
+                    </a:p>
+                  </a:txBody>
+                  <a:tcPr anchor="ctr"/>
+                </a:tc>
+                <a:tc rowSpan="2" hMerge="1">
+                  <a:txBody>
+                    <a:bodyPr/>
+                    <a:lstStyle/>
+                    <a:p>
+                      <a:pPr algn="ctr"/>
+                      <a:endParaRPr kumimoji="1" lang="ja-JP" altLang="en-US" sz="1200" dirty="0"/>
+                    </a:p>
+                  </a:txBody>
+                  <a:tcPr anchor="ctr"/>
+                </a:tc>
+                <a:tc rowSpan="2" hMerge="1">
+                  <a:txBody>
+                    <a:bodyPr/>
+                    <a:lstStyle/>
+                    <a:p>
+                      <a:pPr algn="ctr"/>
+                      <a:endParaRPr kumimoji="1" lang="ja-JP" altLang="en-US" sz="1200" dirty="0"/>
+                    </a:p>
+                  </a:txBody>
+                  <a:tcPr anchor="ctr"/>
+                </a:tc>
+                <a:tc rowSpan="2" hMerge="1">
+                  <a:txBody>
+                    <a:bodyPr/>
+                    <a:lstStyle/>
+                    <a:p>
+                      <a:pPr algn="ctr"/>
+                      <a:endParaRPr kumimoji="1" lang="ja-JP" altLang="en-US" sz="1200" dirty="0"/>
+                    </a:p>
+                  </a:txBody>
+                  <a:tcPr anchor="ctr"/>
+                </a:tc>
+                <a:tc rowSpan="2" hMerge="1">
+                  <a:txBody>
+                    <a:bodyPr/>
+                    <a:lstStyle/>
+                    <a:p>
+                      <a:pPr algn="ctr"/>
+                      <a:endParaRPr kumimoji="1" lang="ja-JP" altLang="en-US" sz="1200" dirty="0"/>
+                    </a:p>
+                  </a:txBody>
+                  <a:tcPr anchor="ctr"/>
+                </a:tc>
+                <a:tc rowSpan="2" hMerge="1">
+                  <a:txBody>
+                    <a:bodyPr/>
+                    <a:lstStyle/>
+                    <a:p>
+                      <a:pPr algn="ctr"/>
+                      <a:endParaRPr kumimoji="1" lang="ja-JP" altLang="en-US" sz="1200" dirty="0"/>
+                    </a:p>
+                  </a:txBody>
+                  <a:tcPr anchor="ctr"/>
+                </a:tc>
+                <a:tc rowSpan="2" hMerge="1">
+                  <a:txBody>
+                    <a:bodyPr/>
+                    <a:lstStyle/>
+                    <a:p>
+                      <a:pPr algn="ctr"/>
+                      <a:endParaRPr kumimoji="1" lang="ja-JP" altLang="en-US" sz="1200" dirty="0"/>
+                    </a:p>
+                  </a:txBody>
+                  <a:tcPr anchor="ctr"/>
+                </a:tc>
+                <a:tc rowSpan="2" hMerge="1">
+                  <a:txBody>
+                    <a:bodyPr/>
+                    <a:lstStyle/>
+                    <a:p>
+                      <a:pPr algn="ctr"/>
+                      <a:endParaRPr kumimoji="1" lang="ja-JP" altLang="en-US" sz="1200" dirty="0"/>
+                    </a:p>
+                  </a:txBody>
+                  <a:tcPr anchor="ctr"/>
+                </a:tc>
+                <a:tc rowSpan="2" hMerge="1">
+                  <a:txBody>
+                    <a:bodyPr/>
+                    <a:lstStyle/>
+                    <a:p>
+                      <a:pPr algn="ctr"/>
+                      <a:endParaRPr kumimoji="1" lang="ja-JP" altLang="en-US" sz="1200" dirty="0"/>
+                    </a:p>
+                  </a:txBody>
+                  <a:tcPr anchor="ctr"/>
+                </a:tc>
+                <a:tc rowSpan="2" hMerge="1">
+                  <a:txBody>
+                    <a:bodyPr/>
+                    <a:lstStyle/>
+                    <a:p>
+                      <a:pPr algn="ctr"/>
+                      <a:endParaRPr kumimoji="1" lang="ja-JP" altLang="en-US" sz="1200" dirty="0"/>
+                    </a:p>
+                  </a:txBody>
+                  <a:tcPr anchor="ctr"/>
+                </a:tc>
+                <a:tc rowSpan="2" hMerge="1">
+                  <a:txBody>
+                    <a:bodyPr/>
+                    <a:lstStyle/>
+                    <a:p>
+                      <a:pPr algn="ctr"/>
+                      <a:endParaRPr kumimoji="1" lang="ja-JP" altLang="en-US" sz="1200" dirty="0"/>
+                    </a:p>
+                  </a:txBody>
+                  <a:tcPr anchor="ctr"/>
+                </a:tc>
+                <a:tc>
+                  <a:txBody>
+                    <a:bodyPr/>
+                    <a:lstStyle/>
+                    <a:p>
+                      <a:pPr algn="ctr"/>
+                      <a:endParaRPr kumimoji="1" lang="ja-JP" altLang="en-US" sz="1200" dirty="0"/>
+                    </a:p>
+                  </a:txBody>
+                  <a:tcPr anchor="ctr"/>
+                </a:tc>
+                <a:extLst>
+                  <a:ext uri="{0D108BD9-81ED-4DB2-BD59-A6C34878D82A}">
+                    <a16:rowId xmlns="" xmlns:a16="http://schemas.microsoft.com/office/drawing/2014/main" val="415836400"/>
+                  </a:ext>
+                </a:extLst>
+              </a:tr>
+              <a:tr h="385580">
+                <a:tc>
+                  <a:txBody>
+                    <a:bodyPr/>
+                    <a:lstStyle/>
+                    <a:p>
+                      <a:pPr algn="ctr"/>
+                      <a:endParaRPr kumimoji="1" lang="ja-JP" altLang="en-US" sz="1200" dirty="0"/>
+                    </a:p>
+                  </a:txBody>
+                  <a:tcPr anchor="ctr"/>
+                </a:tc>
+                <a:tc>
+                  <a:txBody>
+                    <a:bodyPr/>
+                    <a:lstStyle/>
+                    <a:p>
+                      <a:pPr algn="ctr"/>
+                      <a:endParaRPr kumimoji="1" lang="ja-JP" altLang="en-US" sz="1200" dirty="0"/>
+                    </a:p>
+                  </a:txBody>
+                  <a:tcPr anchor="ctr"/>
+                </a:tc>
+                <a:tc>
+                  <a:txBody>
+                    <a:bodyPr/>
+                    <a:lstStyle/>
+                    <a:p>
+                      <a:pPr algn="ctr"/>
+                      <a:endParaRPr kumimoji="1" lang="ja-JP" altLang="en-US" sz="1200" dirty="0"/>
+                    </a:p>
+                  </a:txBody>
+                  <a:tcPr anchor="ctr"/>
+                </a:tc>
+                <a:tc>
+                  <a:txBody>
+                    <a:bodyPr/>
+                    <a:lstStyle/>
+                    <a:p>
+                      <a:pPr algn="ctr"/>
+                      <a:endParaRPr kumimoji="1" lang="ja-JP" altLang="en-US" sz="1200" dirty="0"/>
+                    </a:p>
+                  </a:txBody>
+                  <a:tcPr anchor="ctr"/>
+                </a:tc>
+                <a:tc gridSpan="12" vMerge="1">
+                  <a:txBody>
+                    <a:bodyPr/>
+                    <a:lstStyle/>
+                    <a:p>
+                      <a:pPr algn="ctr"/>
+                      <a:endParaRPr kumimoji="1" lang="ja-JP" altLang="en-US" sz="1200" dirty="0"/>
+                    </a:p>
+                  </a:txBody>
+                  <a:tcPr anchor="ctr"/>
+                </a:tc>
+                <a:tc hMerge="1" vMerge="1">
+                  <a:txBody>
+                    <a:bodyPr/>
+                    <a:lstStyle/>
+                    <a:p>
+                      <a:pPr algn="ctr"/>
+                      <a:endParaRPr kumimoji="1" lang="ja-JP" altLang="en-US" sz="1200" dirty="0"/>
+                    </a:p>
+                  </a:txBody>
+                  <a:tcPr anchor="ctr"/>
+                </a:tc>
+                <a:tc hMerge="1" vMerge="1">
+                  <a:txBody>
+                    <a:bodyPr/>
+                    <a:lstStyle/>
+                    <a:p>
+                      <a:pPr algn="ctr"/>
+                      <a:endParaRPr kumimoji="1" lang="ja-JP" altLang="en-US" sz="1200" dirty="0"/>
+                    </a:p>
+                  </a:txBody>
+                  <a:tcPr anchor="ctr"/>
+                </a:tc>
+                <a:tc hMerge="1" vMerge="1">
+                  <a:txBody>
+                    <a:bodyPr/>
+                    <a:lstStyle/>
+                    <a:p>
+                      <a:pPr algn="ctr"/>
+                      <a:endParaRPr kumimoji="1" lang="ja-JP" altLang="en-US" sz="1200" dirty="0"/>
+                    </a:p>
+                  </a:txBody>
+                  <a:tcPr anchor="ctr"/>
+                </a:tc>
+                <a:tc hMerge="1" vMerge="1">
+                  <a:txBody>
+                    <a:bodyPr/>
+                    <a:lstStyle/>
+                    <a:p>
+                      <a:pPr algn="ctr"/>
+                      <a:endParaRPr kumimoji="1" lang="ja-JP" altLang="en-US" sz="1200" dirty="0"/>
+                    </a:p>
+                  </a:txBody>
+                  <a:tcPr anchor="ctr"/>
+                </a:tc>
+                <a:tc hMerge="1" vMerge="1">
+                  <a:txBody>
+                    <a:bodyPr/>
+                    <a:lstStyle/>
+                    <a:p>
+                      <a:pPr algn="ctr"/>
+                      <a:endParaRPr kumimoji="1" lang="ja-JP" altLang="en-US" sz="1200" dirty="0"/>
+                    </a:p>
+                  </a:txBody>
+                  <a:tcPr anchor="ctr"/>
+                </a:tc>
+                <a:tc hMerge="1" vMerge="1">
+                  <a:txBody>
+                    <a:bodyPr/>
+                    <a:lstStyle/>
+                    <a:p>
+                      <a:pPr algn="ctr"/>
+                      <a:endParaRPr kumimoji="1" lang="ja-JP" altLang="en-US" sz="1200" dirty="0"/>
+                    </a:p>
+                  </a:txBody>
+                  <a:tcPr anchor="ctr"/>
+                </a:tc>
+                <a:tc hMerge="1" vMerge="1">
+                  <a:txBody>
+                    <a:bodyPr/>
+                    <a:lstStyle/>
+                    <a:p>
+                      <a:pPr algn="ctr"/>
+                      <a:endParaRPr kumimoji="1" lang="ja-JP" altLang="en-US" sz="1200" dirty="0"/>
+                    </a:p>
+                  </a:txBody>
+                  <a:tcPr anchor="ctr"/>
+                </a:tc>
+                <a:tc hMerge="1" vMerge="1">
+                  <a:txBody>
+                    <a:bodyPr/>
+                    <a:lstStyle/>
+                    <a:p>
+                      <a:pPr algn="ctr"/>
+                      <a:endParaRPr kumimoji="1" lang="ja-JP" altLang="en-US" sz="1200" dirty="0"/>
+                    </a:p>
+                  </a:txBody>
+                  <a:tcPr anchor="ctr"/>
+                </a:tc>
+                <a:tc hMerge="1" vMerge="1">
+                  <a:txBody>
+                    <a:bodyPr/>
+                    <a:lstStyle/>
+                    <a:p>
+                      <a:pPr algn="ctr"/>
+                      <a:endParaRPr kumimoji="1" lang="ja-JP" altLang="en-US" sz="1200" dirty="0"/>
+                    </a:p>
+                  </a:txBody>
+                  <a:tcPr anchor="ctr"/>
+                </a:tc>
+                <a:tc hMerge="1" vMerge="1">
+                  <a:txBody>
+                    <a:bodyPr/>
+                    <a:lstStyle/>
+                    <a:p>
+                      <a:pPr algn="ctr"/>
+                      <a:endParaRPr kumimoji="1" lang="ja-JP" altLang="en-US" sz="1200" dirty="0"/>
+                    </a:p>
+                  </a:txBody>
+                  <a:tcPr anchor="ctr"/>
+                </a:tc>
+                <a:tc hMerge="1" vMerge="1">
+                  <a:txBody>
+                    <a:bodyPr/>
+                    <a:lstStyle/>
+                    <a:p>
+                      <a:pPr algn="ctr"/>
+                      <a:endParaRPr kumimoji="1" lang="ja-JP" altLang="en-US" sz="1200" dirty="0"/>
+                    </a:p>
+                  </a:txBody>
+                  <a:tcPr anchor="ctr"/>
+                </a:tc>
+                <a:tc>
+                  <a:txBody>
+                    <a:bodyPr/>
+                    <a:lstStyle/>
+                    <a:p>
+                      <a:pPr algn="ctr"/>
+                      <a:endParaRPr kumimoji="1" lang="ja-JP" altLang="en-US" sz="1200" dirty="0"/>
+                    </a:p>
+                  </a:txBody>
+                  <a:tcPr anchor="ctr"/>
+                </a:tc>
+                <a:extLst>
+                  <a:ext uri="{0D108BD9-81ED-4DB2-BD59-A6C34878D82A}">
+                    <a16:rowId xmlns="" xmlns:a16="http://schemas.microsoft.com/office/drawing/2014/main" val="1434723097"/>
+                  </a:ext>
+                </a:extLst>
+              </a:tr>
+            </a:tbl>
+          </a:graphicData>
+        </a:graphic>
+      </p:graphicFrame>
     </p:spTree>
     <p:extLst>
       <p:ext uri="{BB962C8B-B14F-4D97-AF65-F5344CB8AC3E}">
-        <p14:creationId xmlns:p14="http://schemas.microsoft.com/office/powerpoint/2010/main" val="1788785650"/>
+        <p14:creationId xmlns:p14="http://schemas.microsoft.com/office/powerpoint/2010/main" val="82728032"/>
       </p:ext>
     </p:extLst>
   </p:cSld>
@@ -13798,7 +16135,6 @@
               <a:rPr lang="en-US" dirty="0"/>
               <a:t> Electronics Corporation</a:t>
             </a:r>
-            <a:endParaRPr lang="en-US" dirty="0"/>
           </a:p>
         </p:txBody>
       </p:sp>
@@ -13842,6 +16178,2769 @@
 </file>
 
 <file path=ppt/slides/slide20.xml><?xml version="1.0" encoding="utf-8"?>
+<p:sld xmlns:a="http://schemas.openxmlformats.org/drawingml/2006/main" xmlns:r="http://schemas.openxmlformats.org/officeDocument/2006/relationships" xmlns:p="http://schemas.openxmlformats.org/presentationml/2006/main">
+  <p:cSld>
+    <p:spTree>
+      <p:nvGrpSpPr>
+        <p:cNvPr id="1" name=""/>
+        <p:cNvGrpSpPr/>
+        <p:nvPr/>
+      </p:nvGrpSpPr>
+      <p:grpSpPr>
+        <a:xfrm>
+          <a:off x="0" y="0"/>
+          <a:ext cx="0" cy="0"/>
+          <a:chOff x="0" y="0"/>
+          <a:chExt cx="0" cy="0"/>
+        </a:xfrm>
+      </p:grpSpPr>
+      <p:sp>
+        <p:nvSpPr>
+          <p:cNvPr id="2" name="Titel 1"/>
+          <p:cNvSpPr>
+            <a:spLocks noGrp="1"/>
+          </p:cNvSpPr>
+          <p:nvPr>
+            <p:ph type="title"/>
+          </p:nvPr>
+        </p:nvSpPr>
+        <p:spPr>
+          <a:xfrm>
+            <a:off x="1080000" y="659001"/>
+            <a:ext cx="9000000" cy="720197"/>
+          </a:xfrm>
+        </p:spPr>
+        <p:txBody>
+          <a:bodyPr/>
+          <a:lstStyle/>
+          <a:p>
+            <a:r>
+              <a:rPr lang="en-US" dirty="0" smtClean="0"/>
+              <a:t> </a:t>
+            </a:r>
+            <a:r>
+              <a:rPr lang="en-US" cap="all" dirty="0"/>
+              <a:t/>
+            </a:r>
+            <a:br>
+              <a:rPr lang="en-US" cap="all" dirty="0"/>
+            </a:br>
+            <a:r>
+              <a:rPr lang="en-US" sz="2000" cap="all" dirty="0" smtClean="0"/>
+              <a:t>planning </a:t>
+            </a:r>
+            <a:r>
+              <a:rPr lang="en-US" sz="2000" cap="all" dirty="0" smtClean="0"/>
+              <a:t>(2/2</a:t>
+            </a:r>
+            <a:r>
+              <a:rPr lang="en-US" sz="2000" cap="all" dirty="0" smtClean="0"/>
+              <a:t>)</a:t>
+            </a:r>
+            <a:endParaRPr lang="en-US" sz="2000" cap="all" dirty="0"/>
+          </a:p>
+        </p:txBody>
+      </p:sp>
+      <p:sp>
+        <p:nvSpPr>
+          <p:cNvPr id="3" name="Foliennummernplatzhalter 2"/>
+          <p:cNvSpPr>
+            <a:spLocks noGrp="1"/>
+          </p:cNvSpPr>
+          <p:nvPr>
+            <p:ph type="sldNum" sz="quarter" idx="10"/>
+          </p:nvPr>
+        </p:nvSpPr>
+        <p:spPr/>
+        <p:txBody>
+          <a:bodyPr/>
+          <a:lstStyle/>
+          <a:p>
+            <a:pPr algn="l"/>
+            <a:r>
+              <a:rPr lang="de-DE" dirty="0"/>
+              <a:t>Page </a:t>
+            </a:r>
+            <a:fld id="{3FD030EF-7044-4946-962A-5D7D09BD1B34}" type="slidenum">
+              <a:rPr lang="de-DE" smtClean="0"/>
+              <a:pPr algn="l"/>
+              <a:t>20</a:t>
+            </a:fld>
+            <a:endParaRPr lang="de-DE" dirty="0"/>
+          </a:p>
+        </p:txBody>
+      </p:sp>
+      <p:sp>
+        <p:nvSpPr>
+          <p:cNvPr id="6" name="Rectangle 5"/>
+          <p:cNvSpPr/>
+          <p:nvPr/>
+        </p:nvSpPr>
+        <p:spPr>
+          <a:xfrm>
+            <a:off x="1075287" y="5983883"/>
+            <a:ext cx="2368982" cy="369332"/>
+          </a:xfrm>
+          <a:prstGeom prst="rect">
+            <a:avLst/>
+          </a:prstGeom>
+        </p:spPr>
+        <p:txBody>
+          <a:bodyPr wrap="none">
+            <a:spAutoFit/>
+          </a:bodyPr>
+          <a:lstStyle/>
+          <a:p>
+            <a:r>
+              <a:rPr lang="en-US" dirty="0"/>
+              <a:t>Jun 2017 – JUL 2019</a:t>
+            </a:r>
+          </a:p>
+        </p:txBody>
+      </p:sp>
+      <p:sp>
+        <p:nvSpPr>
+          <p:cNvPr id="244" name="Content Placeholder 243"/>
+          <p:cNvSpPr>
+            <a:spLocks noGrp="1"/>
+          </p:cNvSpPr>
+          <p:nvPr>
+            <p:ph idx="1"/>
+          </p:nvPr>
+        </p:nvSpPr>
+        <p:spPr/>
+        <p:txBody>
+          <a:bodyPr/>
+          <a:lstStyle/>
+          <a:p>
+            <a:endParaRPr lang="en-US" dirty="0"/>
+          </a:p>
+        </p:txBody>
+      </p:sp>
+      <p:graphicFrame>
+        <p:nvGraphicFramePr>
+          <p:cNvPr id="245" name="コンテンツ プレースホルダー 4"/>
+          <p:cNvGraphicFramePr>
+            <a:graphicFrameLocks/>
+          </p:cNvGraphicFramePr>
+          <p:nvPr>
+            <p:extLst>
+              <p:ext uri="{D42A27DB-BD31-4B8C-83A1-F6EECF244321}">
+                <p14:modId xmlns:p14="http://schemas.microsoft.com/office/powerpoint/2010/main" val="2246461941"/>
+              </p:ext>
+            </p:extLst>
+          </p:nvPr>
+        </p:nvGraphicFramePr>
+        <p:xfrm>
+          <a:off x="1667709" y="1800000"/>
+          <a:ext cx="8184582" cy="3669110"/>
+        </p:xfrm>
+        <a:graphic>
+          <a:graphicData uri="http://schemas.openxmlformats.org/drawingml/2006/table">
+            <a:tbl>
+              <a:tblPr firstRow="1" bandRow="1">
+                <a:tableStyleId>{5C22544A-7EE6-4342-B048-85BDC9FD1C3A}</a:tableStyleId>
+              </a:tblPr>
+              <a:tblGrid>
+                <a:gridCol w="481446">
+                  <a:extLst>
+                    <a:ext uri="{9D8B030D-6E8A-4147-A177-3AD203B41FA5}">
+                      <a16:colId xmlns="" xmlns:a16="http://schemas.microsoft.com/office/drawing/2014/main" val="2422075510"/>
+                    </a:ext>
+                  </a:extLst>
+                </a:gridCol>
+                <a:gridCol w="481446">
+                  <a:extLst>
+                    <a:ext uri="{9D8B030D-6E8A-4147-A177-3AD203B41FA5}">
+                      <a16:colId xmlns="" xmlns:a16="http://schemas.microsoft.com/office/drawing/2014/main" val="3619455640"/>
+                    </a:ext>
+                  </a:extLst>
+                </a:gridCol>
+                <a:gridCol w="481446">
+                  <a:extLst>
+                    <a:ext uri="{9D8B030D-6E8A-4147-A177-3AD203B41FA5}">
+                      <a16:colId xmlns="" xmlns:a16="http://schemas.microsoft.com/office/drawing/2014/main" val="1301063395"/>
+                    </a:ext>
+                  </a:extLst>
+                </a:gridCol>
+                <a:gridCol w="481446">
+                  <a:extLst>
+                    <a:ext uri="{9D8B030D-6E8A-4147-A177-3AD203B41FA5}">
+                      <a16:colId xmlns="" xmlns:a16="http://schemas.microsoft.com/office/drawing/2014/main" val="545569979"/>
+                    </a:ext>
+                  </a:extLst>
+                </a:gridCol>
+                <a:gridCol w="481446">
+                  <a:extLst>
+                    <a:ext uri="{9D8B030D-6E8A-4147-A177-3AD203B41FA5}">
+                      <a16:colId xmlns="" xmlns:a16="http://schemas.microsoft.com/office/drawing/2014/main" val="670636207"/>
+                    </a:ext>
+                  </a:extLst>
+                </a:gridCol>
+                <a:gridCol w="481446">
+                  <a:extLst>
+                    <a:ext uri="{9D8B030D-6E8A-4147-A177-3AD203B41FA5}">
+                      <a16:colId xmlns="" xmlns:a16="http://schemas.microsoft.com/office/drawing/2014/main" val="59761620"/>
+                    </a:ext>
+                  </a:extLst>
+                </a:gridCol>
+                <a:gridCol w="481446">
+                  <a:extLst>
+                    <a:ext uri="{9D8B030D-6E8A-4147-A177-3AD203B41FA5}">
+                      <a16:colId xmlns="" xmlns:a16="http://schemas.microsoft.com/office/drawing/2014/main" val="2734900729"/>
+                    </a:ext>
+                  </a:extLst>
+                </a:gridCol>
+                <a:gridCol w="481446">
+                  <a:extLst>
+                    <a:ext uri="{9D8B030D-6E8A-4147-A177-3AD203B41FA5}">
+                      <a16:colId xmlns="" xmlns:a16="http://schemas.microsoft.com/office/drawing/2014/main" val="2605019103"/>
+                    </a:ext>
+                  </a:extLst>
+                </a:gridCol>
+                <a:gridCol w="481446">
+                  <a:extLst>
+                    <a:ext uri="{9D8B030D-6E8A-4147-A177-3AD203B41FA5}">
+                      <a16:colId xmlns="" xmlns:a16="http://schemas.microsoft.com/office/drawing/2014/main" val="2846801397"/>
+                    </a:ext>
+                  </a:extLst>
+                </a:gridCol>
+                <a:gridCol w="481446">
+                  <a:extLst>
+                    <a:ext uri="{9D8B030D-6E8A-4147-A177-3AD203B41FA5}">
+                      <a16:colId xmlns="" xmlns:a16="http://schemas.microsoft.com/office/drawing/2014/main" val="2585864160"/>
+                    </a:ext>
+                  </a:extLst>
+                </a:gridCol>
+                <a:gridCol w="481446">
+                  <a:extLst>
+                    <a:ext uri="{9D8B030D-6E8A-4147-A177-3AD203B41FA5}">
+                      <a16:colId xmlns="" xmlns:a16="http://schemas.microsoft.com/office/drawing/2014/main" val="1680316290"/>
+                    </a:ext>
+                  </a:extLst>
+                </a:gridCol>
+                <a:gridCol w="481446">
+                  <a:extLst>
+                    <a:ext uri="{9D8B030D-6E8A-4147-A177-3AD203B41FA5}">
+                      <a16:colId xmlns="" xmlns:a16="http://schemas.microsoft.com/office/drawing/2014/main" val="3864384166"/>
+                    </a:ext>
+                  </a:extLst>
+                </a:gridCol>
+                <a:gridCol w="481446">
+                  <a:extLst>
+                    <a:ext uri="{9D8B030D-6E8A-4147-A177-3AD203B41FA5}">
+                      <a16:colId xmlns="" xmlns:a16="http://schemas.microsoft.com/office/drawing/2014/main" val="2053388672"/>
+                    </a:ext>
+                  </a:extLst>
+                </a:gridCol>
+                <a:gridCol w="481446">
+                  <a:extLst>
+                    <a:ext uri="{9D8B030D-6E8A-4147-A177-3AD203B41FA5}">
+                      <a16:colId xmlns="" xmlns:a16="http://schemas.microsoft.com/office/drawing/2014/main" val="2119016002"/>
+                    </a:ext>
+                  </a:extLst>
+                </a:gridCol>
+                <a:gridCol w="481446">
+                  <a:extLst>
+                    <a:ext uri="{9D8B030D-6E8A-4147-A177-3AD203B41FA5}">
+                      <a16:colId xmlns="" xmlns:a16="http://schemas.microsoft.com/office/drawing/2014/main" val="3907272650"/>
+                    </a:ext>
+                  </a:extLst>
+                </a:gridCol>
+                <a:gridCol w="481446">
+                  <a:extLst>
+                    <a:ext uri="{9D8B030D-6E8A-4147-A177-3AD203B41FA5}">
+                      <a16:colId xmlns="" xmlns:a16="http://schemas.microsoft.com/office/drawing/2014/main" val="1096394838"/>
+                    </a:ext>
+                  </a:extLst>
+                </a:gridCol>
+                <a:gridCol w="481446">
+                  <a:extLst>
+                    <a:ext uri="{9D8B030D-6E8A-4147-A177-3AD203B41FA5}">
+                      <a16:colId xmlns="" xmlns:a16="http://schemas.microsoft.com/office/drawing/2014/main" val="3136205369"/>
+                    </a:ext>
+                  </a:extLst>
+                </a:gridCol>
+              </a:tblGrid>
+              <a:tr h="584470">
+                <a:tc>
+                  <a:txBody>
+                    <a:bodyPr/>
+                    <a:lstStyle/>
+                    <a:p>
+                      <a:pPr algn="ctr"/>
+                      <a:r>
+                        <a:rPr kumimoji="1" lang="en-US" altLang="ja-JP" sz="1200" dirty="0"/>
+                        <a:t>‘17</a:t>
+                      </a:r>
+                    </a:p>
+                    <a:p>
+                      <a:pPr algn="ctr"/>
+                      <a:r>
+                        <a:rPr kumimoji="1" lang="en-US" altLang="ja-JP" sz="1200" dirty="0"/>
+                        <a:t>Jun</a:t>
+                      </a:r>
+                      <a:endParaRPr kumimoji="1" lang="ja-JP" altLang="en-US" sz="1200" dirty="0"/>
+                    </a:p>
+                  </a:txBody>
+                  <a:tcPr anchor="ctr"/>
+                </a:tc>
+                <a:tc>
+                  <a:txBody>
+                    <a:bodyPr/>
+                    <a:lstStyle/>
+                    <a:p>
+                      <a:pPr algn="ctr"/>
+                      <a:r>
+                        <a:rPr kumimoji="1" lang="en-US" altLang="ja-JP" sz="1200" dirty="0"/>
+                        <a:t>‘17</a:t>
+                      </a:r>
+                    </a:p>
+                    <a:p>
+                      <a:pPr algn="ctr"/>
+                      <a:r>
+                        <a:rPr kumimoji="1" lang="en-US" altLang="ja-JP" sz="1200" dirty="0"/>
+                        <a:t>Sep</a:t>
+                      </a:r>
+                      <a:endParaRPr kumimoji="1" lang="ja-JP" altLang="en-US" sz="1200" dirty="0"/>
+                    </a:p>
+                  </a:txBody>
+                  <a:tcPr anchor="ctr"/>
+                </a:tc>
+                <a:tc>
+                  <a:txBody>
+                    <a:bodyPr/>
+                    <a:lstStyle/>
+                    <a:p>
+                      <a:pPr algn="ctr"/>
+                      <a:r>
+                        <a:rPr kumimoji="1" lang="en-US" altLang="ja-JP" sz="1200" dirty="0"/>
+                        <a:t>‘17</a:t>
+                      </a:r>
+                    </a:p>
+                    <a:p>
+                      <a:pPr algn="ctr"/>
+                      <a:r>
+                        <a:rPr kumimoji="1" lang="en-US" altLang="ja-JP" sz="1200" dirty="0" smtClean="0"/>
+                        <a:t>Dec</a:t>
+                      </a:r>
+                      <a:endParaRPr kumimoji="1" lang="ja-JP" altLang="en-US" sz="1200" dirty="0"/>
+                    </a:p>
+                  </a:txBody>
+                  <a:tcPr anchor="ctr"/>
+                </a:tc>
+                <a:tc>
+                  <a:txBody>
+                    <a:bodyPr/>
+                    <a:lstStyle/>
+                    <a:p>
+                      <a:pPr algn="ctr"/>
+                      <a:r>
+                        <a:rPr kumimoji="1" lang="en-US" altLang="ja-JP" sz="1200" dirty="0"/>
+                        <a:t>‘17</a:t>
+                      </a:r>
+                    </a:p>
+                    <a:p>
+                      <a:pPr algn="ctr"/>
+                      <a:r>
+                        <a:rPr kumimoji="1" lang="en-US" altLang="ja-JP" sz="1200" dirty="0" smtClean="0"/>
+                        <a:t>Mar</a:t>
+                      </a:r>
+                      <a:endParaRPr kumimoji="1" lang="ja-JP" altLang="en-US" sz="1200" dirty="0"/>
+                    </a:p>
+                  </a:txBody>
+                  <a:tcPr anchor="ctr"/>
+                </a:tc>
+                <a:tc>
+                  <a:txBody>
+                    <a:bodyPr/>
+                    <a:lstStyle/>
+                    <a:p>
+                      <a:pPr algn="ctr"/>
+                      <a:r>
+                        <a:rPr kumimoji="1" lang="en-US" altLang="ja-JP" sz="1200" dirty="0"/>
+                        <a:t>‘18</a:t>
+                      </a:r>
+                    </a:p>
+                    <a:p>
+                      <a:pPr algn="ctr"/>
+                      <a:r>
+                        <a:rPr kumimoji="1" lang="en-US" altLang="ja-JP" sz="1200" dirty="0" smtClean="0"/>
+                        <a:t>Jun</a:t>
+                      </a:r>
+                      <a:endParaRPr kumimoji="1" lang="ja-JP" altLang="en-US" sz="1200" dirty="0"/>
+                    </a:p>
+                  </a:txBody>
+                  <a:tcPr anchor="ctr"/>
+                </a:tc>
+                <a:tc>
+                  <a:txBody>
+                    <a:bodyPr/>
+                    <a:lstStyle/>
+                    <a:p>
+                      <a:pPr marL="0" marR="0" lvl="0" indent="0" algn="ctr" defTabSz="914400" rtl="0" eaLnBrk="1" fontAlgn="auto" latinLnBrk="0" hangingPunct="1">
+                        <a:lnSpc>
+                          <a:spcPct val="100000"/>
+                        </a:lnSpc>
+                        <a:spcBef>
+                          <a:spcPts val="0"/>
+                        </a:spcBef>
+                        <a:spcAft>
+                          <a:spcPts val="0"/>
+                        </a:spcAft>
+                        <a:buClrTx/>
+                        <a:buSzTx/>
+                        <a:buFontTx/>
+                        <a:buNone/>
+                        <a:tabLst/>
+                        <a:defRPr/>
+                      </a:pPr>
+                      <a:r>
+                        <a:rPr kumimoji="1" lang="en-US" altLang="ja-JP" sz="1200" b="1" i="0" u="none" strike="noStrike" kern="1200" cap="none" spc="0" normalizeH="0" baseline="0" noProof="0" dirty="0" smtClean="0">
+                          <a:ln>
+                            <a:noFill/>
+                          </a:ln>
+                          <a:solidFill>
+                            <a:prstClr val="white"/>
+                          </a:solidFill>
+                          <a:effectLst/>
+                          <a:uLnTx/>
+                          <a:uFillTx/>
+                          <a:latin typeface="+mn-lt"/>
+                          <a:ea typeface="+mn-ea"/>
+                          <a:cs typeface="+mn-cs"/>
+                        </a:rPr>
+                        <a:t>‘18</a:t>
+                      </a:r>
+                    </a:p>
+                    <a:p>
+                      <a:pPr marL="0" marR="0" lvl="0" indent="0" algn="ctr" defTabSz="914400" rtl="0" eaLnBrk="1" fontAlgn="auto" latinLnBrk="0" hangingPunct="1">
+                        <a:lnSpc>
+                          <a:spcPct val="100000"/>
+                        </a:lnSpc>
+                        <a:spcBef>
+                          <a:spcPts val="0"/>
+                        </a:spcBef>
+                        <a:spcAft>
+                          <a:spcPts val="0"/>
+                        </a:spcAft>
+                        <a:buClrTx/>
+                        <a:buSzTx/>
+                        <a:buFontTx/>
+                        <a:buNone/>
+                        <a:tabLst/>
+                        <a:defRPr/>
+                      </a:pPr>
+                      <a:r>
+                        <a:rPr kumimoji="1" lang="en-US" altLang="ja-JP" sz="1200" b="1" i="0" u="none" strike="noStrike" kern="1200" cap="none" spc="0" normalizeH="0" baseline="0" noProof="0" dirty="0" smtClean="0">
+                          <a:ln>
+                            <a:noFill/>
+                          </a:ln>
+                          <a:solidFill>
+                            <a:prstClr val="white"/>
+                          </a:solidFill>
+                          <a:effectLst/>
+                          <a:uLnTx/>
+                          <a:uFillTx/>
+                          <a:latin typeface="+mn-lt"/>
+                          <a:ea typeface="+mn-ea"/>
+                          <a:cs typeface="+mn-cs"/>
+                        </a:rPr>
+                        <a:t>Sep</a:t>
+                      </a:r>
+                      <a:endParaRPr kumimoji="1" lang="ja-JP" altLang="en-US" sz="1200" b="1" i="0" u="none" strike="noStrike" kern="1200" cap="none" spc="0" normalizeH="0" baseline="0" noProof="0" dirty="0">
+                        <a:ln>
+                          <a:noFill/>
+                        </a:ln>
+                        <a:solidFill>
+                          <a:prstClr val="white"/>
+                        </a:solidFill>
+                        <a:effectLst/>
+                        <a:uLnTx/>
+                        <a:uFillTx/>
+                        <a:latin typeface="+mn-lt"/>
+                        <a:ea typeface="+mn-ea"/>
+                        <a:cs typeface="+mn-cs"/>
+                      </a:endParaRPr>
+                    </a:p>
+                  </a:txBody>
+                  <a:tcPr anchor="ctr"/>
+                </a:tc>
+                <a:tc>
+                  <a:txBody>
+                    <a:bodyPr/>
+                    <a:lstStyle/>
+                    <a:p>
+                      <a:pPr marL="0" marR="0" lvl="0" indent="0" algn="ctr" defTabSz="914400" rtl="0" eaLnBrk="1" fontAlgn="auto" latinLnBrk="0" hangingPunct="1">
+                        <a:lnSpc>
+                          <a:spcPct val="100000"/>
+                        </a:lnSpc>
+                        <a:spcBef>
+                          <a:spcPts val="0"/>
+                        </a:spcBef>
+                        <a:spcAft>
+                          <a:spcPts val="0"/>
+                        </a:spcAft>
+                        <a:buClrTx/>
+                        <a:buSzTx/>
+                        <a:buFontTx/>
+                        <a:buNone/>
+                        <a:tabLst/>
+                        <a:defRPr/>
+                      </a:pPr>
+                      <a:r>
+                        <a:rPr kumimoji="1" lang="en-US" altLang="ja-JP" sz="1200" b="1" i="0" u="none" strike="noStrike" kern="1200" cap="none" spc="0" normalizeH="0" baseline="0" noProof="0" dirty="0" smtClean="0">
+                          <a:ln>
+                            <a:noFill/>
+                          </a:ln>
+                          <a:solidFill>
+                            <a:prstClr val="white"/>
+                          </a:solidFill>
+                          <a:effectLst/>
+                          <a:uLnTx/>
+                          <a:uFillTx/>
+                          <a:latin typeface="+mn-lt"/>
+                          <a:ea typeface="+mn-ea"/>
+                          <a:cs typeface="+mn-cs"/>
+                        </a:rPr>
+                        <a:t>‘18</a:t>
+                      </a:r>
+                    </a:p>
+                    <a:p>
+                      <a:pPr marL="0" marR="0" lvl="0" indent="0" algn="ctr" defTabSz="914400" rtl="0" eaLnBrk="1" fontAlgn="auto" latinLnBrk="0" hangingPunct="1">
+                        <a:lnSpc>
+                          <a:spcPct val="100000"/>
+                        </a:lnSpc>
+                        <a:spcBef>
+                          <a:spcPts val="0"/>
+                        </a:spcBef>
+                        <a:spcAft>
+                          <a:spcPts val="0"/>
+                        </a:spcAft>
+                        <a:buClrTx/>
+                        <a:buSzTx/>
+                        <a:buFontTx/>
+                        <a:buNone/>
+                        <a:tabLst/>
+                        <a:defRPr/>
+                      </a:pPr>
+                      <a:r>
+                        <a:rPr kumimoji="1" lang="en-US" altLang="ja-JP" sz="1200" b="1" i="0" u="none" strike="noStrike" kern="1200" cap="none" spc="0" normalizeH="0" baseline="0" noProof="0" dirty="0" smtClean="0">
+                          <a:ln>
+                            <a:noFill/>
+                          </a:ln>
+                          <a:solidFill>
+                            <a:prstClr val="white"/>
+                          </a:solidFill>
+                          <a:effectLst/>
+                          <a:uLnTx/>
+                          <a:uFillTx/>
+                          <a:latin typeface="+mn-lt"/>
+                          <a:ea typeface="+mn-ea"/>
+                          <a:cs typeface="+mn-cs"/>
+                        </a:rPr>
+                        <a:t>Dec</a:t>
+                      </a:r>
+                      <a:endParaRPr kumimoji="1" lang="ja-JP" altLang="en-US" sz="1200" b="1" i="0" u="none" strike="noStrike" kern="1200" cap="none" spc="0" normalizeH="0" baseline="0" noProof="0" dirty="0">
+                        <a:ln>
+                          <a:noFill/>
+                        </a:ln>
+                        <a:solidFill>
+                          <a:prstClr val="white"/>
+                        </a:solidFill>
+                        <a:effectLst/>
+                        <a:uLnTx/>
+                        <a:uFillTx/>
+                        <a:latin typeface="+mn-lt"/>
+                        <a:ea typeface="+mn-ea"/>
+                        <a:cs typeface="+mn-cs"/>
+                      </a:endParaRPr>
+                    </a:p>
+                  </a:txBody>
+                  <a:tcPr anchor="ctr"/>
+                </a:tc>
+                <a:tc>
+                  <a:txBody>
+                    <a:bodyPr/>
+                    <a:lstStyle/>
+                    <a:p>
+                      <a:pPr algn="ctr"/>
+                      <a:r>
+                        <a:rPr kumimoji="1" lang="en-US" altLang="ja-JP" sz="1200" dirty="0" smtClean="0"/>
+                        <a:t>‘18</a:t>
+                      </a:r>
+                    </a:p>
+                    <a:p>
+                      <a:pPr algn="ctr"/>
+                      <a:r>
+                        <a:rPr kumimoji="1" lang="en-US" altLang="ja-JP" sz="1200" dirty="0" smtClean="0"/>
+                        <a:t>Mar</a:t>
+                      </a:r>
+                      <a:endParaRPr kumimoji="1" lang="ja-JP" altLang="en-US" sz="1200" dirty="0"/>
+                    </a:p>
+                  </a:txBody>
+                  <a:tcPr anchor="ctr"/>
+                </a:tc>
+                <a:tc>
+                  <a:txBody>
+                    <a:bodyPr/>
+                    <a:lstStyle/>
+                    <a:p>
+                      <a:pPr algn="ctr"/>
+                      <a:r>
+                        <a:rPr kumimoji="1" lang="en-US" altLang="ja-JP" sz="1200" dirty="0"/>
+                        <a:t>‘18</a:t>
+                      </a:r>
+                    </a:p>
+                    <a:p>
+                      <a:pPr algn="ctr"/>
+                      <a:r>
+                        <a:rPr kumimoji="1" lang="en-US" altLang="ja-JP" sz="1200" dirty="0" smtClean="0"/>
+                        <a:t>Jun</a:t>
+                      </a:r>
+                      <a:endParaRPr kumimoji="1" lang="ja-JP" altLang="en-US" sz="1200" dirty="0"/>
+                    </a:p>
+                  </a:txBody>
+                  <a:tcPr anchor="ctr"/>
+                </a:tc>
+                <a:tc>
+                  <a:txBody>
+                    <a:bodyPr/>
+                    <a:lstStyle/>
+                    <a:p>
+                      <a:pPr algn="ctr"/>
+                      <a:r>
+                        <a:rPr kumimoji="1" lang="en-US" altLang="ja-JP" sz="1200" dirty="0"/>
+                        <a:t>‘18</a:t>
+                      </a:r>
+                    </a:p>
+                    <a:p>
+                      <a:pPr algn="ctr"/>
+                      <a:r>
+                        <a:rPr kumimoji="1" lang="en-US" altLang="ja-JP" sz="1200" dirty="0" smtClean="0"/>
+                        <a:t>Dec</a:t>
+                      </a:r>
+                      <a:endParaRPr kumimoji="1" lang="ja-JP" altLang="en-US" sz="1200" dirty="0"/>
+                    </a:p>
+                  </a:txBody>
+                  <a:tcPr anchor="ctr"/>
+                </a:tc>
+                <a:tc>
+                  <a:txBody>
+                    <a:bodyPr/>
+                    <a:lstStyle/>
+                    <a:p>
+                      <a:pPr algn="ctr"/>
+                      <a:r>
+                        <a:rPr kumimoji="1" lang="en-US" altLang="ja-JP" sz="1200" dirty="0"/>
+                        <a:t>‘</a:t>
+                      </a:r>
+                      <a:r>
+                        <a:rPr kumimoji="1" lang="en-US" altLang="ja-JP" sz="1200" dirty="0" smtClean="0"/>
+                        <a:t>19</a:t>
+                      </a:r>
+                      <a:endParaRPr kumimoji="1" lang="en-US" altLang="ja-JP" sz="1200" dirty="0"/>
+                    </a:p>
+                    <a:p>
+                      <a:pPr algn="ctr"/>
+                      <a:r>
+                        <a:rPr kumimoji="1" lang="en-US" altLang="ja-JP" sz="1200" dirty="0" smtClean="0"/>
+                        <a:t>Mar</a:t>
+                      </a:r>
+                      <a:endParaRPr kumimoji="1" lang="ja-JP" altLang="en-US" sz="1200" dirty="0"/>
+                    </a:p>
+                  </a:txBody>
+                  <a:tcPr anchor="ctr"/>
+                </a:tc>
+                <a:tc>
+                  <a:txBody>
+                    <a:bodyPr/>
+                    <a:lstStyle/>
+                    <a:p>
+                      <a:pPr algn="ctr"/>
+                      <a:r>
+                        <a:rPr kumimoji="1" lang="en-US" altLang="ja-JP" sz="1200" dirty="0"/>
+                        <a:t>‘18</a:t>
+                      </a:r>
+                    </a:p>
+                    <a:p>
+                      <a:pPr algn="ctr"/>
+                      <a:r>
+                        <a:rPr kumimoji="1" lang="en-US" altLang="ja-JP" sz="1200" dirty="0"/>
+                        <a:t>Jul</a:t>
+                      </a:r>
+                      <a:endParaRPr kumimoji="1" lang="ja-JP" altLang="en-US" sz="1200" dirty="0"/>
+                    </a:p>
+                  </a:txBody>
+                  <a:tcPr anchor="ctr"/>
+                </a:tc>
+                <a:tc>
+                  <a:txBody>
+                    <a:bodyPr/>
+                    <a:lstStyle/>
+                    <a:p>
+                      <a:pPr algn="ctr"/>
+                      <a:r>
+                        <a:rPr kumimoji="1" lang="en-US" altLang="ja-JP" sz="1200" dirty="0"/>
+                        <a:t>‘18</a:t>
+                      </a:r>
+                    </a:p>
+                    <a:p>
+                      <a:pPr algn="ctr"/>
+                      <a:r>
+                        <a:rPr kumimoji="1" lang="en-US" altLang="ja-JP" sz="1200" dirty="0"/>
+                        <a:t>Sep</a:t>
+                      </a:r>
+                      <a:endParaRPr kumimoji="1" lang="ja-JP" altLang="en-US" sz="1200" dirty="0"/>
+                    </a:p>
+                  </a:txBody>
+                  <a:tcPr anchor="ctr"/>
+                </a:tc>
+                <a:tc>
+                  <a:txBody>
+                    <a:bodyPr/>
+                    <a:lstStyle/>
+                    <a:p>
+                      <a:pPr algn="ctr"/>
+                      <a:r>
+                        <a:rPr kumimoji="1" lang="en-US" altLang="ja-JP" sz="1200" dirty="0"/>
+                        <a:t>‘18</a:t>
+                      </a:r>
+                    </a:p>
+                    <a:p>
+                      <a:pPr algn="ctr"/>
+                      <a:r>
+                        <a:rPr kumimoji="1" lang="en-US" altLang="ja-JP" sz="1200" dirty="0" smtClean="0"/>
+                        <a:t>Dec</a:t>
+                      </a:r>
+                      <a:endParaRPr kumimoji="1" lang="ja-JP" altLang="en-US" sz="1200" dirty="0"/>
+                    </a:p>
+                  </a:txBody>
+                  <a:tcPr anchor="ctr"/>
+                </a:tc>
+                <a:tc>
+                  <a:txBody>
+                    <a:bodyPr/>
+                    <a:lstStyle/>
+                    <a:p>
+                      <a:pPr algn="ctr"/>
+                      <a:r>
+                        <a:rPr kumimoji="1" lang="en-US" altLang="ja-JP" sz="1200" dirty="0" smtClean="0"/>
+                        <a:t>‘19</a:t>
+                      </a:r>
+                    </a:p>
+                    <a:p>
+                      <a:pPr algn="ctr"/>
+                      <a:r>
+                        <a:rPr kumimoji="1" lang="en-US" altLang="ja-JP" sz="1200" dirty="0" smtClean="0"/>
+                        <a:t>Mar</a:t>
+                      </a:r>
+                      <a:endParaRPr kumimoji="1" lang="ja-JP" altLang="en-US" sz="1200" dirty="0"/>
+                    </a:p>
+                  </a:txBody>
+                  <a:tcPr anchor="ctr"/>
+                </a:tc>
+                <a:tc>
+                  <a:txBody>
+                    <a:bodyPr/>
+                    <a:lstStyle/>
+                    <a:p>
+                      <a:pPr algn="ctr"/>
+                      <a:r>
+                        <a:rPr kumimoji="1" lang="en-US" altLang="ja-JP" sz="1200" dirty="0"/>
+                        <a:t>‘</a:t>
+                      </a:r>
+                      <a:r>
+                        <a:rPr kumimoji="1" lang="en-US" altLang="ja-JP" sz="1200" dirty="0" smtClean="0"/>
+                        <a:t>19</a:t>
+                      </a:r>
+                      <a:endParaRPr kumimoji="1" lang="en-US" altLang="ja-JP" sz="1200" dirty="0"/>
+                    </a:p>
+                    <a:p>
+                      <a:pPr algn="ctr"/>
+                      <a:r>
+                        <a:rPr kumimoji="1" lang="en-US" altLang="ja-JP" sz="1200" dirty="0" smtClean="0"/>
+                        <a:t>Jun</a:t>
+                      </a:r>
+                      <a:endParaRPr kumimoji="1" lang="ja-JP" altLang="en-US" sz="1200" dirty="0"/>
+                    </a:p>
+                  </a:txBody>
+                  <a:tcPr anchor="ctr"/>
+                </a:tc>
+                <a:tc>
+                  <a:txBody>
+                    <a:bodyPr/>
+                    <a:lstStyle/>
+                    <a:p>
+                      <a:pPr algn="ctr"/>
+                      <a:endParaRPr kumimoji="1" lang="ja-JP" altLang="en-US" sz="1200" dirty="0"/>
+                    </a:p>
+                  </a:txBody>
+                  <a:tcPr anchor="ctr"/>
+                </a:tc>
+                <a:extLst>
+                  <a:ext uri="{0D108BD9-81ED-4DB2-BD59-A6C34878D82A}">
+                    <a16:rowId xmlns="" xmlns:a16="http://schemas.microsoft.com/office/drawing/2014/main" val="3457731746"/>
+                  </a:ext>
+                </a:extLst>
+              </a:tr>
+              <a:tr h="385580">
+                <a:tc rowSpan="2" gridSpan="10">
+                  <a:txBody>
+                    <a:bodyPr/>
+                    <a:lstStyle/>
+                    <a:p>
+                      <a:pPr algn="ctr"/>
+                      <a:r>
+                        <a:rPr kumimoji="1" lang="en-US" sz="1800" b="1" i="0" u="none" strike="noStrike" kern="1200" baseline="0" dirty="0" smtClean="0">
+                          <a:solidFill>
+                            <a:schemeClr val="dk1"/>
+                          </a:solidFill>
+                          <a:latin typeface="+mn-lt"/>
+                          <a:ea typeface="+mn-ea"/>
+                          <a:cs typeface="+mn-cs"/>
+                        </a:rPr>
+                        <a:t>Extract test items </a:t>
+                      </a:r>
+                      <a:br>
+                        <a:rPr kumimoji="1" lang="en-US" sz="1800" b="1" i="0" u="none" strike="noStrike" kern="1200" baseline="0" dirty="0" smtClean="0">
+                          <a:solidFill>
+                            <a:schemeClr val="dk1"/>
+                          </a:solidFill>
+                          <a:latin typeface="+mn-lt"/>
+                          <a:ea typeface="+mn-ea"/>
+                          <a:cs typeface="+mn-cs"/>
+                        </a:rPr>
+                      </a:br>
+                      <a:r>
+                        <a:rPr lang="en-US" sz="1200" b="0" i="0" u="none" strike="noStrike" baseline="0" dirty="0" smtClean="0">
+                          <a:solidFill>
+                            <a:srgbClr val="000000"/>
+                          </a:solidFill>
+                          <a:latin typeface="Arial" panose="020B0604020202020204" pitchFamily="34" charset="0"/>
+                        </a:rPr>
+                        <a:t>Propose/create test cases for system evaluation </a:t>
+                      </a:r>
+                      <a:endParaRPr kumimoji="1" lang="ja-JP" altLang="en-US" sz="1200" dirty="0"/>
+                    </a:p>
+                  </a:txBody>
+                  <a:tcPr anchor="ctr"/>
+                </a:tc>
+                <a:tc rowSpan="2" hMerge="1">
+                  <a:txBody>
+                    <a:bodyPr/>
+                    <a:lstStyle/>
+                    <a:p>
+                      <a:pPr algn="ctr"/>
+                      <a:endParaRPr kumimoji="1" lang="ja-JP" altLang="en-US" sz="1200" dirty="0"/>
+                    </a:p>
+                  </a:txBody>
+                  <a:tcPr anchor="ctr"/>
+                </a:tc>
+                <a:tc rowSpan="2" hMerge="1">
+                  <a:txBody>
+                    <a:bodyPr/>
+                    <a:lstStyle/>
+                    <a:p>
+                      <a:pPr algn="ctr"/>
+                      <a:endParaRPr kumimoji="1" lang="ja-JP" altLang="en-US" sz="1200"/>
+                    </a:p>
+                  </a:txBody>
+                  <a:tcPr anchor="ctr"/>
+                </a:tc>
+                <a:tc rowSpan="2" hMerge="1">
+                  <a:txBody>
+                    <a:bodyPr/>
+                    <a:lstStyle/>
+                    <a:p>
+                      <a:pPr algn="ctr"/>
+                      <a:endParaRPr kumimoji="1" lang="ja-JP" altLang="en-US" sz="1200" dirty="0"/>
+                    </a:p>
+                  </a:txBody>
+                  <a:tcPr anchor="ctr"/>
+                </a:tc>
+                <a:tc rowSpan="2" hMerge="1">
+                  <a:txBody>
+                    <a:bodyPr/>
+                    <a:lstStyle/>
+                    <a:p>
+                      <a:pPr algn="ctr"/>
+                      <a:endParaRPr kumimoji="1" lang="ja-JP" altLang="en-US" sz="1200" dirty="0"/>
+                    </a:p>
+                  </a:txBody>
+                  <a:tcPr anchor="ctr"/>
+                </a:tc>
+                <a:tc rowSpan="2" hMerge="1">
+                  <a:txBody>
+                    <a:bodyPr/>
+                    <a:lstStyle/>
+                    <a:p>
+                      <a:pPr algn="ctr"/>
+                      <a:endParaRPr kumimoji="1" lang="ja-JP" altLang="en-US" sz="1200" dirty="0"/>
+                    </a:p>
+                  </a:txBody>
+                  <a:tcPr anchor="ctr"/>
+                </a:tc>
+                <a:tc rowSpan="2" hMerge="1">
+                  <a:txBody>
+                    <a:bodyPr/>
+                    <a:lstStyle/>
+                    <a:p>
+                      <a:pPr algn="ctr"/>
+                      <a:endParaRPr kumimoji="1" lang="ja-JP" altLang="en-US" sz="1200" dirty="0"/>
+                    </a:p>
+                  </a:txBody>
+                  <a:tcPr anchor="ctr"/>
+                </a:tc>
+                <a:tc rowSpan="2" hMerge="1">
+                  <a:txBody>
+                    <a:bodyPr/>
+                    <a:lstStyle/>
+                    <a:p>
+                      <a:pPr algn="ctr"/>
+                      <a:endParaRPr kumimoji="1" lang="ja-JP" altLang="en-US" sz="1200" dirty="0"/>
+                    </a:p>
+                  </a:txBody>
+                  <a:tcPr anchor="ctr"/>
+                </a:tc>
+                <a:tc rowSpan="2" hMerge="1">
+                  <a:txBody>
+                    <a:bodyPr/>
+                    <a:lstStyle/>
+                    <a:p>
+                      <a:pPr algn="ctr"/>
+                      <a:endParaRPr kumimoji="1" lang="ja-JP" altLang="en-US" sz="1200" dirty="0"/>
+                    </a:p>
+                  </a:txBody>
+                  <a:tcPr anchor="ctr"/>
+                </a:tc>
+                <a:tc rowSpan="2" hMerge="1">
+                  <a:txBody>
+                    <a:bodyPr/>
+                    <a:lstStyle/>
+                    <a:p>
+                      <a:pPr algn="ctr"/>
+                      <a:endParaRPr kumimoji="1" lang="ja-JP" altLang="en-US" sz="1200" dirty="0"/>
+                    </a:p>
+                  </a:txBody>
+                  <a:tcPr anchor="ctr"/>
+                </a:tc>
+                <a:tc>
+                  <a:txBody>
+                    <a:bodyPr/>
+                    <a:lstStyle/>
+                    <a:p>
+                      <a:pPr algn="ctr"/>
+                      <a:endParaRPr kumimoji="1" lang="ja-JP" altLang="en-US" sz="1200" dirty="0"/>
+                    </a:p>
+                  </a:txBody>
+                  <a:tcPr anchor="ctr"/>
+                </a:tc>
+                <a:tc>
+                  <a:txBody>
+                    <a:bodyPr/>
+                    <a:lstStyle/>
+                    <a:p>
+                      <a:pPr algn="ctr"/>
+                      <a:endParaRPr kumimoji="1" lang="ja-JP" altLang="en-US" sz="1200" dirty="0"/>
+                    </a:p>
+                  </a:txBody>
+                  <a:tcPr anchor="ctr"/>
+                </a:tc>
+                <a:tc>
+                  <a:txBody>
+                    <a:bodyPr/>
+                    <a:lstStyle/>
+                    <a:p>
+                      <a:pPr algn="ctr"/>
+                      <a:endParaRPr kumimoji="1" lang="ja-JP" altLang="en-US" sz="1200" dirty="0"/>
+                    </a:p>
+                  </a:txBody>
+                  <a:tcPr anchor="ctr"/>
+                </a:tc>
+                <a:tc>
+                  <a:txBody>
+                    <a:bodyPr/>
+                    <a:lstStyle/>
+                    <a:p>
+                      <a:pPr algn="ctr"/>
+                      <a:endParaRPr kumimoji="1" lang="ja-JP" altLang="en-US" sz="1200" dirty="0"/>
+                    </a:p>
+                  </a:txBody>
+                  <a:tcPr anchor="ctr"/>
+                </a:tc>
+                <a:tc>
+                  <a:txBody>
+                    <a:bodyPr/>
+                    <a:lstStyle/>
+                    <a:p>
+                      <a:pPr algn="ctr"/>
+                      <a:endParaRPr kumimoji="1" lang="ja-JP" altLang="en-US" sz="1200" dirty="0"/>
+                    </a:p>
+                  </a:txBody>
+                  <a:tcPr anchor="ctr"/>
+                </a:tc>
+                <a:tc>
+                  <a:txBody>
+                    <a:bodyPr/>
+                    <a:lstStyle/>
+                    <a:p>
+                      <a:pPr algn="ctr"/>
+                      <a:endParaRPr kumimoji="1" lang="ja-JP" altLang="en-US" sz="1200" dirty="0"/>
+                    </a:p>
+                  </a:txBody>
+                  <a:tcPr anchor="ctr"/>
+                </a:tc>
+                <a:tc>
+                  <a:txBody>
+                    <a:bodyPr/>
+                    <a:lstStyle/>
+                    <a:p>
+                      <a:pPr algn="ctr"/>
+                      <a:endParaRPr kumimoji="1" lang="ja-JP" altLang="en-US" sz="1200" dirty="0"/>
+                    </a:p>
+                  </a:txBody>
+                  <a:tcPr anchor="ctr"/>
+                </a:tc>
+                <a:extLst>
+                  <a:ext uri="{0D108BD9-81ED-4DB2-BD59-A6C34878D82A}">
+                    <a16:rowId xmlns="" xmlns:a16="http://schemas.microsoft.com/office/drawing/2014/main" val="1875520903"/>
+                  </a:ext>
+                </a:extLst>
+              </a:tr>
+              <a:tr h="385580">
+                <a:tc gridSpan="10" vMerge="1">
+                  <a:txBody>
+                    <a:bodyPr/>
+                    <a:lstStyle/>
+                    <a:p>
+                      <a:pPr algn="ctr"/>
+                      <a:endParaRPr kumimoji="1" lang="ja-JP" altLang="en-US" sz="1200" dirty="0"/>
+                    </a:p>
+                  </a:txBody>
+                  <a:tcPr anchor="ctr"/>
+                </a:tc>
+                <a:tc hMerge="1" vMerge="1">
+                  <a:txBody>
+                    <a:bodyPr/>
+                    <a:lstStyle/>
+                    <a:p>
+                      <a:pPr algn="ctr"/>
+                      <a:endParaRPr kumimoji="1" lang="ja-JP" altLang="en-US" sz="1200" dirty="0"/>
+                    </a:p>
+                  </a:txBody>
+                  <a:tcPr anchor="ctr"/>
+                </a:tc>
+                <a:tc hMerge="1" vMerge="1">
+                  <a:txBody>
+                    <a:bodyPr/>
+                    <a:lstStyle/>
+                    <a:p>
+                      <a:pPr algn="ctr"/>
+                      <a:endParaRPr kumimoji="1" lang="ja-JP" altLang="en-US" sz="1200" dirty="0"/>
+                    </a:p>
+                  </a:txBody>
+                  <a:tcPr anchor="ctr"/>
+                </a:tc>
+                <a:tc hMerge="1" vMerge="1">
+                  <a:txBody>
+                    <a:bodyPr/>
+                    <a:lstStyle/>
+                    <a:p>
+                      <a:pPr algn="ctr"/>
+                      <a:endParaRPr kumimoji="1" lang="ja-JP" altLang="en-US" sz="1200" dirty="0"/>
+                    </a:p>
+                  </a:txBody>
+                  <a:tcPr anchor="ctr"/>
+                </a:tc>
+                <a:tc hMerge="1" vMerge="1">
+                  <a:txBody>
+                    <a:bodyPr/>
+                    <a:lstStyle/>
+                    <a:p>
+                      <a:pPr algn="ctr"/>
+                      <a:endParaRPr kumimoji="1" lang="ja-JP" altLang="en-US" sz="1200" dirty="0"/>
+                    </a:p>
+                  </a:txBody>
+                  <a:tcPr anchor="ctr"/>
+                </a:tc>
+                <a:tc hMerge="1" vMerge="1">
+                  <a:txBody>
+                    <a:bodyPr/>
+                    <a:lstStyle/>
+                    <a:p>
+                      <a:pPr algn="ctr"/>
+                      <a:endParaRPr kumimoji="1" lang="ja-JP" altLang="en-US" sz="1200" dirty="0"/>
+                    </a:p>
+                  </a:txBody>
+                  <a:tcPr anchor="ctr"/>
+                </a:tc>
+                <a:tc hMerge="1" vMerge="1">
+                  <a:txBody>
+                    <a:bodyPr/>
+                    <a:lstStyle/>
+                    <a:p>
+                      <a:pPr algn="ctr"/>
+                      <a:endParaRPr kumimoji="1" lang="ja-JP" altLang="en-US" sz="1200" dirty="0"/>
+                    </a:p>
+                  </a:txBody>
+                  <a:tcPr anchor="ctr"/>
+                </a:tc>
+                <a:tc hMerge="1" vMerge="1">
+                  <a:txBody>
+                    <a:bodyPr/>
+                    <a:lstStyle/>
+                    <a:p>
+                      <a:pPr algn="ctr"/>
+                      <a:endParaRPr kumimoji="1" lang="ja-JP" altLang="en-US" sz="1200" dirty="0"/>
+                    </a:p>
+                  </a:txBody>
+                  <a:tcPr anchor="ctr"/>
+                </a:tc>
+                <a:tc hMerge="1" vMerge="1">
+                  <a:txBody>
+                    <a:bodyPr/>
+                    <a:lstStyle/>
+                    <a:p>
+                      <a:pPr algn="ctr"/>
+                      <a:endParaRPr kumimoji="1" lang="ja-JP" altLang="en-US" sz="1200" dirty="0"/>
+                    </a:p>
+                  </a:txBody>
+                  <a:tcPr anchor="ctr"/>
+                </a:tc>
+                <a:tc hMerge="1" vMerge="1">
+                  <a:txBody>
+                    <a:bodyPr/>
+                    <a:lstStyle/>
+                    <a:p>
+                      <a:pPr algn="ctr"/>
+                      <a:endParaRPr kumimoji="1" lang="ja-JP" altLang="en-US" sz="1200" dirty="0"/>
+                    </a:p>
+                  </a:txBody>
+                  <a:tcPr anchor="ctr"/>
+                </a:tc>
+                <a:tc>
+                  <a:txBody>
+                    <a:bodyPr/>
+                    <a:lstStyle/>
+                    <a:p>
+                      <a:pPr algn="ctr"/>
+                      <a:endParaRPr kumimoji="1" lang="ja-JP" altLang="en-US" sz="1200" dirty="0"/>
+                    </a:p>
+                  </a:txBody>
+                  <a:tcPr anchor="ctr"/>
+                </a:tc>
+                <a:tc>
+                  <a:txBody>
+                    <a:bodyPr/>
+                    <a:lstStyle/>
+                    <a:p>
+                      <a:pPr algn="ctr"/>
+                      <a:endParaRPr kumimoji="1" lang="ja-JP" altLang="en-US" sz="1200" dirty="0"/>
+                    </a:p>
+                  </a:txBody>
+                  <a:tcPr anchor="ctr"/>
+                </a:tc>
+                <a:tc>
+                  <a:txBody>
+                    <a:bodyPr/>
+                    <a:lstStyle/>
+                    <a:p>
+                      <a:pPr algn="ctr"/>
+                      <a:endParaRPr kumimoji="1" lang="ja-JP" altLang="en-US" sz="1200" dirty="0"/>
+                    </a:p>
+                  </a:txBody>
+                  <a:tcPr anchor="ctr"/>
+                </a:tc>
+                <a:tc>
+                  <a:txBody>
+                    <a:bodyPr/>
+                    <a:lstStyle/>
+                    <a:p>
+                      <a:pPr algn="ctr"/>
+                      <a:endParaRPr kumimoji="1" lang="ja-JP" altLang="en-US" sz="1200"/>
+                    </a:p>
+                  </a:txBody>
+                  <a:tcPr anchor="ctr"/>
+                </a:tc>
+                <a:tc>
+                  <a:txBody>
+                    <a:bodyPr/>
+                    <a:lstStyle/>
+                    <a:p>
+                      <a:pPr algn="ctr"/>
+                      <a:endParaRPr kumimoji="1" lang="ja-JP" altLang="en-US" sz="1200"/>
+                    </a:p>
+                  </a:txBody>
+                  <a:tcPr anchor="ctr"/>
+                </a:tc>
+                <a:tc>
+                  <a:txBody>
+                    <a:bodyPr/>
+                    <a:lstStyle/>
+                    <a:p>
+                      <a:pPr algn="ctr"/>
+                      <a:endParaRPr kumimoji="1" lang="ja-JP" altLang="en-US" sz="1200" dirty="0"/>
+                    </a:p>
+                  </a:txBody>
+                  <a:tcPr anchor="ctr"/>
+                </a:tc>
+                <a:tc>
+                  <a:txBody>
+                    <a:bodyPr/>
+                    <a:lstStyle/>
+                    <a:p>
+                      <a:pPr algn="ctr"/>
+                      <a:endParaRPr kumimoji="1" lang="ja-JP" altLang="en-US" sz="1200"/>
+                    </a:p>
+                  </a:txBody>
+                  <a:tcPr anchor="ctr"/>
+                </a:tc>
+                <a:extLst>
+                  <a:ext uri="{0D108BD9-81ED-4DB2-BD59-A6C34878D82A}">
+                    <a16:rowId xmlns="" xmlns:a16="http://schemas.microsoft.com/office/drawing/2014/main" val="4019189925"/>
+                  </a:ext>
+                </a:extLst>
+              </a:tr>
+              <a:tr h="385580">
+                <a:tc rowSpan="2" gridSpan="11">
+                  <a:txBody>
+                    <a:bodyPr/>
+                    <a:lstStyle/>
+                    <a:p>
+                      <a:pPr algn="ctr"/>
+                      <a:r>
+                        <a:rPr kumimoji="1" lang="en-US" sz="1400" b="1" i="0" u="none" strike="noStrike" kern="1200" baseline="0" dirty="0" smtClean="0">
+                          <a:solidFill>
+                            <a:schemeClr val="dk1"/>
+                          </a:solidFill>
+                          <a:latin typeface="+mn-lt"/>
+                          <a:ea typeface="+mn-ea"/>
+                          <a:cs typeface="+mn-cs"/>
+                        </a:rPr>
+                        <a:t>Conduct tests and round up the results </a:t>
+                      </a:r>
+                      <a:r>
+                        <a:rPr kumimoji="1" lang="en-US" sz="1800" b="1" i="0" u="none" strike="noStrike" kern="1200" baseline="0" dirty="0" smtClean="0">
+                          <a:solidFill>
+                            <a:schemeClr val="dk1"/>
+                          </a:solidFill>
+                          <a:latin typeface="+mn-lt"/>
+                          <a:ea typeface="+mn-ea"/>
+                          <a:cs typeface="+mn-cs"/>
+                        </a:rPr>
+                        <a:t/>
+                      </a:r>
+                      <a:br>
+                        <a:rPr kumimoji="1" lang="en-US" sz="1800" b="1" i="0" u="none" strike="noStrike" kern="1200" baseline="0" dirty="0" smtClean="0">
+                          <a:solidFill>
+                            <a:schemeClr val="dk1"/>
+                          </a:solidFill>
+                          <a:latin typeface="+mn-lt"/>
+                          <a:ea typeface="+mn-ea"/>
+                          <a:cs typeface="+mn-cs"/>
+                        </a:rPr>
+                      </a:br>
+                      <a:r>
+                        <a:rPr lang="en-US" sz="1200" b="0" i="0" u="none" strike="noStrike" baseline="0" dirty="0" smtClean="0">
+                          <a:solidFill>
+                            <a:srgbClr val="000000"/>
+                          </a:solidFill>
+                          <a:latin typeface="Arial" panose="020B0604020202020204" pitchFamily="34" charset="0"/>
+                        </a:rPr>
+                        <a:t>Run system evaluation pipelines, measure detail performance and make report </a:t>
+                      </a:r>
+                      <a:endParaRPr kumimoji="1" lang="ja-JP" altLang="en-US" sz="1200" dirty="0"/>
+                    </a:p>
+                  </a:txBody>
+                  <a:tcPr anchor="ctr"/>
+                </a:tc>
+                <a:tc rowSpan="2" hMerge="1">
+                  <a:txBody>
+                    <a:bodyPr/>
+                    <a:lstStyle/>
+                    <a:p>
+                      <a:pPr algn="ctr"/>
+                      <a:endParaRPr kumimoji="1" lang="ja-JP" altLang="en-US" sz="1200" dirty="0"/>
+                    </a:p>
+                  </a:txBody>
+                  <a:tcPr anchor="ctr"/>
+                </a:tc>
+                <a:tc rowSpan="2" hMerge="1">
+                  <a:txBody>
+                    <a:bodyPr/>
+                    <a:lstStyle/>
+                    <a:p>
+                      <a:pPr algn="ctr"/>
+                      <a:endParaRPr kumimoji="1" lang="ja-JP" altLang="en-US" sz="1200"/>
+                    </a:p>
+                  </a:txBody>
+                  <a:tcPr anchor="ctr"/>
+                </a:tc>
+                <a:tc rowSpan="2" hMerge="1">
+                  <a:txBody>
+                    <a:bodyPr/>
+                    <a:lstStyle/>
+                    <a:p>
+                      <a:pPr algn="ctr"/>
+                      <a:endParaRPr kumimoji="1" lang="ja-JP" altLang="en-US" sz="1200" dirty="0"/>
+                    </a:p>
+                  </a:txBody>
+                  <a:tcPr anchor="ctr"/>
+                </a:tc>
+                <a:tc rowSpan="2" hMerge="1">
+                  <a:txBody>
+                    <a:bodyPr/>
+                    <a:lstStyle/>
+                    <a:p>
+                      <a:pPr algn="ctr"/>
+                      <a:endParaRPr kumimoji="1" lang="ja-JP" altLang="en-US" sz="1200" dirty="0"/>
+                    </a:p>
+                  </a:txBody>
+                  <a:tcPr anchor="ctr"/>
+                </a:tc>
+                <a:tc rowSpan="2" hMerge="1">
+                  <a:txBody>
+                    <a:bodyPr/>
+                    <a:lstStyle/>
+                    <a:p>
+                      <a:pPr algn="ctr"/>
+                      <a:endParaRPr kumimoji="1" lang="ja-JP" altLang="en-US" sz="1200" dirty="0"/>
+                    </a:p>
+                  </a:txBody>
+                  <a:tcPr anchor="ctr"/>
+                </a:tc>
+                <a:tc rowSpan="2" hMerge="1">
+                  <a:txBody>
+                    <a:bodyPr/>
+                    <a:lstStyle/>
+                    <a:p>
+                      <a:pPr algn="ctr"/>
+                      <a:endParaRPr kumimoji="1" lang="ja-JP" altLang="en-US" sz="1200" dirty="0"/>
+                    </a:p>
+                  </a:txBody>
+                  <a:tcPr anchor="ctr"/>
+                </a:tc>
+                <a:tc rowSpan="2" hMerge="1">
+                  <a:txBody>
+                    <a:bodyPr/>
+                    <a:lstStyle/>
+                    <a:p>
+                      <a:pPr algn="ctr"/>
+                      <a:endParaRPr kumimoji="1" lang="ja-JP" altLang="en-US" sz="1200"/>
+                    </a:p>
+                  </a:txBody>
+                  <a:tcPr anchor="ctr"/>
+                </a:tc>
+                <a:tc rowSpan="2" hMerge="1">
+                  <a:txBody>
+                    <a:bodyPr/>
+                    <a:lstStyle/>
+                    <a:p>
+                      <a:pPr algn="ctr"/>
+                      <a:endParaRPr kumimoji="1" lang="ja-JP" altLang="en-US" sz="1200" dirty="0"/>
+                    </a:p>
+                  </a:txBody>
+                  <a:tcPr anchor="ctr"/>
+                </a:tc>
+                <a:tc rowSpan="2" hMerge="1">
+                  <a:txBody>
+                    <a:bodyPr/>
+                    <a:lstStyle/>
+                    <a:p>
+                      <a:pPr algn="ctr"/>
+                      <a:endParaRPr kumimoji="1" lang="ja-JP" altLang="en-US" sz="1200" dirty="0"/>
+                    </a:p>
+                  </a:txBody>
+                  <a:tcPr anchor="ctr"/>
+                </a:tc>
+                <a:tc rowSpan="2" hMerge="1">
+                  <a:txBody>
+                    <a:bodyPr/>
+                    <a:lstStyle/>
+                    <a:p>
+                      <a:pPr algn="ctr"/>
+                      <a:endParaRPr kumimoji="1" lang="ja-JP" altLang="en-US" sz="1200" dirty="0"/>
+                    </a:p>
+                  </a:txBody>
+                  <a:tcPr anchor="ctr"/>
+                </a:tc>
+                <a:tc>
+                  <a:txBody>
+                    <a:bodyPr/>
+                    <a:lstStyle/>
+                    <a:p>
+                      <a:pPr algn="ctr"/>
+                      <a:endParaRPr kumimoji="1" lang="ja-JP" altLang="en-US" sz="1200" dirty="0"/>
+                    </a:p>
+                  </a:txBody>
+                  <a:tcPr anchor="ctr"/>
+                </a:tc>
+                <a:tc>
+                  <a:txBody>
+                    <a:bodyPr/>
+                    <a:lstStyle/>
+                    <a:p>
+                      <a:pPr algn="ctr"/>
+                      <a:endParaRPr kumimoji="1" lang="ja-JP" altLang="en-US" sz="1200" dirty="0"/>
+                    </a:p>
+                  </a:txBody>
+                  <a:tcPr anchor="ctr"/>
+                </a:tc>
+                <a:tc>
+                  <a:txBody>
+                    <a:bodyPr/>
+                    <a:lstStyle/>
+                    <a:p>
+                      <a:pPr algn="ctr"/>
+                      <a:endParaRPr kumimoji="1" lang="ja-JP" altLang="en-US" sz="1200" dirty="0"/>
+                    </a:p>
+                  </a:txBody>
+                  <a:tcPr anchor="ctr"/>
+                </a:tc>
+                <a:tc>
+                  <a:txBody>
+                    <a:bodyPr/>
+                    <a:lstStyle/>
+                    <a:p>
+                      <a:pPr algn="ctr"/>
+                      <a:endParaRPr kumimoji="1" lang="ja-JP" altLang="en-US" sz="1200"/>
+                    </a:p>
+                  </a:txBody>
+                  <a:tcPr anchor="ctr"/>
+                </a:tc>
+                <a:tc>
+                  <a:txBody>
+                    <a:bodyPr/>
+                    <a:lstStyle/>
+                    <a:p>
+                      <a:pPr algn="ctr"/>
+                      <a:endParaRPr kumimoji="1" lang="ja-JP" altLang="en-US" sz="1200"/>
+                    </a:p>
+                  </a:txBody>
+                  <a:tcPr anchor="ctr"/>
+                </a:tc>
+                <a:tc>
+                  <a:txBody>
+                    <a:bodyPr/>
+                    <a:lstStyle/>
+                    <a:p>
+                      <a:pPr algn="ctr"/>
+                      <a:endParaRPr kumimoji="1" lang="ja-JP" altLang="en-US" sz="1200"/>
+                    </a:p>
+                  </a:txBody>
+                  <a:tcPr anchor="ctr"/>
+                </a:tc>
+                <a:extLst>
+                  <a:ext uri="{0D108BD9-81ED-4DB2-BD59-A6C34878D82A}">
+                    <a16:rowId xmlns="" xmlns:a16="http://schemas.microsoft.com/office/drawing/2014/main" val="266981976"/>
+                  </a:ext>
+                </a:extLst>
+              </a:tr>
+              <a:tr h="385580">
+                <a:tc gridSpan="11" vMerge="1">
+                  <a:txBody>
+                    <a:bodyPr/>
+                    <a:lstStyle/>
+                    <a:p>
+                      <a:pPr algn="ctr"/>
+                      <a:endParaRPr kumimoji="1" lang="ja-JP" altLang="en-US" sz="1200" dirty="0"/>
+                    </a:p>
+                  </a:txBody>
+                  <a:tcPr anchor="ctr"/>
+                </a:tc>
+                <a:tc hMerge="1" vMerge="1">
+                  <a:txBody>
+                    <a:bodyPr/>
+                    <a:lstStyle/>
+                    <a:p>
+                      <a:pPr algn="ctr"/>
+                      <a:endParaRPr kumimoji="1" lang="ja-JP" altLang="en-US" sz="1200" dirty="0"/>
+                    </a:p>
+                  </a:txBody>
+                  <a:tcPr anchor="ctr"/>
+                </a:tc>
+                <a:tc hMerge="1" vMerge="1">
+                  <a:txBody>
+                    <a:bodyPr/>
+                    <a:lstStyle/>
+                    <a:p>
+                      <a:pPr algn="ctr"/>
+                      <a:endParaRPr kumimoji="1" lang="ja-JP" altLang="en-US" sz="1200" dirty="0"/>
+                    </a:p>
+                  </a:txBody>
+                  <a:tcPr anchor="ctr"/>
+                </a:tc>
+                <a:tc hMerge="1" vMerge="1">
+                  <a:txBody>
+                    <a:bodyPr/>
+                    <a:lstStyle/>
+                    <a:p>
+                      <a:pPr algn="ctr"/>
+                      <a:endParaRPr kumimoji="1" lang="ja-JP" altLang="en-US" sz="1200" dirty="0"/>
+                    </a:p>
+                  </a:txBody>
+                  <a:tcPr anchor="ctr"/>
+                </a:tc>
+                <a:tc hMerge="1" vMerge="1">
+                  <a:txBody>
+                    <a:bodyPr/>
+                    <a:lstStyle/>
+                    <a:p>
+                      <a:pPr algn="ctr"/>
+                      <a:endParaRPr kumimoji="1" lang="ja-JP" altLang="en-US" sz="1200" dirty="0"/>
+                    </a:p>
+                  </a:txBody>
+                  <a:tcPr anchor="ctr"/>
+                </a:tc>
+                <a:tc hMerge="1" vMerge="1">
+                  <a:txBody>
+                    <a:bodyPr/>
+                    <a:lstStyle/>
+                    <a:p>
+                      <a:pPr algn="ctr"/>
+                      <a:endParaRPr kumimoji="1" lang="ja-JP" altLang="en-US" sz="1200" dirty="0"/>
+                    </a:p>
+                  </a:txBody>
+                  <a:tcPr anchor="ctr"/>
+                </a:tc>
+                <a:tc hMerge="1" vMerge="1">
+                  <a:txBody>
+                    <a:bodyPr/>
+                    <a:lstStyle/>
+                    <a:p>
+                      <a:pPr algn="ctr"/>
+                      <a:endParaRPr kumimoji="1" lang="ja-JP" altLang="en-US" sz="1200" dirty="0"/>
+                    </a:p>
+                  </a:txBody>
+                  <a:tcPr anchor="ctr"/>
+                </a:tc>
+                <a:tc hMerge="1" vMerge="1">
+                  <a:txBody>
+                    <a:bodyPr/>
+                    <a:lstStyle/>
+                    <a:p>
+                      <a:pPr algn="ctr"/>
+                      <a:endParaRPr kumimoji="1" lang="ja-JP" altLang="en-US" sz="1200" dirty="0"/>
+                    </a:p>
+                  </a:txBody>
+                  <a:tcPr anchor="ctr"/>
+                </a:tc>
+                <a:tc hMerge="1" vMerge="1">
+                  <a:txBody>
+                    <a:bodyPr/>
+                    <a:lstStyle/>
+                    <a:p>
+                      <a:pPr algn="ctr"/>
+                      <a:endParaRPr kumimoji="1" lang="ja-JP" altLang="en-US" sz="1200" dirty="0"/>
+                    </a:p>
+                  </a:txBody>
+                  <a:tcPr anchor="ctr"/>
+                </a:tc>
+                <a:tc hMerge="1" vMerge="1">
+                  <a:txBody>
+                    <a:bodyPr/>
+                    <a:lstStyle/>
+                    <a:p>
+                      <a:pPr algn="ctr"/>
+                      <a:endParaRPr kumimoji="1" lang="ja-JP" altLang="en-US" sz="1200" dirty="0"/>
+                    </a:p>
+                  </a:txBody>
+                  <a:tcPr anchor="ctr"/>
+                </a:tc>
+                <a:tc hMerge="1" vMerge="1">
+                  <a:txBody>
+                    <a:bodyPr/>
+                    <a:lstStyle/>
+                    <a:p>
+                      <a:pPr algn="ctr"/>
+                      <a:endParaRPr kumimoji="1" lang="ja-JP" altLang="en-US" sz="1200" dirty="0"/>
+                    </a:p>
+                  </a:txBody>
+                  <a:tcPr anchor="ctr"/>
+                </a:tc>
+                <a:tc>
+                  <a:txBody>
+                    <a:bodyPr/>
+                    <a:lstStyle/>
+                    <a:p>
+                      <a:pPr algn="ctr"/>
+                      <a:endParaRPr kumimoji="1" lang="ja-JP" altLang="en-US" sz="1200" dirty="0"/>
+                    </a:p>
+                  </a:txBody>
+                  <a:tcPr anchor="ctr"/>
+                </a:tc>
+                <a:tc>
+                  <a:txBody>
+                    <a:bodyPr/>
+                    <a:lstStyle/>
+                    <a:p>
+                      <a:pPr algn="ctr"/>
+                      <a:endParaRPr kumimoji="1" lang="ja-JP" altLang="en-US" sz="1200" dirty="0"/>
+                    </a:p>
+                  </a:txBody>
+                  <a:tcPr anchor="ctr"/>
+                </a:tc>
+                <a:tc>
+                  <a:txBody>
+                    <a:bodyPr/>
+                    <a:lstStyle/>
+                    <a:p>
+                      <a:pPr algn="ctr"/>
+                      <a:endParaRPr kumimoji="1" lang="ja-JP" altLang="en-US" sz="1200" dirty="0"/>
+                    </a:p>
+                  </a:txBody>
+                  <a:tcPr anchor="ctr"/>
+                </a:tc>
+                <a:tc>
+                  <a:txBody>
+                    <a:bodyPr/>
+                    <a:lstStyle/>
+                    <a:p>
+                      <a:pPr algn="ctr"/>
+                      <a:endParaRPr kumimoji="1" lang="ja-JP" altLang="en-US" sz="1200" dirty="0"/>
+                    </a:p>
+                  </a:txBody>
+                  <a:tcPr anchor="ctr"/>
+                </a:tc>
+                <a:tc>
+                  <a:txBody>
+                    <a:bodyPr/>
+                    <a:lstStyle/>
+                    <a:p>
+                      <a:pPr algn="ctr"/>
+                      <a:endParaRPr kumimoji="1" lang="ja-JP" altLang="en-US" sz="1200" dirty="0"/>
+                    </a:p>
+                  </a:txBody>
+                  <a:tcPr anchor="ctr"/>
+                </a:tc>
+                <a:tc>
+                  <a:txBody>
+                    <a:bodyPr/>
+                    <a:lstStyle/>
+                    <a:p>
+                      <a:pPr algn="ctr"/>
+                      <a:endParaRPr kumimoji="1" lang="ja-JP" altLang="en-US" sz="1200" dirty="0"/>
+                    </a:p>
+                  </a:txBody>
+                  <a:tcPr anchor="ctr"/>
+                </a:tc>
+                <a:extLst>
+                  <a:ext uri="{0D108BD9-81ED-4DB2-BD59-A6C34878D82A}">
+                    <a16:rowId xmlns="" xmlns:a16="http://schemas.microsoft.com/office/drawing/2014/main" val="2582896670"/>
+                  </a:ext>
+                </a:extLst>
+              </a:tr>
+              <a:tr h="385580">
+                <a:tc rowSpan="2" gridSpan="16">
+                  <a:txBody>
+                    <a:bodyPr/>
+                    <a:lstStyle/>
+                    <a:p>
+                      <a:pPr algn="ctr"/>
+                      <a:r>
+                        <a:rPr kumimoji="1" lang="en-US" sz="1800" b="1" i="0" u="none" strike="noStrike" kern="1200" baseline="0" dirty="0" smtClean="0">
+                          <a:solidFill>
+                            <a:schemeClr val="dk1"/>
+                          </a:solidFill>
+                          <a:latin typeface="+mn-lt"/>
+                          <a:ea typeface="+mn-ea"/>
+                          <a:cs typeface="+mn-cs"/>
+                        </a:rPr>
+                        <a:t>Failure analysis </a:t>
+                      </a:r>
+                      <a:br>
+                        <a:rPr kumimoji="1" lang="en-US" sz="1800" b="1" i="0" u="none" strike="noStrike" kern="1200" baseline="0" dirty="0" smtClean="0">
+                          <a:solidFill>
+                            <a:schemeClr val="dk1"/>
+                          </a:solidFill>
+                          <a:latin typeface="+mn-lt"/>
+                          <a:ea typeface="+mn-ea"/>
+                          <a:cs typeface="+mn-cs"/>
+                        </a:rPr>
+                      </a:br>
+                      <a:r>
+                        <a:rPr lang="en-US" sz="1200" b="0" i="0" u="none" strike="noStrike" baseline="0" dirty="0" smtClean="0">
+                          <a:solidFill>
+                            <a:srgbClr val="000000"/>
+                          </a:solidFill>
+                          <a:latin typeface="Arial" panose="020B0604020202020204" pitchFamily="34" charset="0"/>
+                        </a:rPr>
+                        <a:t>Inspect/analyze/fix all issues/failures while executing system evaluation Test Cases </a:t>
+                      </a:r>
+                      <a:endParaRPr kumimoji="1" lang="ja-JP" altLang="en-US" sz="1200" dirty="0"/>
+                    </a:p>
+                  </a:txBody>
+                  <a:tcPr anchor="ctr"/>
+                </a:tc>
+                <a:tc rowSpan="2" hMerge="1">
+                  <a:txBody>
+                    <a:bodyPr/>
+                    <a:lstStyle/>
+                    <a:p>
+                      <a:pPr algn="ctr"/>
+                      <a:endParaRPr kumimoji="1" lang="ja-JP" altLang="en-US" sz="1200"/>
+                    </a:p>
+                  </a:txBody>
+                  <a:tcPr anchor="ctr"/>
+                </a:tc>
+                <a:tc rowSpan="2" hMerge="1">
+                  <a:txBody>
+                    <a:bodyPr/>
+                    <a:lstStyle/>
+                    <a:p>
+                      <a:pPr algn="ctr"/>
+                      <a:endParaRPr kumimoji="1" lang="ja-JP" altLang="en-US" sz="1200"/>
+                    </a:p>
+                  </a:txBody>
+                  <a:tcPr anchor="ctr"/>
+                </a:tc>
+                <a:tc rowSpan="2" hMerge="1">
+                  <a:txBody>
+                    <a:bodyPr/>
+                    <a:lstStyle/>
+                    <a:p>
+                      <a:pPr algn="ctr"/>
+                      <a:endParaRPr kumimoji="1" lang="ja-JP" altLang="en-US" sz="1200"/>
+                    </a:p>
+                  </a:txBody>
+                  <a:tcPr anchor="ctr"/>
+                </a:tc>
+                <a:tc rowSpan="2" hMerge="1">
+                  <a:txBody>
+                    <a:bodyPr/>
+                    <a:lstStyle/>
+                    <a:p>
+                      <a:pPr algn="ctr"/>
+                      <a:endParaRPr kumimoji="1" lang="ja-JP" altLang="en-US" sz="1200"/>
+                    </a:p>
+                  </a:txBody>
+                  <a:tcPr anchor="ctr"/>
+                </a:tc>
+                <a:tc rowSpan="2" hMerge="1">
+                  <a:txBody>
+                    <a:bodyPr/>
+                    <a:lstStyle/>
+                    <a:p>
+                      <a:pPr algn="ctr"/>
+                      <a:endParaRPr kumimoji="1" lang="ja-JP" altLang="en-US" sz="1200" dirty="0"/>
+                    </a:p>
+                  </a:txBody>
+                  <a:tcPr anchor="ctr"/>
+                </a:tc>
+                <a:tc rowSpan="2" hMerge="1">
+                  <a:txBody>
+                    <a:bodyPr/>
+                    <a:lstStyle/>
+                    <a:p>
+                      <a:pPr algn="ctr"/>
+                      <a:endParaRPr kumimoji="1" lang="ja-JP" altLang="en-US" sz="1200" dirty="0"/>
+                    </a:p>
+                  </a:txBody>
+                  <a:tcPr anchor="ctr"/>
+                </a:tc>
+                <a:tc rowSpan="2" hMerge="1">
+                  <a:txBody>
+                    <a:bodyPr/>
+                    <a:lstStyle/>
+                    <a:p>
+                      <a:pPr algn="ctr"/>
+                      <a:endParaRPr kumimoji="1" lang="ja-JP" altLang="en-US" sz="1200" dirty="0"/>
+                    </a:p>
+                  </a:txBody>
+                  <a:tcPr anchor="ctr"/>
+                </a:tc>
+                <a:tc rowSpan="2" hMerge="1">
+                  <a:txBody>
+                    <a:bodyPr/>
+                    <a:lstStyle/>
+                    <a:p>
+                      <a:pPr algn="ctr"/>
+                      <a:endParaRPr kumimoji="1" lang="ja-JP" altLang="en-US" sz="1200" dirty="0"/>
+                    </a:p>
+                  </a:txBody>
+                  <a:tcPr anchor="ctr"/>
+                </a:tc>
+                <a:tc rowSpan="2" hMerge="1">
+                  <a:txBody>
+                    <a:bodyPr/>
+                    <a:lstStyle/>
+                    <a:p>
+                      <a:pPr algn="ctr"/>
+                      <a:endParaRPr kumimoji="1" lang="ja-JP" altLang="en-US" sz="1200" dirty="0"/>
+                    </a:p>
+                  </a:txBody>
+                  <a:tcPr anchor="ctr"/>
+                </a:tc>
+                <a:tc rowSpan="2" hMerge="1">
+                  <a:txBody>
+                    <a:bodyPr/>
+                    <a:lstStyle/>
+                    <a:p>
+                      <a:pPr algn="ctr"/>
+                      <a:endParaRPr kumimoji="1" lang="ja-JP" altLang="en-US" sz="1200" dirty="0"/>
+                    </a:p>
+                  </a:txBody>
+                  <a:tcPr anchor="ctr"/>
+                </a:tc>
+                <a:tc rowSpan="2" hMerge="1">
+                  <a:txBody>
+                    <a:bodyPr/>
+                    <a:lstStyle/>
+                    <a:p>
+                      <a:pPr algn="ctr"/>
+                      <a:endParaRPr kumimoji="1" lang="ja-JP" altLang="en-US" sz="1200" dirty="0"/>
+                    </a:p>
+                  </a:txBody>
+                  <a:tcPr anchor="ctr"/>
+                </a:tc>
+                <a:tc rowSpan="2" hMerge="1">
+                  <a:txBody>
+                    <a:bodyPr/>
+                    <a:lstStyle/>
+                    <a:p>
+                      <a:pPr algn="ctr"/>
+                      <a:endParaRPr kumimoji="1" lang="ja-JP" altLang="en-US" sz="1200"/>
+                    </a:p>
+                  </a:txBody>
+                  <a:tcPr anchor="ctr"/>
+                </a:tc>
+                <a:tc rowSpan="2" hMerge="1">
+                  <a:txBody>
+                    <a:bodyPr/>
+                    <a:lstStyle/>
+                    <a:p>
+                      <a:pPr algn="ctr"/>
+                      <a:endParaRPr kumimoji="1" lang="ja-JP" altLang="en-US" sz="1200" dirty="0"/>
+                    </a:p>
+                  </a:txBody>
+                  <a:tcPr anchor="ctr"/>
+                </a:tc>
+                <a:tc rowSpan="2" hMerge="1">
+                  <a:txBody>
+                    <a:bodyPr/>
+                    <a:lstStyle/>
+                    <a:p>
+                      <a:pPr algn="ctr"/>
+                      <a:endParaRPr kumimoji="1" lang="ja-JP" altLang="en-US" sz="1200" dirty="0"/>
+                    </a:p>
+                  </a:txBody>
+                  <a:tcPr anchor="ctr"/>
+                </a:tc>
+                <a:tc rowSpan="2" hMerge="1">
+                  <a:txBody>
+                    <a:bodyPr/>
+                    <a:lstStyle/>
+                    <a:p>
+                      <a:pPr algn="ctr"/>
+                      <a:endParaRPr kumimoji="1" lang="ja-JP" altLang="en-US" sz="1200" dirty="0"/>
+                    </a:p>
+                  </a:txBody>
+                  <a:tcPr anchor="ctr"/>
+                </a:tc>
+                <a:tc>
+                  <a:txBody>
+                    <a:bodyPr/>
+                    <a:lstStyle/>
+                    <a:p>
+                      <a:pPr algn="ctr"/>
+                      <a:endParaRPr kumimoji="1" lang="ja-JP" altLang="en-US" sz="1200" dirty="0"/>
+                    </a:p>
+                  </a:txBody>
+                  <a:tcPr anchor="ctr"/>
+                </a:tc>
+                <a:extLst>
+                  <a:ext uri="{0D108BD9-81ED-4DB2-BD59-A6C34878D82A}">
+                    <a16:rowId xmlns="" xmlns:a16="http://schemas.microsoft.com/office/drawing/2014/main" val="1657003139"/>
+                  </a:ext>
+                </a:extLst>
+              </a:tr>
+              <a:tr h="385580">
+                <a:tc gridSpan="16" vMerge="1">
+                  <a:txBody>
+                    <a:bodyPr/>
+                    <a:lstStyle/>
+                    <a:p>
+                      <a:pPr algn="ctr"/>
+                      <a:endParaRPr kumimoji="1" lang="ja-JP" altLang="en-US" sz="1200" dirty="0"/>
+                    </a:p>
+                  </a:txBody>
+                  <a:tcPr anchor="ctr"/>
+                </a:tc>
+                <a:tc hMerge="1" vMerge="1">
+                  <a:txBody>
+                    <a:bodyPr/>
+                    <a:lstStyle/>
+                    <a:p>
+                      <a:pPr algn="ctr"/>
+                      <a:endParaRPr kumimoji="1" lang="ja-JP" altLang="en-US" sz="1200"/>
+                    </a:p>
+                  </a:txBody>
+                  <a:tcPr anchor="ctr"/>
+                </a:tc>
+                <a:tc hMerge="1" vMerge="1">
+                  <a:txBody>
+                    <a:bodyPr/>
+                    <a:lstStyle/>
+                    <a:p>
+                      <a:pPr algn="ctr"/>
+                      <a:endParaRPr kumimoji="1" lang="ja-JP" altLang="en-US" sz="1200" dirty="0"/>
+                    </a:p>
+                  </a:txBody>
+                  <a:tcPr anchor="ctr"/>
+                </a:tc>
+                <a:tc hMerge="1" vMerge="1">
+                  <a:txBody>
+                    <a:bodyPr/>
+                    <a:lstStyle/>
+                    <a:p>
+                      <a:pPr algn="ctr"/>
+                      <a:endParaRPr kumimoji="1" lang="ja-JP" altLang="en-US" sz="1200" dirty="0"/>
+                    </a:p>
+                  </a:txBody>
+                  <a:tcPr anchor="ctr"/>
+                </a:tc>
+                <a:tc hMerge="1" vMerge="1">
+                  <a:txBody>
+                    <a:bodyPr/>
+                    <a:lstStyle/>
+                    <a:p>
+                      <a:pPr algn="ctr"/>
+                      <a:endParaRPr kumimoji="1" lang="ja-JP" altLang="en-US" sz="1200"/>
+                    </a:p>
+                  </a:txBody>
+                  <a:tcPr anchor="ctr"/>
+                </a:tc>
+                <a:tc hMerge="1" vMerge="1">
+                  <a:txBody>
+                    <a:bodyPr/>
+                    <a:lstStyle/>
+                    <a:p>
+                      <a:pPr algn="ctr"/>
+                      <a:endParaRPr kumimoji="1" lang="ja-JP" altLang="en-US" sz="1200" dirty="0"/>
+                    </a:p>
+                  </a:txBody>
+                  <a:tcPr anchor="ctr"/>
+                </a:tc>
+                <a:tc hMerge="1" vMerge="1">
+                  <a:txBody>
+                    <a:bodyPr/>
+                    <a:lstStyle/>
+                    <a:p>
+                      <a:pPr algn="ctr"/>
+                      <a:endParaRPr kumimoji="1" lang="ja-JP" altLang="en-US" sz="1200" dirty="0"/>
+                    </a:p>
+                  </a:txBody>
+                  <a:tcPr anchor="ctr"/>
+                </a:tc>
+                <a:tc hMerge="1" vMerge="1">
+                  <a:txBody>
+                    <a:bodyPr/>
+                    <a:lstStyle/>
+                    <a:p>
+                      <a:pPr algn="ctr"/>
+                      <a:endParaRPr kumimoji="1" lang="ja-JP" altLang="en-US" sz="1200"/>
+                    </a:p>
+                  </a:txBody>
+                  <a:tcPr anchor="ctr"/>
+                </a:tc>
+                <a:tc hMerge="1" vMerge="1">
+                  <a:txBody>
+                    <a:bodyPr/>
+                    <a:lstStyle/>
+                    <a:p>
+                      <a:pPr algn="ctr"/>
+                      <a:endParaRPr kumimoji="1" lang="ja-JP" altLang="en-US" sz="1200"/>
+                    </a:p>
+                  </a:txBody>
+                  <a:tcPr anchor="ctr"/>
+                </a:tc>
+                <a:tc hMerge="1" vMerge="1">
+                  <a:txBody>
+                    <a:bodyPr/>
+                    <a:lstStyle/>
+                    <a:p>
+                      <a:pPr algn="ctr"/>
+                      <a:endParaRPr kumimoji="1" lang="ja-JP" altLang="en-US" sz="1200" dirty="0"/>
+                    </a:p>
+                  </a:txBody>
+                  <a:tcPr anchor="ctr"/>
+                </a:tc>
+                <a:tc hMerge="1" vMerge="1">
+                  <a:txBody>
+                    <a:bodyPr/>
+                    <a:lstStyle/>
+                    <a:p>
+                      <a:pPr algn="ctr"/>
+                      <a:endParaRPr kumimoji="1" lang="ja-JP" altLang="en-US" sz="1200"/>
+                    </a:p>
+                  </a:txBody>
+                  <a:tcPr anchor="ctr"/>
+                </a:tc>
+                <a:tc hMerge="1" vMerge="1">
+                  <a:txBody>
+                    <a:bodyPr/>
+                    <a:lstStyle/>
+                    <a:p>
+                      <a:pPr algn="ctr"/>
+                      <a:endParaRPr kumimoji="1" lang="ja-JP" altLang="en-US" sz="1200" dirty="0"/>
+                    </a:p>
+                  </a:txBody>
+                  <a:tcPr anchor="ctr"/>
+                </a:tc>
+                <a:tc hMerge="1" vMerge="1">
+                  <a:txBody>
+                    <a:bodyPr/>
+                    <a:lstStyle/>
+                    <a:p>
+                      <a:pPr algn="ctr"/>
+                      <a:endParaRPr kumimoji="1" lang="ja-JP" altLang="en-US" sz="1200" dirty="0"/>
+                    </a:p>
+                  </a:txBody>
+                  <a:tcPr anchor="ctr"/>
+                </a:tc>
+                <a:tc hMerge="1" vMerge="1">
+                  <a:txBody>
+                    <a:bodyPr/>
+                    <a:lstStyle/>
+                    <a:p>
+                      <a:pPr algn="ctr"/>
+                      <a:endParaRPr kumimoji="1" lang="ja-JP" altLang="en-US" sz="1200" dirty="0"/>
+                    </a:p>
+                  </a:txBody>
+                  <a:tcPr anchor="ctr"/>
+                </a:tc>
+                <a:tc hMerge="1" vMerge="1">
+                  <a:txBody>
+                    <a:bodyPr/>
+                    <a:lstStyle/>
+                    <a:p>
+                      <a:pPr algn="ctr"/>
+                      <a:endParaRPr kumimoji="1" lang="ja-JP" altLang="en-US" sz="1200" dirty="0"/>
+                    </a:p>
+                  </a:txBody>
+                  <a:tcPr anchor="ctr"/>
+                </a:tc>
+                <a:tc hMerge="1" vMerge="1">
+                  <a:txBody>
+                    <a:bodyPr/>
+                    <a:lstStyle/>
+                    <a:p>
+                      <a:pPr algn="ctr"/>
+                      <a:endParaRPr kumimoji="1" lang="ja-JP" altLang="en-US" sz="1200" dirty="0"/>
+                    </a:p>
+                  </a:txBody>
+                  <a:tcPr anchor="ctr"/>
+                </a:tc>
+                <a:tc>
+                  <a:txBody>
+                    <a:bodyPr/>
+                    <a:lstStyle/>
+                    <a:p>
+                      <a:pPr algn="ctr"/>
+                      <a:endParaRPr kumimoji="1" lang="ja-JP" altLang="en-US" sz="1200" dirty="0"/>
+                    </a:p>
+                  </a:txBody>
+                  <a:tcPr anchor="ctr"/>
+                </a:tc>
+                <a:extLst>
+                  <a:ext uri="{0D108BD9-81ED-4DB2-BD59-A6C34878D82A}">
+                    <a16:rowId xmlns="" xmlns:a16="http://schemas.microsoft.com/office/drawing/2014/main" val="4142667900"/>
+                  </a:ext>
+                </a:extLst>
+              </a:tr>
+              <a:tr h="385580">
+                <a:tc>
+                  <a:txBody>
+                    <a:bodyPr/>
+                    <a:lstStyle/>
+                    <a:p>
+                      <a:pPr algn="ctr"/>
+                      <a:endParaRPr kumimoji="1" lang="ja-JP" altLang="en-US" sz="1200" dirty="0"/>
+                    </a:p>
+                  </a:txBody>
+                  <a:tcPr anchor="ctr"/>
+                </a:tc>
+                <a:tc>
+                  <a:txBody>
+                    <a:bodyPr/>
+                    <a:lstStyle/>
+                    <a:p>
+                      <a:pPr algn="ctr"/>
+                      <a:endParaRPr kumimoji="1" lang="ja-JP" altLang="en-US" sz="1200" dirty="0"/>
+                    </a:p>
+                  </a:txBody>
+                  <a:tcPr anchor="ctr"/>
+                </a:tc>
+                <a:tc rowSpan="2" gridSpan="12">
+                  <a:txBody>
+                    <a:bodyPr/>
+                    <a:lstStyle/>
+                    <a:p>
+                      <a:pPr algn="ctr"/>
+                      <a:r>
+                        <a:rPr kumimoji="1" lang="en-US" sz="1800" b="1" i="0" u="none" strike="noStrike" kern="1200" baseline="0" dirty="0" smtClean="0">
+                          <a:solidFill>
+                            <a:schemeClr val="dk1"/>
+                          </a:solidFill>
+                          <a:latin typeface="+mn-lt"/>
+                          <a:ea typeface="+mn-ea"/>
+                          <a:cs typeface="+mn-cs"/>
+                        </a:rPr>
+                        <a:t>Test environment construction </a:t>
+                      </a:r>
+                      <a:br>
+                        <a:rPr kumimoji="1" lang="en-US" sz="1800" b="1" i="0" u="none" strike="noStrike" kern="1200" baseline="0" dirty="0" smtClean="0">
+                          <a:solidFill>
+                            <a:schemeClr val="dk1"/>
+                          </a:solidFill>
+                          <a:latin typeface="+mn-lt"/>
+                          <a:ea typeface="+mn-ea"/>
+                          <a:cs typeface="+mn-cs"/>
+                        </a:rPr>
+                      </a:br>
+                      <a:r>
+                        <a:rPr lang="en-US" sz="1200" b="0" i="0" u="none" strike="noStrike" baseline="0" dirty="0" smtClean="0">
+                          <a:solidFill>
+                            <a:srgbClr val="000000"/>
+                          </a:solidFill>
+                          <a:latin typeface="Arial" panose="020B0604020202020204" pitchFamily="34" charset="0"/>
+                        </a:rPr>
+                        <a:t>Investigate deeply about usage of Fuego framework, </a:t>
+                      </a:r>
+                      <a:r>
+                        <a:rPr lang="en-US" sz="1200" b="0" i="0" u="none" strike="noStrike" baseline="0" dirty="0" err="1" smtClean="0">
+                          <a:solidFill>
+                            <a:srgbClr val="000000"/>
+                          </a:solidFill>
+                          <a:latin typeface="Arial" panose="020B0604020202020204" pitchFamily="34" charset="0"/>
+                        </a:rPr>
+                        <a:t>Gstreamer</a:t>
+                      </a:r>
+                      <a:r>
+                        <a:rPr lang="en-US" sz="1200" b="0" i="0" u="none" strike="noStrike" baseline="0" dirty="0" smtClean="0">
+                          <a:solidFill>
+                            <a:srgbClr val="000000"/>
+                          </a:solidFill>
+                          <a:latin typeface="Arial" panose="020B0604020202020204" pitchFamily="34" charset="0"/>
+                        </a:rPr>
+                        <a:t> framework, Linux </a:t>
+                      </a:r>
+                      <a:endParaRPr kumimoji="1" lang="ja-JP" altLang="en-US" sz="1200" dirty="0"/>
+                    </a:p>
+                  </a:txBody>
+                  <a:tcPr anchor="ctr"/>
+                </a:tc>
+                <a:tc rowSpan="2" hMerge="1">
+                  <a:txBody>
+                    <a:bodyPr/>
+                    <a:lstStyle/>
+                    <a:p>
+                      <a:pPr algn="ctr"/>
+                      <a:endParaRPr kumimoji="1" lang="ja-JP" altLang="en-US" sz="1200" dirty="0"/>
+                    </a:p>
+                  </a:txBody>
+                  <a:tcPr anchor="ctr"/>
+                </a:tc>
+                <a:tc rowSpan="2" hMerge="1">
+                  <a:txBody>
+                    <a:bodyPr/>
+                    <a:lstStyle/>
+                    <a:p>
+                      <a:pPr algn="ctr"/>
+                      <a:endParaRPr kumimoji="1" lang="ja-JP" altLang="en-US" sz="1200"/>
+                    </a:p>
+                  </a:txBody>
+                  <a:tcPr anchor="ctr"/>
+                </a:tc>
+                <a:tc rowSpan="2" hMerge="1">
+                  <a:txBody>
+                    <a:bodyPr/>
+                    <a:lstStyle/>
+                    <a:p>
+                      <a:pPr algn="ctr"/>
+                      <a:endParaRPr kumimoji="1" lang="ja-JP" altLang="en-US" sz="1200" dirty="0"/>
+                    </a:p>
+                  </a:txBody>
+                  <a:tcPr anchor="ctr"/>
+                </a:tc>
+                <a:tc rowSpan="2" hMerge="1">
+                  <a:txBody>
+                    <a:bodyPr/>
+                    <a:lstStyle/>
+                    <a:p>
+                      <a:pPr algn="ctr"/>
+                      <a:endParaRPr kumimoji="1" lang="ja-JP" altLang="en-US" sz="1200" dirty="0"/>
+                    </a:p>
+                  </a:txBody>
+                  <a:tcPr anchor="ctr"/>
+                </a:tc>
+                <a:tc rowSpan="2" hMerge="1">
+                  <a:txBody>
+                    <a:bodyPr/>
+                    <a:lstStyle/>
+                    <a:p>
+                      <a:pPr algn="ctr"/>
+                      <a:endParaRPr kumimoji="1" lang="ja-JP" altLang="en-US" sz="1200" dirty="0"/>
+                    </a:p>
+                  </a:txBody>
+                  <a:tcPr anchor="ctr"/>
+                </a:tc>
+                <a:tc rowSpan="2" hMerge="1">
+                  <a:txBody>
+                    <a:bodyPr/>
+                    <a:lstStyle/>
+                    <a:p>
+                      <a:pPr algn="ctr"/>
+                      <a:endParaRPr kumimoji="1" lang="ja-JP" altLang="en-US" sz="1200" dirty="0"/>
+                    </a:p>
+                  </a:txBody>
+                  <a:tcPr anchor="ctr"/>
+                </a:tc>
+                <a:tc rowSpan="2" hMerge="1">
+                  <a:txBody>
+                    <a:bodyPr/>
+                    <a:lstStyle/>
+                    <a:p>
+                      <a:pPr algn="ctr"/>
+                      <a:endParaRPr kumimoji="1" lang="ja-JP" altLang="en-US" sz="1200" dirty="0"/>
+                    </a:p>
+                  </a:txBody>
+                  <a:tcPr anchor="ctr"/>
+                </a:tc>
+                <a:tc rowSpan="2" hMerge="1">
+                  <a:txBody>
+                    <a:bodyPr/>
+                    <a:lstStyle/>
+                    <a:p>
+                      <a:pPr algn="ctr"/>
+                      <a:endParaRPr kumimoji="1" lang="ja-JP" altLang="en-US" sz="1200" dirty="0"/>
+                    </a:p>
+                  </a:txBody>
+                  <a:tcPr anchor="ctr"/>
+                </a:tc>
+                <a:tc rowSpan="2" hMerge="1">
+                  <a:txBody>
+                    <a:bodyPr/>
+                    <a:lstStyle/>
+                    <a:p>
+                      <a:pPr algn="ctr"/>
+                      <a:endParaRPr kumimoji="1" lang="ja-JP" altLang="en-US" sz="1200" dirty="0"/>
+                    </a:p>
+                  </a:txBody>
+                  <a:tcPr anchor="ctr"/>
+                </a:tc>
+                <a:tc rowSpan="2" hMerge="1">
+                  <a:txBody>
+                    <a:bodyPr/>
+                    <a:lstStyle/>
+                    <a:p>
+                      <a:pPr algn="ctr"/>
+                      <a:endParaRPr kumimoji="1" lang="ja-JP" altLang="en-US" sz="1200" dirty="0"/>
+                    </a:p>
+                  </a:txBody>
+                  <a:tcPr anchor="ctr"/>
+                </a:tc>
+                <a:tc rowSpan="2" hMerge="1">
+                  <a:txBody>
+                    <a:bodyPr/>
+                    <a:lstStyle/>
+                    <a:p>
+                      <a:pPr algn="ctr"/>
+                      <a:endParaRPr kumimoji="1" lang="ja-JP" altLang="en-US" sz="1200" dirty="0"/>
+                    </a:p>
+                  </a:txBody>
+                  <a:tcPr anchor="ctr"/>
+                </a:tc>
+                <a:tc>
+                  <a:txBody>
+                    <a:bodyPr/>
+                    <a:lstStyle/>
+                    <a:p>
+                      <a:pPr algn="ctr"/>
+                      <a:endParaRPr kumimoji="1" lang="ja-JP" altLang="en-US" sz="1200" dirty="0"/>
+                    </a:p>
+                  </a:txBody>
+                  <a:tcPr anchor="ctr"/>
+                </a:tc>
+                <a:tc>
+                  <a:txBody>
+                    <a:bodyPr/>
+                    <a:lstStyle/>
+                    <a:p>
+                      <a:pPr algn="ctr"/>
+                      <a:endParaRPr kumimoji="1" lang="ja-JP" altLang="en-US" sz="1200" dirty="0"/>
+                    </a:p>
+                  </a:txBody>
+                  <a:tcPr anchor="ctr"/>
+                </a:tc>
+                <a:tc>
+                  <a:txBody>
+                    <a:bodyPr/>
+                    <a:lstStyle/>
+                    <a:p>
+                      <a:pPr algn="ctr"/>
+                      <a:endParaRPr kumimoji="1" lang="ja-JP" altLang="en-US" sz="1200" dirty="0"/>
+                    </a:p>
+                  </a:txBody>
+                  <a:tcPr anchor="ctr"/>
+                </a:tc>
+                <a:extLst>
+                  <a:ext uri="{0D108BD9-81ED-4DB2-BD59-A6C34878D82A}">
+                    <a16:rowId xmlns="" xmlns:a16="http://schemas.microsoft.com/office/drawing/2014/main" val="415836400"/>
+                  </a:ext>
+                </a:extLst>
+              </a:tr>
+              <a:tr h="385580">
+                <a:tc>
+                  <a:txBody>
+                    <a:bodyPr/>
+                    <a:lstStyle/>
+                    <a:p>
+                      <a:pPr algn="ctr"/>
+                      <a:endParaRPr kumimoji="1" lang="ja-JP" altLang="en-US" sz="1200" dirty="0"/>
+                    </a:p>
+                  </a:txBody>
+                  <a:tcPr anchor="ctr"/>
+                </a:tc>
+                <a:tc>
+                  <a:txBody>
+                    <a:bodyPr/>
+                    <a:lstStyle/>
+                    <a:p>
+                      <a:pPr algn="ctr"/>
+                      <a:endParaRPr kumimoji="1" lang="ja-JP" altLang="en-US" sz="1200" dirty="0"/>
+                    </a:p>
+                  </a:txBody>
+                  <a:tcPr anchor="ctr"/>
+                </a:tc>
+                <a:tc gridSpan="12" vMerge="1">
+                  <a:txBody>
+                    <a:bodyPr/>
+                    <a:lstStyle/>
+                    <a:p>
+                      <a:pPr algn="ctr"/>
+                      <a:endParaRPr kumimoji="1" lang="ja-JP" altLang="en-US" sz="1200" dirty="0"/>
+                    </a:p>
+                  </a:txBody>
+                  <a:tcPr anchor="ctr"/>
+                </a:tc>
+                <a:tc hMerge="1" vMerge="1">
+                  <a:txBody>
+                    <a:bodyPr/>
+                    <a:lstStyle/>
+                    <a:p>
+                      <a:pPr algn="ctr"/>
+                      <a:endParaRPr kumimoji="1" lang="ja-JP" altLang="en-US" sz="1200" dirty="0"/>
+                    </a:p>
+                  </a:txBody>
+                  <a:tcPr anchor="ctr"/>
+                </a:tc>
+                <a:tc hMerge="1" vMerge="1">
+                  <a:txBody>
+                    <a:bodyPr/>
+                    <a:lstStyle/>
+                    <a:p>
+                      <a:pPr algn="ctr"/>
+                      <a:endParaRPr kumimoji="1" lang="ja-JP" altLang="en-US" sz="1200" dirty="0"/>
+                    </a:p>
+                  </a:txBody>
+                  <a:tcPr anchor="ctr"/>
+                </a:tc>
+                <a:tc hMerge="1" vMerge="1">
+                  <a:txBody>
+                    <a:bodyPr/>
+                    <a:lstStyle/>
+                    <a:p>
+                      <a:pPr algn="ctr"/>
+                      <a:endParaRPr kumimoji="1" lang="ja-JP" altLang="en-US" sz="1200" dirty="0"/>
+                    </a:p>
+                  </a:txBody>
+                  <a:tcPr anchor="ctr"/>
+                </a:tc>
+                <a:tc hMerge="1" vMerge="1">
+                  <a:txBody>
+                    <a:bodyPr/>
+                    <a:lstStyle/>
+                    <a:p>
+                      <a:pPr algn="ctr"/>
+                      <a:endParaRPr kumimoji="1" lang="ja-JP" altLang="en-US" sz="1200" dirty="0"/>
+                    </a:p>
+                  </a:txBody>
+                  <a:tcPr anchor="ctr"/>
+                </a:tc>
+                <a:tc hMerge="1" vMerge="1">
+                  <a:txBody>
+                    <a:bodyPr/>
+                    <a:lstStyle/>
+                    <a:p>
+                      <a:pPr algn="ctr"/>
+                      <a:endParaRPr kumimoji="1" lang="ja-JP" altLang="en-US" sz="1200" dirty="0"/>
+                    </a:p>
+                  </a:txBody>
+                  <a:tcPr anchor="ctr"/>
+                </a:tc>
+                <a:tc hMerge="1" vMerge="1">
+                  <a:txBody>
+                    <a:bodyPr/>
+                    <a:lstStyle/>
+                    <a:p>
+                      <a:pPr algn="ctr"/>
+                      <a:endParaRPr kumimoji="1" lang="ja-JP" altLang="en-US" sz="1200" dirty="0"/>
+                    </a:p>
+                  </a:txBody>
+                  <a:tcPr anchor="ctr"/>
+                </a:tc>
+                <a:tc hMerge="1" vMerge="1">
+                  <a:txBody>
+                    <a:bodyPr/>
+                    <a:lstStyle/>
+                    <a:p>
+                      <a:pPr algn="ctr"/>
+                      <a:endParaRPr kumimoji="1" lang="ja-JP" altLang="en-US" sz="1200" dirty="0"/>
+                    </a:p>
+                  </a:txBody>
+                  <a:tcPr anchor="ctr"/>
+                </a:tc>
+                <a:tc hMerge="1" vMerge="1">
+                  <a:txBody>
+                    <a:bodyPr/>
+                    <a:lstStyle/>
+                    <a:p>
+                      <a:pPr algn="ctr"/>
+                      <a:endParaRPr kumimoji="1" lang="ja-JP" altLang="en-US" sz="1200" dirty="0"/>
+                    </a:p>
+                  </a:txBody>
+                  <a:tcPr anchor="ctr"/>
+                </a:tc>
+                <a:tc hMerge="1" vMerge="1">
+                  <a:txBody>
+                    <a:bodyPr/>
+                    <a:lstStyle/>
+                    <a:p>
+                      <a:pPr algn="ctr"/>
+                      <a:endParaRPr kumimoji="1" lang="ja-JP" altLang="en-US" sz="1200" dirty="0"/>
+                    </a:p>
+                  </a:txBody>
+                  <a:tcPr anchor="ctr"/>
+                </a:tc>
+                <a:tc hMerge="1" vMerge="1">
+                  <a:txBody>
+                    <a:bodyPr/>
+                    <a:lstStyle/>
+                    <a:p>
+                      <a:pPr algn="ctr"/>
+                      <a:endParaRPr kumimoji="1" lang="ja-JP" altLang="en-US" sz="1200" dirty="0"/>
+                    </a:p>
+                  </a:txBody>
+                  <a:tcPr anchor="ctr"/>
+                </a:tc>
+                <a:tc hMerge="1" vMerge="1">
+                  <a:txBody>
+                    <a:bodyPr/>
+                    <a:lstStyle/>
+                    <a:p>
+                      <a:pPr algn="ctr"/>
+                      <a:endParaRPr kumimoji="1" lang="ja-JP" altLang="en-US" sz="1200" dirty="0"/>
+                    </a:p>
+                  </a:txBody>
+                  <a:tcPr anchor="ctr"/>
+                </a:tc>
+                <a:tc>
+                  <a:txBody>
+                    <a:bodyPr/>
+                    <a:lstStyle/>
+                    <a:p>
+                      <a:pPr algn="ctr"/>
+                      <a:endParaRPr kumimoji="1" lang="ja-JP" altLang="en-US" sz="1200" dirty="0"/>
+                    </a:p>
+                  </a:txBody>
+                  <a:tcPr anchor="ctr"/>
+                </a:tc>
+                <a:tc>
+                  <a:txBody>
+                    <a:bodyPr/>
+                    <a:lstStyle/>
+                    <a:p>
+                      <a:pPr algn="ctr"/>
+                      <a:endParaRPr kumimoji="1" lang="ja-JP" altLang="en-US" sz="1200" dirty="0"/>
+                    </a:p>
+                  </a:txBody>
+                  <a:tcPr anchor="ctr"/>
+                </a:tc>
+                <a:tc>
+                  <a:txBody>
+                    <a:bodyPr/>
+                    <a:lstStyle/>
+                    <a:p>
+                      <a:pPr algn="ctr"/>
+                      <a:endParaRPr kumimoji="1" lang="ja-JP" altLang="en-US" sz="1200" dirty="0"/>
+                    </a:p>
+                  </a:txBody>
+                  <a:tcPr anchor="ctr"/>
+                </a:tc>
+                <a:extLst>
+                  <a:ext uri="{0D108BD9-81ED-4DB2-BD59-A6C34878D82A}">
+                    <a16:rowId xmlns="" xmlns:a16="http://schemas.microsoft.com/office/drawing/2014/main" val="1434723097"/>
+                  </a:ext>
+                </a:extLst>
+              </a:tr>
+            </a:tbl>
+          </a:graphicData>
+        </a:graphic>
+      </p:graphicFrame>
+    </p:spTree>
+    <p:extLst>
+      <p:ext uri="{BB962C8B-B14F-4D97-AF65-F5344CB8AC3E}">
+        <p14:creationId xmlns:p14="http://schemas.microsoft.com/office/powerpoint/2010/main" val="2951604088"/>
+      </p:ext>
+    </p:extLst>
+  </p:cSld>
+  <p:clrMapOvr>
+    <a:masterClrMapping/>
+  </p:clrMapOvr>
+</p:sld>
+</file>
+
+<file path=ppt/slides/slide21.xml><?xml version="1.0" encoding="utf-8"?>
+<p:sld xmlns:a="http://schemas.openxmlformats.org/drawingml/2006/main" xmlns:r="http://schemas.openxmlformats.org/officeDocument/2006/relationships" xmlns:p="http://schemas.openxmlformats.org/presentationml/2006/main">
+  <p:cSld>
+    <p:spTree>
+      <p:nvGrpSpPr>
+        <p:cNvPr id="1" name=""/>
+        <p:cNvGrpSpPr/>
+        <p:nvPr/>
+      </p:nvGrpSpPr>
+      <p:grpSpPr>
+        <a:xfrm>
+          <a:off x="0" y="0"/>
+          <a:ext cx="0" cy="0"/>
+          <a:chOff x="0" y="0"/>
+          <a:chExt cx="0" cy="0"/>
+        </a:xfrm>
+      </p:grpSpPr>
+      <p:sp>
+        <p:nvSpPr>
+          <p:cNvPr id="2" name="Titel 1"/>
+          <p:cNvSpPr>
+            <a:spLocks noGrp="1"/>
+          </p:cNvSpPr>
+          <p:nvPr>
+            <p:ph type="title"/>
+          </p:nvPr>
+        </p:nvSpPr>
+        <p:spPr>
+          <a:xfrm>
+            <a:off x="1080000" y="659001"/>
+            <a:ext cx="9000000" cy="720197"/>
+          </a:xfrm>
+        </p:spPr>
+        <p:txBody>
+          <a:bodyPr/>
+          <a:lstStyle/>
+          <a:p>
+            <a:r>
+              <a:rPr lang="en-US" dirty="0" smtClean="0"/>
+              <a:t> </a:t>
+            </a:r>
+            <a:r>
+              <a:rPr lang="en-US" cap="all" dirty="0"/>
+              <a:t/>
+            </a:r>
+            <a:br>
+              <a:rPr lang="en-US" cap="all" dirty="0"/>
+            </a:br>
+            <a:r>
+              <a:rPr lang="en-US" sz="2000" cap="all" dirty="0" smtClean="0"/>
+              <a:t>planning </a:t>
+            </a:r>
+            <a:r>
+              <a:rPr lang="en-US" sz="2000" cap="all" dirty="0" smtClean="0"/>
+              <a:t>(2/2</a:t>
+            </a:r>
+            <a:r>
+              <a:rPr lang="en-US" sz="2000" cap="all" dirty="0" smtClean="0"/>
+              <a:t>)</a:t>
+            </a:r>
+            <a:endParaRPr lang="en-US" sz="2000" cap="all" dirty="0"/>
+          </a:p>
+        </p:txBody>
+      </p:sp>
+      <p:sp>
+        <p:nvSpPr>
+          <p:cNvPr id="3" name="Foliennummernplatzhalter 2"/>
+          <p:cNvSpPr>
+            <a:spLocks noGrp="1"/>
+          </p:cNvSpPr>
+          <p:nvPr>
+            <p:ph type="sldNum" sz="quarter" idx="10"/>
+          </p:nvPr>
+        </p:nvSpPr>
+        <p:spPr/>
+        <p:txBody>
+          <a:bodyPr/>
+          <a:lstStyle/>
+          <a:p>
+            <a:pPr algn="l"/>
+            <a:r>
+              <a:rPr lang="de-DE" dirty="0"/>
+              <a:t>Page </a:t>
+            </a:r>
+            <a:fld id="{3FD030EF-7044-4946-962A-5D7D09BD1B34}" type="slidenum">
+              <a:rPr lang="de-DE" smtClean="0"/>
+              <a:pPr algn="l"/>
+              <a:t>21</a:t>
+            </a:fld>
+            <a:endParaRPr lang="de-DE" dirty="0"/>
+          </a:p>
+        </p:txBody>
+      </p:sp>
+      <p:sp>
+        <p:nvSpPr>
+          <p:cNvPr id="8" name="Content Placeholder 7"/>
+          <p:cNvSpPr>
+            <a:spLocks noGrp="1"/>
+          </p:cNvSpPr>
+          <p:nvPr>
+            <p:ph idx="1"/>
+          </p:nvPr>
+        </p:nvSpPr>
+        <p:spPr>
+          <a:xfrm>
+            <a:off x="1080000" y="1800000"/>
+            <a:ext cx="9000000" cy="2671501"/>
+          </a:xfrm>
+        </p:spPr>
+        <p:txBody>
+          <a:bodyPr/>
+          <a:lstStyle/>
+          <a:p>
+            <a:r>
+              <a:rPr lang="en-US" b="1" dirty="0"/>
+              <a:t>Extract test </a:t>
+            </a:r>
+            <a:r>
+              <a:rPr lang="en-US" b="1" dirty="0" smtClean="0"/>
+              <a:t>items</a:t>
+            </a:r>
+            <a:br>
+              <a:rPr lang="en-US" b="1" dirty="0" smtClean="0"/>
+            </a:br>
+            <a:r>
+              <a:rPr lang="en-US" dirty="0"/>
+              <a:t>Propose/create test cases for system evaluation</a:t>
+            </a:r>
+            <a:endParaRPr lang="en-US" b="1" dirty="0" smtClean="0"/>
+          </a:p>
+          <a:p>
+            <a:r>
+              <a:rPr lang="en-US" b="1" dirty="0"/>
+              <a:t>Conduct tests and round up the </a:t>
+            </a:r>
+            <a:r>
+              <a:rPr lang="en-US" b="1" dirty="0" smtClean="0"/>
+              <a:t>results</a:t>
+            </a:r>
+            <a:br>
+              <a:rPr lang="en-US" b="1" dirty="0" smtClean="0"/>
+            </a:br>
+            <a:r>
+              <a:rPr lang="en-US" dirty="0"/>
+              <a:t>Run system evaluation pipelines, measure detail performance and make report</a:t>
+            </a:r>
+            <a:endParaRPr lang="en-US" b="1" dirty="0" smtClean="0"/>
+          </a:p>
+          <a:p>
+            <a:r>
+              <a:rPr lang="en-US" b="1" dirty="0"/>
+              <a:t>Failure </a:t>
+            </a:r>
+            <a:r>
+              <a:rPr lang="en-US" b="1" dirty="0" smtClean="0"/>
+              <a:t>analysis</a:t>
+            </a:r>
+            <a:br>
+              <a:rPr lang="en-US" b="1" dirty="0" smtClean="0"/>
+            </a:br>
+            <a:r>
+              <a:rPr lang="en-US" dirty="0"/>
+              <a:t>Inspect/analyze/fix all issues/failures while executing system evaluation Test Cases</a:t>
+            </a:r>
+            <a:endParaRPr lang="en-US" b="1" dirty="0" smtClean="0"/>
+          </a:p>
+          <a:p>
+            <a:r>
+              <a:rPr lang="en-US" b="1" dirty="0"/>
+              <a:t>Test environment </a:t>
+            </a:r>
+            <a:r>
+              <a:rPr lang="en-US" b="1" dirty="0" smtClean="0"/>
+              <a:t>construction</a:t>
+            </a:r>
+            <a:br>
+              <a:rPr lang="en-US" b="1" dirty="0" smtClean="0"/>
+            </a:br>
+            <a:r>
+              <a:rPr lang="en-US" dirty="0"/>
+              <a:t>Investigate deeply about usage of Fuego framework, </a:t>
+            </a:r>
+            <a:r>
+              <a:rPr lang="en-US" dirty="0" err="1" smtClean="0"/>
+              <a:t>Gstreamer</a:t>
+            </a:r>
+            <a:r>
+              <a:rPr lang="en-US" dirty="0" smtClean="0"/>
+              <a:t> framework</a:t>
+            </a:r>
+            <a:r>
+              <a:rPr lang="en-US" dirty="0"/>
+              <a:t>, Linux </a:t>
+            </a:r>
+          </a:p>
+        </p:txBody>
+      </p:sp>
+      <p:sp>
+        <p:nvSpPr>
+          <p:cNvPr id="9" name="Rectangle 8"/>
+          <p:cNvSpPr/>
+          <p:nvPr/>
+        </p:nvSpPr>
+        <p:spPr>
+          <a:xfrm>
+            <a:off x="1080000" y="6019800"/>
+            <a:ext cx="2368982" cy="369332"/>
+          </a:xfrm>
+          <a:prstGeom prst="rect">
+            <a:avLst/>
+          </a:prstGeom>
+        </p:spPr>
+        <p:txBody>
+          <a:bodyPr wrap="none">
+            <a:spAutoFit/>
+          </a:bodyPr>
+          <a:lstStyle/>
+          <a:p>
+            <a:r>
+              <a:rPr lang="en-US" dirty="0"/>
+              <a:t>Jun 2017 – JUL 2019</a:t>
+            </a:r>
+          </a:p>
+        </p:txBody>
+      </p:sp>
+    </p:spTree>
+    <p:extLst>
+      <p:ext uri="{BB962C8B-B14F-4D97-AF65-F5344CB8AC3E}">
+        <p14:creationId xmlns:p14="http://schemas.microsoft.com/office/powerpoint/2010/main" val="1788785650"/>
+      </p:ext>
+    </p:extLst>
+  </p:cSld>
+  <p:clrMapOvr>
+    <a:masterClrMapping/>
+  </p:clrMapOvr>
+</p:sld>
+</file>
+
+<file path=ppt/slides/slide22.xml><?xml version="1.0" encoding="utf-8"?>
 <p:sld xmlns:a="http://schemas.openxmlformats.org/drawingml/2006/main" xmlns:r="http://schemas.openxmlformats.org/officeDocument/2006/relationships" xmlns:p="http://schemas.openxmlformats.org/presentationml/2006/main">
   <p:cSld>
     <p:spTree>
@@ -14317,6 +19416,79 @@
           </a:p>
         </p:txBody>
       </p:sp>
+      <p:graphicFrame>
+        <p:nvGraphicFramePr>
+          <p:cNvPr id="5" name="Table 4"/>
+          <p:cNvGraphicFramePr>
+            <a:graphicFrameLocks noGrp="1"/>
+          </p:cNvGraphicFramePr>
+          <p:nvPr>
+            <p:extLst>
+              <p:ext uri="{D42A27DB-BD31-4B8C-83A1-F6EECF244321}">
+                <p14:modId xmlns:p14="http://schemas.microsoft.com/office/powerpoint/2010/main" val="3295807792"/>
+              </p:ext>
+            </p:extLst>
+          </p:nvPr>
+        </p:nvGraphicFramePr>
+        <p:xfrm>
+          <a:off x="7772400" y="2136905"/>
+          <a:ext cx="1066800" cy="2010002"/>
+        </p:xfrm>
+        <a:graphic>
+          <a:graphicData uri="http://schemas.openxmlformats.org/drawingml/2006/table">
+            <a:tbl>
+              <a:tblPr firstRow="1" bandRow="1">
+                <a:tableStyleId>{5C22544A-7EE6-4342-B048-85BDC9FD1C3A}</a:tableStyleId>
+              </a:tblPr>
+              <a:tblGrid>
+                <a:gridCol w="1066800"/>
+              </a:tblGrid>
+              <a:tr h="1005001">
+                <a:tc>
+                  <a:txBody>
+                    <a:bodyPr/>
+                    <a:lstStyle/>
+                    <a:p>
+                      <a:pPr algn="ctr"/>
+                      <a:r>
+                        <a:rPr lang="en-US" dirty="0" smtClean="0"/>
+                        <a:t>Level</a:t>
+                      </a:r>
+                      <a:r>
+                        <a:rPr lang="en-US" baseline="0" dirty="0" smtClean="0"/>
+                        <a:t> 2</a:t>
+                      </a:r>
+                      <a:endParaRPr lang="en-US" dirty="0"/>
+                    </a:p>
+                  </a:txBody>
+                  <a:tcPr/>
+                </a:tc>
+              </a:tr>
+              <a:tr h="1005001">
+                <a:tc>
+                  <a:txBody>
+                    <a:bodyPr/>
+                    <a:lstStyle/>
+                    <a:p>
+                      <a:pPr algn="ctr"/>
+                      <a:r>
+                        <a:rPr lang="en-US" dirty="0" smtClean="0"/>
+                        <a:t>Level</a:t>
+                      </a:r>
+                      <a:r>
+                        <a:rPr lang="en-US" baseline="0" dirty="0" smtClean="0"/>
+                        <a:t> 1</a:t>
+                      </a:r>
+                      <a:endParaRPr lang="en-US" dirty="0"/>
+                    </a:p>
+                  </a:txBody>
+                  <a:tcPr/>
+                </a:tc>
+              </a:tr>
+            </a:tbl>
+          </a:graphicData>
+        </a:graphic>
+      </p:graphicFrame>
     </p:spTree>
     <p:extLst>
       <p:ext uri="{BB962C8B-B14F-4D97-AF65-F5344CB8AC3E}">
@@ -16381,38 +21553,8 @@
                           <a:ea typeface="+mn-ea"/>
                           <a:cs typeface="+mn-cs"/>
                         </a:rPr>
-                        <a:t>Can </a:t>
-                      </a:r>
-                      <a:r>
-                        <a:rPr kumimoji="1" lang="en-US" sz="1800" b="0" i="0" u="none" strike="noStrike" kern="1200" baseline="0" dirty="0" smtClean="0">
-                          <a:solidFill>
-                            <a:schemeClr val="dk1"/>
-                          </a:solidFill>
-                          <a:latin typeface="+mn-lt"/>
-                          <a:ea typeface="+mn-ea"/>
-                          <a:cs typeface="+mn-cs"/>
-                        </a:rPr>
-                        <a:t>perform coding individual without follow standards or techniques</a:t>
-                      </a:r>
-                      <a:r>
-                        <a:rPr kumimoji="1" lang="en-US" sz="1800" b="0" i="0" u="none" strike="noStrike" kern="1200" baseline="0" dirty="0" smtClean="0">
-                          <a:solidFill>
-                            <a:schemeClr val="dk1"/>
-                          </a:solidFill>
-                          <a:latin typeface="+mn-lt"/>
-                          <a:ea typeface="+mn-ea"/>
-                          <a:cs typeface="+mn-cs"/>
-                        </a:rPr>
-                        <a:t>.</a:t>
-                      </a:r>
-                      <a:endParaRPr kumimoji="1" lang="en-US" sz="1800" b="0" i="0" u="none" strike="noStrike" kern="1200" baseline="0" dirty="0" smtClean="0">
-                        <a:solidFill>
-                          <a:schemeClr val="dk1"/>
-                        </a:solidFill>
-                        <a:latin typeface="+mn-lt"/>
-                        <a:ea typeface="+mn-ea"/>
-                        <a:cs typeface="+mn-cs"/>
-                      </a:endParaRPr>
+                        <a:t>Can perform coding individual without follow standards or techniques.</a:t>
+                      </a:r>
                     </a:p>
                   </a:txBody>
                   <a:tcPr/>
